--- a/presentation/presentation2.0.pptx
+++ b/presentation/presentation2.0.pptx
@@ -7,7 +7,7 @@
     <p:sldMasterId id="2147483656" r:id="rId3"/>
   </p:sldMasterIdLst>
   <p:notesMasterIdLst>
-    <p:notesMasterId r:id="rId18"/>
+    <p:notesMasterId r:id="rId25"/>
   </p:notesMasterIdLst>
   <p:sldIdLst>
     <p:sldId id="256" r:id="rId4"/>
@@ -22,8 +22,15 @@
     <p:sldId id="261" r:id="rId13"/>
     <p:sldId id="262" r:id="rId14"/>
     <p:sldId id="263" r:id="rId15"/>
-    <p:sldId id="265" r:id="rId16"/>
-    <p:sldId id="264" r:id="rId17"/>
+    <p:sldId id="271" r:id="rId16"/>
+    <p:sldId id="273" r:id="rId17"/>
+    <p:sldId id="274" r:id="rId18"/>
+    <p:sldId id="275" r:id="rId19"/>
+    <p:sldId id="276" r:id="rId20"/>
+    <p:sldId id="277" r:id="rId21"/>
+    <p:sldId id="272" r:id="rId22"/>
+    <p:sldId id="265" r:id="rId23"/>
+    <p:sldId id="264" r:id="rId24"/>
   </p:sldIdLst>
   <p:sldSz cx="9144000" cy="6858000" type="screen4x3"/>
   <p:notesSz cx="6858000" cy="9144000"/>
@@ -152,6 +159,45 @@
       </a:defRPr>
     </a:lvl9pPr>
   </p:defaultTextStyle>
+  <p:extLst>
+    <p:ext uri="{521415D9-36F7-43E2-AB2F-B90AF26B5E84}">
+      <p14:sectionLst xmlns:p14="http://schemas.microsoft.com/office/powerpoint/2010/main">
+        <p14:section name="Default Section" id="{71789B04-11C9-41C3-9DEC-D783814861A0}">
+          <p14:sldIdLst>
+            <p14:sldId id="256"/>
+            <p14:sldId id="258"/>
+            <p14:sldId id="259"/>
+            <p14:sldId id="260"/>
+            <p14:sldId id="269"/>
+            <p14:sldId id="270"/>
+            <p14:sldId id="266"/>
+            <p14:sldId id="267"/>
+            <p14:sldId id="268"/>
+            <p14:sldId id="261"/>
+            <p14:sldId id="262"/>
+            <p14:sldId id="263"/>
+          </p14:sldIdLst>
+        </p14:section>
+        <p14:section name="Results" id="{9C414C36-FE82-4051-B33D-F0E4003BE415}">
+          <p14:sldIdLst>
+            <p14:sldId id="271"/>
+            <p14:sldId id="273"/>
+            <p14:sldId id="274"/>
+            <p14:sldId id="275"/>
+            <p14:sldId id="276"/>
+            <p14:sldId id="277"/>
+            <p14:sldId id="272"/>
+          </p14:sldIdLst>
+        </p14:section>
+        <p14:section name="Untitled Section" id="{425B5E02-0548-42A4-A62C-B7F42681585C}">
+          <p14:sldIdLst>
+            <p14:sldId id="265"/>
+            <p14:sldId id="264"/>
+          </p14:sldIdLst>
+        </p14:section>
+      </p14:sectionLst>
+    </p:ext>
+  </p:extLst>
 </p:presentation>
 </file>
 
@@ -212,14 +258,14 @@
           <a:effectLst/>
           <a:extLst>
             <a:ext uri="{909E8E84-426E-40DD-AFC4-6F175D3DCCD1}">
-              <a14:hiddenFill xmlns:a14="http://schemas.microsoft.com/office/drawing/2010/main" xmlns="">
+              <a14:hiddenFill xmlns:a14="http://schemas.microsoft.com/office/drawing/2010/main">
                 <a:solidFill>
                   <a:schemeClr val="accent1"/>
                 </a:solidFill>
               </a14:hiddenFill>
             </a:ext>
             <a:ext uri="{91240B29-F687-4F45-9708-019B960494DF}">
-              <a14:hiddenLine xmlns:a14="http://schemas.microsoft.com/office/drawing/2010/main" xmlns="" w="9525">
+              <a14:hiddenLine xmlns:a14="http://schemas.microsoft.com/office/drawing/2010/main" w="9525">
                 <a:solidFill>
                   <a:schemeClr val="tx1"/>
                 </a:solidFill>
@@ -229,7 +275,7 @@
               </a14:hiddenLine>
             </a:ext>
             <a:ext uri="{AF507438-7753-43E0-B8FC-AC1667EBCBE1}">
-              <a14:hiddenEffects xmlns:a14="http://schemas.microsoft.com/office/drawing/2010/main" xmlns="">
+              <a14:hiddenEffects xmlns:a14="http://schemas.microsoft.com/office/drawing/2010/main">
                 <a:effectLst>
                   <a:outerShdw dist="35921" dir="2700000" algn="ctr" rotWithShape="0">
                     <a:schemeClr val="bg2"/>
@@ -280,14 +326,14 @@
           <a:effectLst/>
           <a:extLst>
             <a:ext uri="{909E8E84-426E-40DD-AFC4-6F175D3DCCD1}">
-              <a14:hiddenFill xmlns:a14="http://schemas.microsoft.com/office/drawing/2010/main" xmlns="">
+              <a14:hiddenFill xmlns:a14="http://schemas.microsoft.com/office/drawing/2010/main">
                 <a:solidFill>
                   <a:schemeClr val="accent1"/>
                 </a:solidFill>
               </a14:hiddenFill>
             </a:ext>
             <a:ext uri="{91240B29-F687-4F45-9708-019B960494DF}">
-              <a14:hiddenLine xmlns:a14="http://schemas.microsoft.com/office/drawing/2010/main" xmlns="" w="9525">
+              <a14:hiddenLine xmlns:a14="http://schemas.microsoft.com/office/drawing/2010/main" w="9525">
                 <a:solidFill>
                   <a:schemeClr val="tx1"/>
                 </a:solidFill>
@@ -297,7 +343,7 @@
               </a14:hiddenLine>
             </a:ext>
             <a:ext uri="{AF507438-7753-43E0-B8FC-AC1667EBCBE1}">
-              <a14:hiddenEffects xmlns:a14="http://schemas.microsoft.com/office/drawing/2010/main" xmlns="">
+              <a14:hiddenEffects xmlns:a14="http://schemas.microsoft.com/office/drawing/2010/main">
                 <a:effectLst>
                   <a:outerShdw dist="35921" dir="2700000" algn="ctr" rotWithShape="0">
                     <a:schemeClr val="bg2"/>
@@ -353,7 +399,7 @@
           <a:effectLst/>
           <a:extLst>
             <a:ext uri="{AF507438-7753-43E0-B8FC-AC1667EBCBE1}">
-              <a14:hiddenEffects xmlns:a14="http://schemas.microsoft.com/office/drawing/2010/main" xmlns="">
+              <a14:hiddenEffects xmlns:a14="http://schemas.microsoft.com/office/drawing/2010/main">
                 <a:effectLst>
                   <a:outerShdw dist="35921" dir="2700000" algn="ctr" rotWithShape="0">
                     <a:srgbClr val="808080"/>
@@ -362,7 +408,7 @@
               </a14:hiddenEffects>
             </a:ext>
             <a:ext uri="{53640926-AAD7-44D8-BBD7-CCE9431645EC}">
-              <a14:shadowObscured xmlns:a14="http://schemas.microsoft.com/office/drawing/2010/main" xmlns="" val="1"/>
+              <a14:shadowObscured xmlns:a14="http://schemas.microsoft.com/office/drawing/2010/main" val="1"/>
             </a:ext>
           </a:extLst>
         </p:spPr>
@@ -392,14 +438,14 @@
           <a:effectLst/>
           <a:extLst>
             <a:ext uri="{909E8E84-426E-40DD-AFC4-6F175D3DCCD1}">
-              <a14:hiddenFill xmlns:a14="http://schemas.microsoft.com/office/drawing/2010/main" xmlns="">
+              <a14:hiddenFill xmlns:a14="http://schemas.microsoft.com/office/drawing/2010/main">
                 <a:solidFill>
                   <a:schemeClr val="accent1"/>
                 </a:solidFill>
               </a14:hiddenFill>
             </a:ext>
             <a:ext uri="{91240B29-F687-4F45-9708-019B960494DF}">
-              <a14:hiddenLine xmlns:a14="http://schemas.microsoft.com/office/drawing/2010/main" xmlns="" w="9525">
+              <a14:hiddenLine xmlns:a14="http://schemas.microsoft.com/office/drawing/2010/main" w="9525">
                 <a:solidFill>
                   <a:schemeClr val="tx1"/>
                 </a:solidFill>
@@ -409,7 +455,7 @@
               </a14:hiddenLine>
             </a:ext>
             <a:ext uri="{AF507438-7753-43E0-B8FC-AC1667EBCBE1}">
-              <a14:hiddenEffects xmlns:a14="http://schemas.microsoft.com/office/drawing/2010/main" xmlns="">
+              <a14:hiddenEffects xmlns:a14="http://schemas.microsoft.com/office/drawing/2010/main">
                 <a:effectLst>
                   <a:outerShdw dist="35921" dir="2700000" algn="ctr" rotWithShape="0">
                     <a:schemeClr val="bg2"/>
@@ -488,14 +534,14 @@
           <a:effectLst/>
           <a:extLst>
             <a:ext uri="{909E8E84-426E-40DD-AFC4-6F175D3DCCD1}">
-              <a14:hiddenFill xmlns:a14="http://schemas.microsoft.com/office/drawing/2010/main" xmlns="">
+              <a14:hiddenFill xmlns:a14="http://schemas.microsoft.com/office/drawing/2010/main">
                 <a:solidFill>
                   <a:schemeClr val="accent1"/>
                 </a:solidFill>
               </a14:hiddenFill>
             </a:ext>
             <a:ext uri="{91240B29-F687-4F45-9708-019B960494DF}">
-              <a14:hiddenLine xmlns:a14="http://schemas.microsoft.com/office/drawing/2010/main" xmlns="" w="9525">
+              <a14:hiddenLine xmlns:a14="http://schemas.microsoft.com/office/drawing/2010/main" w="9525">
                 <a:solidFill>
                   <a:schemeClr val="tx1"/>
                 </a:solidFill>
@@ -505,7 +551,7 @@
               </a14:hiddenLine>
             </a:ext>
             <a:ext uri="{AF507438-7753-43E0-B8FC-AC1667EBCBE1}">
-              <a14:hiddenEffects xmlns:a14="http://schemas.microsoft.com/office/drawing/2010/main" xmlns="">
+              <a14:hiddenEffects xmlns:a14="http://schemas.microsoft.com/office/drawing/2010/main">
                 <a:effectLst>
                   <a:outerShdw dist="35921" dir="2700000" algn="ctr" rotWithShape="0">
                     <a:schemeClr val="bg2"/>
@@ -556,14 +602,14 @@
           <a:effectLst/>
           <a:extLst>
             <a:ext uri="{909E8E84-426E-40DD-AFC4-6F175D3DCCD1}">
-              <a14:hiddenFill xmlns:a14="http://schemas.microsoft.com/office/drawing/2010/main" xmlns="">
+              <a14:hiddenFill xmlns:a14="http://schemas.microsoft.com/office/drawing/2010/main">
                 <a:solidFill>
                   <a:schemeClr val="accent1"/>
                 </a:solidFill>
               </a14:hiddenFill>
             </a:ext>
             <a:ext uri="{91240B29-F687-4F45-9708-019B960494DF}">
-              <a14:hiddenLine xmlns:a14="http://schemas.microsoft.com/office/drawing/2010/main" xmlns="" w="9525">
+              <a14:hiddenLine xmlns:a14="http://schemas.microsoft.com/office/drawing/2010/main" w="9525">
                 <a:solidFill>
                   <a:schemeClr val="tx1"/>
                 </a:solidFill>
@@ -573,7 +619,7 @@
               </a14:hiddenLine>
             </a:ext>
             <a:ext uri="{AF507438-7753-43E0-B8FC-AC1667EBCBE1}">
-              <a14:hiddenEffects xmlns:a14="http://schemas.microsoft.com/office/drawing/2010/main" xmlns="">
+              <a14:hiddenEffects xmlns:a14="http://schemas.microsoft.com/office/drawing/2010/main">
                 <a:effectLst>
                   <a:outerShdw dist="35921" dir="2700000" algn="ctr" rotWithShape="0">
                     <a:schemeClr val="bg2"/>
@@ -607,7 +653,7 @@
     </p:spTree>
     <p:extLst>
       <p:ext uri="{BB962C8B-B14F-4D97-AF65-F5344CB8AC3E}">
-        <p14:creationId xmlns:p14="http://schemas.microsoft.com/office/powerpoint/2010/main" xmlns="" val="1953554514"/>
+        <p14:creationId xmlns:p14="http://schemas.microsoft.com/office/powerpoint/2010/main" val="1953554514"/>
       </p:ext>
     </p:extLst>
   </p:cSld>
@@ -1028,7 +1074,7 @@
     </p:spTree>
     <p:extLst>
       <p:ext uri="{BB962C8B-B14F-4D97-AF65-F5344CB8AC3E}">
-        <p14:creationId xmlns:p14="http://schemas.microsoft.com/office/powerpoint/2010/main" xmlns="" val="2115042977"/>
+        <p14:creationId xmlns:p14="http://schemas.microsoft.com/office/powerpoint/2010/main" val="2115042977"/>
       </p:ext>
     </p:extLst>
   </p:cSld>
@@ -1230,7 +1276,7 @@
     </p:spTree>
     <p:extLst>
       <p:ext uri="{BB962C8B-B14F-4D97-AF65-F5344CB8AC3E}">
-        <p14:creationId xmlns:p14="http://schemas.microsoft.com/office/powerpoint/2010/main" xmlns="" val="3593635643"/>
+        <p14:creationId xmlns:p14="http://schemas.microsoft.com/office/powerpoint/2010/main" val="3593635643"/>
       </p:ext>
     </p:extLst>
   </p:cSld>
@@ -1269,7 +1315,7 @@
           <a:blip r:embed="rId2" cstate="print">
             <a:extLst>
               <a:ext uri="{28A0092B-C50C-407E-A947-70E740481C1C}">
-                <a14:useLocalDpi xmlns:a14="http://schemas.microsoft.com/office/drawing/2010/main" xmlns="" val="0"/>
+                <a14:useLocalDpi xmlns:a14="http://schemas.microsoft.com/office/drawing/2010/main" val="0"/>
               </a:ext>
             </a:extLst>
           </a:blip>
@@ -1289,7 +1335,7 @@
           <a:noFill/>
           <a:extLst>
             <a:ext uri="{909E8E84-426E-40DD-AFC4-6F175D3DCCD1}">
-              <a14:hiddenFill xmlns:a14="http://schemas.microsoft.com/office/drawing/2010/main" xmlns="">
+              <a14:hiddenFill xmlns:a14="http://schemas.microsoft.com/office/drawing/2010/main">
                 <a:solidFill>
                   <a:srgbClr val="FFFFFF"/>
                 </a:solidFill>
@@ -1310,7 +1356,7 @@
           <a:blip r:embed="rId3" cstate="print">
             <a:extLst>
               <a:ext uri="{28A0092B-C50C-407E-A947-70E740481C1C}">
-                <a14:useLocalDpi xmlns:a14="http://schemas.microsoft.com/office/drawing/2010/main" xmlns="" val="0"/>
+                <a14:useLocalDpi xmlns:a14="http://schemas.microsoft.com/office/drawing/2010/main" val="0"/>
               </a:ext>
             </a:extLst>
           </a:blip>
@@ -1330,7 +1376,7 @@
           <a:noFill/>
           <a:extLst>
             <a:ext uri="{909E8E84-426E-40DD-AFC4-6F175D3DCCD1}">
-              <a14:hiddenFill xmlns:a14="http://schemas.microsoft.com/office/drawing/2010/main" xmlns="">
+              <a14:hiddenFill xmlns:a14="http://schemas.microsoft.com/office/drawing/2010/main">
                 <a:solidFill>
                   <a:srgbClr val="FFFFFF"/>
                 </a:solidFill>
@@ -1599,7 +1645,7 @@
     </p:spTree>
     <p:extLst>
       <p:ext uri="{BB962C8B-B14F-4D97-AF65-F5344CB8AC3E}">
-        <p14:creationId xmlns:p14="http://schemas.microsoft.com/office/powerpoint/2010/main" xmlns="" val="3725975958"/>
+        <p14:creationId xmlns:p14="http://schemas.microsoft.com/office/powerpoint/2010/main" val="3725975958"/>
       </p:ext>
     </p:extLst>
   </p:cSld>
@@ -1813,7 +1859,7 @@
     </p:spTree>
     <p:extLst>
       <p:ext uri="{BB962C8B-B14F-4D97-AF65-F5344CB8AC3E}">
-        <p14:creationId xmlns:p14="http://schemas.microsoft.com/office/powerpoint/2010/main" xmlns="" val="2579298552"/>
+        <p14:creationId xmlns:p14="http://schemas.microsoft.com/office/powerpoint/2010/main" val="2579298552"/>
       </p:ext>
     </p:extLst>
   </p:cSld>
@@ -2123,7 +2169,7 @@
     </p:spTree>
     <p:extLst>
       <p:ext uri="{BB962C8B-B14F-4D97-AF65-F5344CB8AC3E}">
-        <p14:creationId xmlns:p14="http://schemas.microsoft.com/office/powerpoint/2010/main" xmlns="" val="2331762669"/>
+        <p14:creationId xmlns:p14="http://schemas.microsoft.com/office/powerpoint/2010/main" val="2331762669"/>
       </p:ext>
     </p:extLst>
   </p:cSld>
@@ -2572,7 +2618,7 @@
     </p:spTree>
     <p:extLst>
       <p:ext uri="{BB962C8B-B14F-4D97-AF65-F5344CB8AC3E}">
-        <p14:creationId xmlns:p14="http://schemas.microsoft.com/office/powerpoint/2010/main" xmlns="" val="2823705037"/>
+        <p14:creationId xmlns:p14="http://schemas.microsoft.com/office/powerpoint/2010/main" val="2823705037"/>
       </p:ext>
     </p:extLst>
   </p:cSld>
@@ -2712,7 +2758,7 @@
     </p:spTree>
     <p:extLst>
       <p:ext uri="{BB962C8B-B14F-4D97-AF65-F5344CB8AC3E}">
-        <p14:creationId xmlns:p14="http://schemas.microsoft.com/office/powerpoint/2010/main" xmlns="" val="902082003"/>
+        <p14:creationId xmlns:p14="http://schemas.microsoft.com/office/powerpoint/2010/main" val="902082003"/>
       </p:ext>
     </p:extLst>
   </p:cSld>
@@ -2829,7 +2875,7 @@
     </p:spTree>
     <p:extLst>
       <p:ext uri="{BB962C8B-B14F-4D97-AF65-F5344CB8AC3E}">
-        <p14:creationId xmlns:p14="http://schemas.microsoft.com/office/powerpoint/2010/main" xmlns="" val="454438569"/>
+        <p14:creationId xmlns:p14="http://schemas.microsoft.com/office/powerpoint/2010/main" val="454438569"/>
       </p:ext>
     </p:extLst>
   </p:cSld>
@@ -3128,7 +3174,7 @@
     </p:spTree>
     <p:extLst>
       <p:ext uri="{BB962C8B-B14F-4D97-AF65-F5344CB8AC3E}">
-        <p14:creationId xmlns:p14="http://schemas.microsoft.com/office/powerpoint/2010/main" xmlns="" val="3238251866"/>
+        <p14:creationId xmlns:p14="http://schemas.microsoft.com/office/powerpoint/2010/main" val="3238251866"/>
       </p:ext>
     </p:extLst>
   </p:cSld>
@@ -3320,7 +3366,7 @@
     </p:spTree>
     <p:extLst>
       <p:ext uri="{BB962C8B-B14F-4D97-AF65-F5344CB8AC3E}">
-        <p14:creationId xmlns:p14="http://schemas.microsoft.com/office/powerpoint/2010/main" xmlns="" val="644160068"/>
+        <p14:creationId xmlns:p14="http://schemas.microsoft.com/office/powerpoint/2010/main" val="644160068"/>
       </p:ext>
     </p:extLst>
   </p:cSld>
@@ -3595,7 +3641,7 @@
     </p:spTree>
     <p:extLst>
       <p:ext uri="{BB962C8B-B14F-4D97-AF65-F5344CB8AC3E}">
-        <p14:creationId xmlns:p14="http://schemas.microsoft.com/office/powerpoint/2010/main" xmlns="" val="2277390628"/>
+        <p14:creationId xmlns:p14="http://schemas.microsoft.com/office/powerpoint/2010/main" val="2277390628"/>
       </p:ext>
     </p:extLst>
   </p:cSld>
@@ -3787,7 +3833,7 @@
     </p:spTree>
     <p:extLst>
       <p:ext uri="{BB962C8B-B14F-4D97-AF65-F5344CB8AC3E}">
-        <p14:creationId xmlns:p14="http://schemas.microsoft.com/office/powerpoint/2010/main" xmlns="" val="2514542716"/>
+        <p14:creationId xmlns:p14="http://schemas.microsoft.com/office/powerpoint/2010/main" val="2514542716"/>
       </p:ext>
     </p:extLst>
   </p:cSld>
@@ -3989,7 +4035,7 @@
     </p:spTree>
     <p:extLst>
       <p:ext uri="{BB962C8B-B14F-4D97-AF65-F5344CB8AC3E}">
-        <p14:creationId xmlns:p14="http://schemas.microsoft.com/office/powerpoint/2010/main" xmlns="" val="510430010"/>
+        <p14:creationId xmlns:p14="http://schemas.microsoft.com/office/powerpoint/2010/main" val="510430010"/>
       </p:ext>
     </p:extLst>
   </p:cSld>
@@ -4288,7 +4334,7 @@
     </p:spTree>
     <p:extLst>
       <p:ext uri="{BB962C8B-B14F-4D97-AF65-F5344CB8AC3E}">
-        <p14:creationId xmlns:p14="http://schemas.microsoft.com/office/powerpoint/2010/main" xmlns="" val="785146755"/>
+        <p14:creationId xmlns:p14="http://schemas.microsoft.com/office/powerpoint/2010/main" val="785146755"/>
       </p:ext>
     </p:extLst>
   </p:cSld>
@@ -4502,7 +4548,7 @@
     </p:spTree>
     <p:extLst>
       <p:ext uri="{BB962C8B-B14F-4D97-AF65-F5344CB8AC3E}">
-        <p14:creationId xmlns:p14="http://schemas.microsoft.com/office/powerpoint/2010/main" xmlns="" val="2166623876"/>
+        <p14:creationId xmlns:p14="http://schemas.microsoft.com/office/powerpoint/2010/main" val="2166623876"/>
       </p:ext>
     </p:extLst>
   </p:cSld>
@@ -4812,7 +4858,7 @@
     </p:spTree>
     <p:extLst>
       <p:ext uri="{BB962C8B-B14F-4D97-AF65-F5344CB8AC3E}">
-        <p14:creationId xmlns:p14="http://schemas.microsoft.com/office/powerpoint/2010/main" xmlns="" val="736608874"/>
+        <p14:creationId xmlns:p14="http://schemas.microsoft.com/office/powerpoint/2010/main" val="736608874"/>
       </p:ext>
     </p:extLst>
   </p:cSld>
@@ -5261,7 +5307,7 @@
     </p:spTree>
     <p:extLst>
       <p:ext uri="{BB962C8B-B14F-4D97-AF65-F5344CB8AC3E}">
-        <p14:creationId xmlns:p14="http://schemas.microsoft.com/office/powerpoint/2010/main" xmlns="" val="2284628605"/>
+        <p14:creationId xmlns:p14="http://schemas.microsoft.com/office/powerpoint/2010/main" val="2284628605"/>
       </p:ext>
     </p:extLst>
   </p:cSld>
@@ -5401,7 +5447,7 @@
     </p:spTree>
     <p:extLst>
       <p:ext uri="{BB962C8B-B14F-4D97-AF65-F5344CB8AC3E}">
-        <p14:creationId xmlns:p14="http://schemas.microsoft.com/office/powerpoint/2010/main" xmlns="" val="1230267363"/>
+        <p14:creationId xmlns:p14="http://schemas.microsoft.com/office/powerpoint/2010/main" val="1230267363"/>
       </p:ext>
     </p:extLst>
   </p:cSld>
@@ -5518,7 +5564,7 @@
     </p:spTree>
     <p:extLst>
       <p:ext uri="{BB962C8B-B14F-4D97-AF65-F5344CB8AC3E}">
-        <p14:creationId xmlns:p14="http://schemas.microsoft.com/office/powerpoint/2010/main" xmlns="" val="1073760290"/>
+        <p14:creationId xmlns:p14="http://schemas.microsoft.com/office/powerpoint/2010/main" val="1073760290"/>
       </p:ext>
     </p:extLst>
   </p:cSld>
@@ -5732,7 +5778,7 @@
     </p:spTree>
     <p:extLst>
       <p:ext uri="{BB962C8B-B14F-4D97-AF65-F5344CB8AC3E}">
-        <p14:creationId xmlns:p14="http://schemas.microsoft.com/office/powerpoint/2010/main" xmlns="" val="3880213393"/>
+        <p14:creationId xmlns:p14="http://schemas.microsoft.com/office/powerpoint/2010/main" val="3880213393"/>
       </p:ext>
     </p:extLst>
   </p:cSld>
@@ -6031,7 +6077,7 @@
     </p:spTree>
     <p:extLst>
       <p:ext uri="{BB962C8B-B14F-4D97-AF65-F5344CB8AC3E}">
-        <p14:creationId xmlns:p14="http://schemas.microsoft.com/office/powerpoint/2010/main" xmlns="" val="2582652156"/>
+        <p14:creationId xmlns:p14="http://schemas.microsoft.com/office/powerpoint/2010/main" val="2582652156"/>
       </p:ext>
     </p:extLst>
   </p:cSld>
@@ -6306,7 +6352,7 @@
     </p:spTree>
     <p:extLst>
       <p:ext uri="{BB962C8B-B14F-4D97-AF65-F5344CB8AC3E}">
-        <p14:creationId xmlns:p14="http://schemas.microsoft.com/office/powerpoint/2010/main" xmlns="" val="2073530966"/>
+        <p14:creationId xmlns:p14="http://schemas.microsoft.com/office/powerpoint/2010/main" val="2073530966"/>
       </p:ext>
     </p:extLst>
   </p:cSld>
@@ -6498,7 +6544,7 @@
     </p:spTree>
     <p:extLst>
       <p:ext uri="{BB962C8B-B14F-4D97-AF65-F5344CB8AC3E}">
-        <p14:creationId xmlns:p14="http://schemas.microsoft.com/office/powerpoint/2010/main" xmlns="" val="2545962705"/>
+        <p14:creationId xmlns:p14="http://schemas.microsoft.com/office/powerpoint/2010/main" val="2545962705"/>
       </p:ext>
     </p:extLst>
   </p:cSld>
@@ -6700,7 +6746,7 @@
     </p:spTree>
     <p:extLst>
       <p:ext uri="{BB962C8B-B14F-4D97-AF65-F5344CB8AC3E}">
-        <p14:creationId xmlns:p14="http://schemas.microsoft.com/office/powerpoint/2010/main" xmlns="" val="226266198"/>
+        <p14:creationId xmlns:p14="http://schemas.microsoft.com/office/powerpoint/2010/main" val="226266198"/>
       </p:ext>
     </p:extLst>
   </p:cSld>
@@ -7010,7 +7056,7 @@
     </p:spTree>
     <p:extLst>
       <p:ext uri="{BB962C8B-B14F-4D97-AF65-F5344CB8AC3E}">
-        <p14:creationId xmlns:p14="http://schemas.microsoft.com/office/powerpoint/2010/main" xmlns="" val="3309487713"/>
+        <p14:creationId xmlns:p14="http://schemas.microsoft.com/office/powerpoint/2010/main" val="3309487713"/>
       </p:ext>
     </p:extLst>
   </p:cSld>
@@ -7459,7 +7505,7 @@
     </p:spTree>
     <p:extLst>
       <p:ext uri="{BB962C8B-B14F-4D97-AF65-F5344CB8AC3E}">
-        <p14:creationId xmlns:p14="http://schemas.microsoft.com/office/powerpoint/2010/main" xmlns="" val="3062998403"/>
+        <p14:creationId xmlns:p14="http://schemas.microsoft.com/office/powerpoint/2010/main" val="3062998403"/>
       </p:ext>
     </p:extLst>
   </p:cSld>
@@ -7599,7 +7645,7 @@
     </p:spTree>
     <p:extLst>
       <p:ext uri="{BB962C8B-B14F-4D97-AF65-F5344CB8AC3E}">
-        <p14:creationId xmlns:p14="http://schemas.microsoft.com/office/powerpoint/2010/main" xmlns="" val="4287964921"/>
+        <p14:creationId xmlns:p14="http://schemas.microsoft.com/office/powerpoint/2010/main" val="4287964921"/>
       </p:ext>
     </p:extLst>
   </p:cSld>
@@ -7716,7 +7762,7 @@
     </p:spTree>
     <p:extLst>
       <p:ext uri="{BB962C8B-B14F-4D97-AF65-F5344CB8AC3E}">
-        <p14:creationId xmlns:p14="http://schemas.microsoft.com/office/powerpoint/2010/main" xmlns="" val="4240990639"/>
+        <p14:creationId xmlns:p14="http://schemas.microsoft.com/office/powerpoint/2010/main" val="4240990639"/>
       </p:ext>
     </p:extLst>
   </p:cSld>
@@ -8015,7 +8061,7 @@
     </p:spTree>
     <p:extLst>
       <p:ext uri="{BB962C8B-B14F-4D97-AF65-F5344CB8AC3E}">
-        <p14:creationId xmlns:p14="http://schemas.microsoft.com/office/powerpoint/2010/main" xmlns="" val="4056290413"/>
+        <p14:creationId xmlns:p14="http://schemas.microsoft.com/office/powerpoint/2010/main" val="4056290413"/>
       </p:ext>
     </p:extLst>
   </p:cSld>
@@ -8294,7 +8340,7 @@
     </p:spTree>
     <p:extLst>
       <p:ext uri="{BB962C8B-B14F-4D97-AF65-F5344CB8AC3E}">
-        <p14:creationId xmlns:p14="http://schemas.microsoft.com/office/powerpoint/2010/main" xmlns="" val="100683316"/>
+        <p14:creationId xmlns:p14="http://schemas.microsoft.com/office/powerpoint/2010/main" val="100683316"/>
       </p:ext>
     </p:extLst>
   </p:cSld>
@@ -8341,7 +8387,7 @@
           <a:blip r:embed="rId13" cstate="print">
             <a:extLst>
               <a:ext uri="{28A0092B-C50C-407E-A947-70E740481C1C}">
-                <a14:useLocalDpi xmlns:a14="http://schemas.microsoft.com/office/drawing/2010/main" xmlns="" val="0"/>
+                <a14:useLocalDpi xmlns:a14="http://schemas.microsoft.com/office/drawing/2010/main" val="0"/>
               </a:ext>
             </a:extLst>
           </a:blip>
@@ -8361,7 +8407,7 @@
           <a:noFill/>
           <a:extLst>
             <a:ext uri="{909E8E84-426E-40DD-AFC4-6F175D3DCCD1}">
-              <a14:hiddenFill xmlns:a14="http://schemas.microsoft.com/office/drawing/2010/main" xmlns="">
+              <a14:hiddenFill xmlns:a14="http://schemas.microsoft.com/office/drawing/2010/main">
                 <a:solidFill>
                   <a:srgbClr val="FFFFFF"/>
                 </a:solidFill>
@@ -8395,14 +8441,14 @@
           <a:effectLst/>
           <a:extLst>
             <a:ext uri="{909E8E84-426E-40DD-AFC4-6F175D3DCCD1}">
-              <a14:hiddenFill xmlns:a14="http://schemas.microsoft.com/office/drawing/2010/main" xmlns="">
+              <a14:hiddenFill xmlns:a14="http://schemas.microsoft.com/office/drawing/2010/main">
                 <a:solidFill>
                   <a:schemeClr val="accent1"/>
                 </a:solidFill>
               </a14:hiddenFill>
             </a:ext>
             <a:ext uri="{91240B29-F687-4F45-9708-019B960494DF}">
-              <a14:hiddenLine xmlns:a14="http://schemas.microsoft.com/office/drawing/2010/main" xmlns="" w="9525">
+              <a14:hiddenLine xmlns:a14="http://schemas.microsoft.com/office/drawing/2010/main" w="9525">
                 <a:solidFill>
                   <a:schemeClr val="tx1"/>
                 </a:solidFill>
@@ -8412,7 +8458,7 @@
               </a14:hiddenLine>
             </a:ext>
             <a:ext uri="{AF507438-7753-43E0-B8FC-AC1667EBCBE1}">
-              <a14:hiddenEffects xmlns:a14="http://schemas.microsoft.com/office/drawing/2010/main" xmlns="">
+              <a14:hiddenEffects xmlns:a14="http://schemas.microsoft.com/office/drawing/2010/main">
                 <a:effectLst>
                   <a:outerShdw dist="35921" dir="2700000" algn="ctr" rotWithShape="0">
                     <a:schemeClr val="bg2"/>
@@ -8464,14 +8510,14 @@
           <a:effectLst/>
           <a:extLst>
             <a:ext uri="{909E8E84-426E-40DD-AFC4-6F175D3DCCD1}">
-              <a14:hiddenFill xmlns:a14="http://schemas.microsoft.com/office/drawing/2010/main" xmlns="">
+              <a14:hiddenFill xmlns:a14="http://schemas.microsoft.com/office/drawing/2010/main">
                 <a:solidFill>
                   <a:schemeClr val="accent1"/>
                 </a:solidFill>
               </a14:hiddenFill>
             </a:ext>
             <a:ext uri="{91240B29-F687-4F45-9708-019B960494DF}">
-              <a14:hiddenLine xmlns:a14="http://schemas.microsoft.com/office/drawing/2010/main" xmlns="" w="9525">
+              <a14:hiddenLine xmlns:a14="http://schemas.microsoft.com/office/drawing/2010/main" w="9525">
                 <a:solidFill>
                   <a:schemeClr val="tx1"/>
                 </a:solidFill>
@@ -8481,7 +8527,7 @@
               </a14:hiddenLine>
             </a:ext>
             <a:ext uri="{AF507438-7753-43E0-B8FC-AC1667EBCBE1}">
-              <a14:hiddenEffects xmlns:a14="http://schemas.microsoft.com/office/drawing/2010/main" xmlns="">
+              <a14:hiddenEffects xmlns:a14="http://schemas.microsoft.com/office/drawing/2010/main">
                 <a:effectLst>
                   <a:outerShdw dist="35921" dir="2700000" algn="ctr" rotWithShape="0">
                     <a:schemeClr val="bg2"/>
@@ -8523,7 +8569,7 @@
           <a:blip r:embed="rId14" cstate="print">
             <a:extLst>
               <a:ext uri="{28A0092B-C50C-407E-A947-70E740481C1C}">
-                <a14:useLocalDpi xmlns:a14="http://schemas.microsoft.com/office/drawing/2010/main" xmlns="" val="0"/>
+                <a14:useLocalDpi xmlns:a14="http://schemas.microsoft.com/office/drawing/2010/main" val="0"/>
               </a:ext>
             </a:extLst>
           </a:blip>
@@ -8543,7 +8589,7 @@
           <a:noFill/>
           <a:extLst>
             <a:ext uri="{909E8E84-426E-40DD-AFC4-6F175D3DCCD1}">
-              <a14:hiddenFill xmlns:a14="http://schemas.microsoft.com/office/drawing/2010/main" xmlns="">
+              <a14:hiddenFill xmlns:a14="http://schemas.microsoft.com/office/drawing/2010/main">
                 <a:solidFill>
                   <a:srgbClr val="FFFFFF"/>
                 </a:solidFill>
@@ -8577,14 +8623,14 @@
           <a:effectLst/>
           <a:extLst>
             <a:ext uri="{909E8E84-426E-40DD-AFC4-6F175D3DCCD1}">
-              <a14:hiddenFill xmlns:a14="http://schemas.microsoft.com/office/drawing/2010/main" xmlns="">
+              <a14:hiddenFill xmlns:a14="http://schemas.microsoft.com/office/drawing/2010/main">
                 <a:solidFill>
                   <a:schemeClr val="accent1"/>
                 </a:solidFill>
               </a14:hiddenFill>
             </a:ext>
             <a:ext uri="{91240B29-F687-4F45-9708-019B960494DF}">
-              <a14:hiddenLine xmlns:a14="http://schemas.microsoft.com/office/drawing/2010/main" xmlns="" w="9525">
+              <a14:hiddenLine xmlns:a14="http://schemas.microsoft.com/office/drawing/2010/main" w="9525">
                 <a:solidFill>
                   <a:schemeClr val="tx1"/>
                 </a:solidFill>
@@ -8594,7 +8640,7 @@
               </a14:hiddenLine>
             </a:ext>
             <a:ext uri="{AF507438-7753-43E0-B8FC-AC1667EBCBE1}">
-              <a14:hiddenEffects xmlns:a14="http://schemas.microsoft.com/office/drawing/2010/main" xmlns="">
+              <a14:hiddenEffects xmlns:a14="http://schemas.microsoft.com/office/drawing/2010/main">
                 <a:effectLst>
                   <a:outerShdw dist="35921" dir="2700000" algn="ctr" rotWithShape="0">
                     <a:schemeClr val="bg2"/>
@@ -8645,7 +8691,7 @@
           <a:blip r:embed="rId15" cstate="print">
             <a:extLst>
               <a:ext uri="{28A0092B-C50C-407E-A947-70E740481C1C}">
-                <a14:useLocalDpi xmlns:a14="http://schemas.microsoft.com/office/drawing/2010/main" xmlns="" val="0"/>
+                <a14:useLocalDpi xmlns:a14="http://schemas.microsoft.com/office/drawing/2010/main" val="0"/>
               </a:ext>
             </a:extLst>
           </a:blip>
@@ -8665,7 +8711,7 @@
           <a:noFill/>
           <a:extLst>
             <a:ext uri="{909E8E84-426E-40DD-AFC4-6F175D3DCCD1}">
-              <a14:hiddenFill xmlns:a14="http://schemas.microsoft.com/office/drawing/2010/main" xmlns="">
+              <a14:hiddenFill xmlns:a14="http://schemas.microsoft.com/office/drawing/2010/main">
                 <a:solidFill>
                   <a:srgbClr val="FFFFFF"/>
                 </a:solidFill>
@@ -8699,14 +8745,14 @@
           <a:effectLst/>
           <a:extLst>
             <a:ext uri="{909E8E84-426E-40DD-AFC4-6F175D3DCCD1}">
-              <a14:hiddenFill xmlns:a14="http://schemas.microsoft.com/office/drawing/2010/main" xmlns="">
+              <a14:hiddenFill xmlns:a14="http://schemas.microsoft.com/office/drawing/2010/main">
                 <a:solidFill>
                   <a:schemeClr val="accent1"/>
                 </a:solidFill>
               </a14:hiddenFill>
             </a:ext>
             <a:ext uri="{91240B29-F687-4F45-9708-019B960494DF}">
-              <a14:hiddenLine xmlns:a14="http://schemas.microsoft.com/office/drawing/2010/main" xmlns="" w="9525">
+              <a14:hiddenLine xmlns:a14="http://schemas.microsoft.com/office/drawing/2010/main" w="9525">
                 <a:solidFill>
                   <a:schemeClr val="tx1"/>
                 </a:solidFill>
@@ -8716,7 +8762,7 @@
               </a14:hiddenLine>
             </a:ext>
             <a:ext uri="{AF507438-7753-43E0-B8FC-AC1667EBCBE1}">
-              <a14:hiddenEffects xmlns:a14="http://schemas.microsoft.com/office/drawing/2010/main" xmlns="">
+              <a14:hiddenEffects xmlns:a14="http://schemas.microsoft.com/office/drawing/2010/main">
                 <a:effectLst>
                   <a:outerShdw dist="35921" dir="2700000" algn="ctr" rotWithShape="0">
                     <a:schemeClr val="bg2"/>
@@ -8776,14 +8822,14 @@
           <a:effectLst/>
           <a:extLst>
             <a:ext uri="{909E8E84-426E-40DD-AFC4-6F175D3DCCD1}">
-              <a14:hiddenFill xmlns:a14="http://schemas.microsoft.com/office/drawing/2010/main" xmlns="">
+              <a14:hiddenFill xmlns:a14="http://schemas.microsoft.com/office/drawing/2010/main">
                 <a:solidFill>
                   <a:schemeClr val="accent1"/>
                 </a:solidFill>
               </a14:hiddenFill>
             </a:ext>
             <a:ext uri="{91240B29-F687-4F45-9708-019B960494DF}">
-              <a14:hiddenLine xmlns:a14="http://schemas.microsoft.com/office/drawing/2010/main" xmlns="" w="9525">
+              <a14:hiddenLine xmlns:a14="http://schemas.microsoft.com/office/drawing/2010/main" w="9525">
                 <a:solidFill>
                   <a:schemeClr val="tx1"/>
                 </a:solidFill>
@@ -8793,7 +8839,7 @@
               </a14:hiddenLine>
             </a:ext>
             <a:ext uri="{AF507438-7753-43E0-B8FC-AC1667EBCBE1}">
-              <a14:hiddenEffects xmlns:a14="http://schemas.microsoft.com/office/drawing/2010/main" xmlns="">
+              <a14:hiddenEffects xmlns:a14="http://schemas.microsoft.com/office/drawing/2010/main">
                 <a:effectLst>
                   <a:outerShdw dist="35921" dir="2700000" algn="ctr" rotWithShape="0">
                     <a:schemeClr val="bg2"/>
@@ -9305,7 +9351,7 @@
           <a:blip r:embed="rId13" cstate="print">
             <a:extLst>
               <a:ext uri="{28A0092B-C50C-407E-A947-70E740481C1C}">
-                <a14:useLocalDpi xmlns:a14="http://schemas.microsoft.com/office/drawing/2010/main" xmlns="" val="0"/>
+                <a14:useLocalDpi xmlns:a14="http://schemas.microsoft.com/office/drawing/2010/main" val="0"/>
               </a:ext>
             </a:extLst>
           </a:blip>
@@ -9325,7 +9371,7 @@
           <a:noFill/>
           <a:extLst>
             <a:ext uri="{909E8E84-426E-40DD-AFC4-6F175D3DCCD1}">
-              <a14:hiddenFill xmlns:a14="http://schemas.microsoft.com/office/drawing/2010/main" xmlns="">
+              <a14:hiddenFill xmlns:a14="http://schemas.microsoft.com/office/drawing/2010/main">
                 <a:solidFill>
                   <a:srgbClr val="FFFFFF"/>
                 </a:solidFill>
@@ -9346,7 +9392,7 @@
           <a:blip r:embed="rId14" cstate="print">
             <a:extLst>
               <a:ext uri="{28A0092B-C50C-407E-A947-70E740481C1C}">
-                <a14:useLocalDpi xmlns:a14="http://schemas.microsoft.com/office/drawing/2010/main" xmlns="" val="0"/>
+                <a14:useLocalDpi xmlns:a14="http://schemas.microsoft.com/office/drawing/2010/main" val="0"/>
               </a:ext>
             </a:extLst>
           </a:blip>
@@ -9366,7 +9412,7 @@
           <a:noFill/>
           <a:extLst>
             <a:ext uri="{909E8E84-426E-40DD-AFC4-6F175D3DCCD1}">
-              <a14:hiddenFill xmlns:a14="http://schemas.microsoft.com/office/drawing/2010/main" xmlns="">
+              <a14:hiddenFill xmlns:a14="http://schemas.microsoft.com/office/drawing/2010/main">
                 <a:solidFill>
                   <a:srgbClr val="FFFFFF"/>
                 </a:solidFill>
@@ -9400,14 +9446,14 @@
           <a:effectLst/>
           <a:extLst>
             <a:ext uri="{909E8E84-426E-40DD-AFC4-6F175D3DCCD1}">
-              <a14:hiddenFill xmlns:a14="http://schemas.microsoft.com/office/drawing/2010/main" xmlns="">
+              <a14:hiddenFill xmlns:a14="http://schemas.microsoft.com/office/drawing/2010/main">
                 <a:solidFill>
                   <a:schemeClr val="accent1"/>
                 </a:solidFill>
               </a14:hiddenFill>
             </a:ext>
             <a:ext uri="{91240B29-F687-4F45-9708-019B960494DF}">
-              <a14:hiddenLine xmlns:a14="http://schemas.microsoft.com/office/drawing/2010/main" xmlns="" w="9525">
+              <a14:hiddenLine xmlns:a14="http://schemas.microsoft.com/office/drawing/2010/main" w="9525">
                 <a:solidFill>
                   <a:schemeClr val="tx1"/>
                 </a:solidFill>
@@ -9417,7 +9463,7 @@
               </a14:hiddenLine>
             </a:ext>
             <a:ext uri="{AF507438-7753-43E0-B8FC-AC1667EBCBE1}">
-              <a14:hiddenEffects xmlns:a14="http://schemas.microsoft.com/office/drawing/2010/main" xmlns="">
+              <a14:hiddenEffects xmlns:a14="http://schemas.microsoft.com/office/drawing/2010/main">
                 <a:effectLst>
                   <a:outerShdw dist="35921" dir="2700000" algn="ctr" rotWithShape="0">
                     <a:schemeClr val="bg2"/>
@@ -9468,14 +9514,14 @@
           <a:effectLst/>
           <a:extLst>
             <a:ext uri="{909E8E84-426E-40DD-AFC4-6F175D3DCCD1}">
-              <a14:hiddenFill xmlns:a14="http://schemas.microsoft.com/office/drawing/2010/main" xmlns="">
+              <a14:hiddenFill xmlns:a14="http://schemas.microsoft.com/office/drawing/2010/main">
                 <a:solidFill>
                   <a:schemeClr val="accent1"/>
                 </a:solidFill>
               </a14:hiddenFill>
             </a:ext>
             <a:ext uri="{91240B29-F687-4F45-9708-019B960494DF}">
-              <a14:hiddenLine xmlns:a14="http://schemas.microsoft.com/office/drawing/2010/main" xmlns="" w="9525">
+              <a14:hiddenLine xmlns:a14="http://schemas.microsoft.com/office/drawing/2010/main" w="9525">
                 <a:solidFill>
                   <a:schemeClr val="tx1"/>
                 </a:solidFill>
@@ -9485,7 +9531,7 @@
               </a14:hiddenLine>
             </a:ext>
             <a:ext uri="{AF507438-7753-43E0-B8FC-AC1667EBCBE1}">
-              <a14:hiddenEffects xmlns:a14="http://schemas.microsoft.com/office/drawing/2010/main" xmlns="">
+              <a14:hiddenEffects xmlns:a14="http://schemas.microsoft.com/office/drawing/2010/main">
                 <a:effectLst>
                   <a:outerShdw dist="35921" dir="2700000" algn="ctr" rotWithShape="0">
                     <a:schemeClr val="bg2"/>
@@ -9540,14 +9586,14 @@
           <a:effectLst/>
           <a:extLst>
             <a:ext uri="{909E8E84-426E-40DD-AFC4-6F175D3DCCD1}">
-              <a14:hiddenFill xmlns:a14="http://schemas.microsoft.com/office/drawing/2010/main" xmlns="">
+              <a14:hiddenFill xmlns:a14="http://schemas.microsoft.com/office/drawing/2010/main">
                 <a:solidFill>
                   <a:schemeClr val="accent1"/>
                 </a:solidFill>
               </a14:hiddenFill>
             </a:ext>
             <a:ext uri="{91240B29-F687-4F45-9708-019B960494DF}">
-              <a14:hiddenLine xmlns:a14="http://schemas.microsoft.com/office/drawing/2010/main" xmlns="" w="9525">
+              <a14:hiddenLine xmlns:a14="http://schemas.microsoft.com/office/drawing/2010/main" w="9525">
                 <a:solidFill>
                   <a:schemeClr val="tx1"/>
                 </a:solidFill>
@@ -9557,7 +9603,7 @@
               </a14:hiddenLine>
             </a:ext>
             <a:ext uri="{AF507438-7753-43E0-B8FC-AC1667EBCBE1}">
-              <a14:hiddenEffects xmlns:a14="http://schemas.microsoft.com/office/drawing/2010/main" xmlns="">
+              <a14:hiddenEffects xmlns:a14="http://schemas.microsoft.com/office/drawing/2010/main">
                 <a:effectLst>
                   <a:outerShdw dist="35921" dir="2700000" algn="ctr" rotWithShape="0">
                     <a:schemeClr val="bg2"/>
@@ -9608,7 +9654,7 @@
           <a:blip r:embed="rId15" cstate="print">
             <a:extLst>
               <a:ext uri="{28A0092B-C50C-407E-A947-70E740481C1C}">
-                <a14:useLocalDpi xmlns:a14="http://schemas.microsoft.com/office/drawing/2010/main" xmlns="" val="0"/>
+                <a14:useLocalDpi xmlns:a14="http://schemas.microsoft.com/office/drawing/2010/main" val="0"/>
               </a:ext>
             </a:extLst>
           </a:blip>
@@ -9628,7 +9674,7 @@
           <a:noFill/>
           <a:extLst>
             <a:ext uri="{909E8E84-426E-40DD-AFC4-6F175D3DCCD1}">
-              <a14:hiddenFill xmlns:a14="http://schemas.microsoft.com/office/drawing/2010/main" xmlns="">
+              <a14:hiddenFill xmlns:a14="http://schemas.microsoft.com/office/drawing/2010/main">
                 <a:solidFill>
                   <a:srgbClr val="FFFFFF"/>
                 </a:solidFill>
@@ -9662,14 +9708,14 @@
           <a:effectLst/>
           <a:extLst>
             <a:ext uri="{909E8E84-426E-40DD-AFC4-6F175D3DCCD1}">
-              <a14:hiddenFill xmlns:a14="http://schemas.microsoft.com/office/drawing/2010/main" xmlns="">
+              <a14:hiddenFill xmlns:a14="http://schemas.microsoft.com/office/drawing/2010/main">
                 <a:solidFill>
                   <a:schemeClr val="accent1"/>
                 </a:solidFill>
               </a14:hiddenFill>
             </a:ext>
             <a:ext uri="{91240B29-F687-4F45-9708-019B960494DF}">
-              <a14:hiddenLine xmlns:a14="http://schemas.microsoft.com/office/drawing/2010/main" xmlns="" w="9525">
+              <a14:hiddenLine xmlns:a14="http://schemas.microsoft.com/office/drawing/2010/main" w="9525">
                 <a:solidFill>
                   <a:schemeClr val="tx1"/>
                 </a:solidFill>
@@ -9679,7 +9725,7 @@
               </a14:hiddenLine>
             </a:ext>
             <a:ext uri="{AF507438-7753-43E0-B8FC-AC1667EBCBE1}">
-              <a14:hiddenEffects xmlns:a14="http://schemas.microsoft.com/office/drawing/2010/main" xmlns="">
+              <a14:hiddenEffects xmlns:a14="http://schemas.microsoft.com/office/drawing/2010/main">
                 <a:effectLst>
                   <a:outerShdw dist="35921" dir="2700000" algn="ctr" rotWithShape="0">
                     <a:schemeClr val="bg2"/>
@@ -9739,14 +9785,14 @@
           <a:effectLst/>
           <a:extLst>
             <a:ext uri="{909E8E84-426E-40DD-AFC4-6F175D3DCCD1}">
-              <a14:hiddenFill xmlns:a14="http://schemas.microsoft.com/office/drawing/2010/main" xmlns="">
+              <a14:hiddenFill xmlns:a14="http://schemas.microsoft.com/office/drawing/2010/main">
                 <a:solidFill>
                   <a:schemeClr val="accent1"/>
                 </a:solidFill>
               </a14:hiddenFill>
             </a:ext>
             <a:ext uri="{91240B29-F687-4F45-9708-019B960494DF}">
-              <a14:hiddenLine xmlns:a14="http://schemas.microsoft.com/office/drawing/2010/main" xmlns="" w="9525">
+              <a14:hiddenLine xmlns:a14="http://schemas.microsoft.com/office/drawing/2010/main" w="9525">
                 <a:solidFill>
                   <a:schemeClr val="tx1"/>
                 </a:solidFill>
@@ -9756,7 +9802,7 @@
               </a14:hiddenLine>
             </a:ext>
             <a:ext uri="{AF507438-7753-43E0-B8FC-AC1667EBCBE1}">
-              <a14:hiddenEffects xmlns:a14="http://schemas.microsoft.com/office/drawing/2010/main" xmlns="">
+              <a14:hiddenEffects xmlns:a14="http://schemas.microsoft.com/office/drawing/2010/main">
                 <a:effectLst>
                   <a:outerShdw dist="35921" dir="2700000" algn="ctr" rotWithShape="0">
                     <a:schemeClr val="bg2"/>
@@ -10267,7 +10313,7 @@
           <a:blip r:embed="rId13" cstate="print">
             <a:extLst>
               <a:ext uri="{28A0092B-C50C-407E-A947-70E740481C1C}">
-                <a14:useLocalDpi xmlns:a14="http://schemas.microsoft.com/office/drawing/2010/main" xmlns="" val="0"/>
+                <a14:useLocalDpi xmlns:a14="http://schemas.microsoft.com/office/drawing/2010/main" val="0"/>
               </a:ext>
             </a:extLst>
           </a:blip>
@@ -10287,7 +10333,7 @@
           <a:noFill/>
           <a:extLst>
             <a:ext uri="{909E8E84-426E-40DD-AFC4-6F175D3DCCD1}">
-              <a14:hiddenFill xmlns:a14="http://schemas.microsoft.com/office/drawing/2010/main" xmlns="">
+              <a14:hiddenFill xmlns:a14="http://schemas.microsoft.com/office/drawing/2010/main">
                 <a:solidFill>
                   <a:srgbClr val="FFFFFF"/>
                 </a:solidFill>
@@ -10308,7 +10354,7 @@
           <a:blip r:embed="rId14" cstate="print">
             <a:extLst>
               <a:ext uri="{28A0092B-C50C-407E-A947-70E740481C1C}">
-                <a14:useLocalDpi xmlns:a14="http://schemas.microsoft.com/office/drawing/2010/main" xmlns="" val="0"/>
+                <a14:useLocalDpi xmlns:a14="http://schemas.microsoft.com/office/drawing/2010/main" val="0"/>
               </a:ext>
             </a:extLst>
           </a:blip>
@@ -10328,7 +10374,7 @@
           <a:noFill/>
           <a:extLst>
             <a:ext uri="{909E8E84-426E-40DD-AFC4-6F175D3DCCD1}">
-              <a14:hiddenFill xmlns:a14="http://schemas.microsoft.com/office/drawing/2010/main" xmlns="">
+              <a14:hiddenFill xmlns:a14="http://schemas.microsoft.com/office/drawing/2010/main">
                 <a:solidFill>
                   <a:srgbClr val="FFFFFF"/>
                 </a:solidFill>
@@ -10362,14 +10408,14 @@
           <a:effectLst/>
           <a:extLst>
             <a:ext uri="{909E8E84-426E-40DD-AFC4-6F175D3DCCD1}">
-              <a14:hiddenFill xmlns:a14="http://schemas.microsoft.com/office/drawing/2010/main" xmlns="">
+              <a14:hiddenFill xmlns:a14="http://schemas.microsoft.com/office/drawing/2010/main">
                 <a:solidFill>
                   <a:schemeClr val="accent1"/>
                 </a:solidFill>
               </a14:hiddenFill>
             </a:ext>
             <a:ext uri="{91240B29-F687-4F45-9708-019B960494DF}">
-              <a14:hiddenLine xmlns:a14="http://schemas.microsoft.com/office/drawing/2010/main" xmlns="" w="9525">
+              <a14:hiddenLine xmlns:a14="http://schemas.microsoft.com/office/drawing/2010/main" w="9525">
                 <a:solidFill>
                   <a:schemeClr val="tx1"/>
                 </a:solidFill>
@@ -10379,7 +10425,7 @@
               </a14:hiddenLine>
             </a:ext>
             <a:ext uri="{AF507438-7753-43E0-B8FC-AC1667EBCBE1}">
-              <a14:hiddenEffects xmlns:a14="http://schemas.microsoft.com/office/drawing/2010/main" xmlns="">
+              <a14:hiddenEffects xmlns:a14="http://schemas.microsoft.com/office/drawing/2010/main">
                 <a:effectLst>
                   <a:outerShdw dist="35921" dir="2700000" algn="ctr" rotWithShape="0">
                     <a:schemeClr val="bg2"/>
@@ -10430,14 +10476,14 @@
           <a:effectLst/>
           <a:extLst>
             <a:ext uri="{909E8E84-426E-40DD-AFC4-6F175D3DCCD1}">
-              <a14:hiddenFill xmlns:a14="http://schemas.microsoft.com/office/drawing/2010/main" xmlns="">
+              <a14:hiddenFill xmlns:a14="http://schemas.microsoft.com/office/drawing/2010/main">
                 <a:solidFill>
                   <a:schemeClr val="accent1"/>
                 </a:solidFill>
               </a14:hiddenFill>
             </a:ext>
             <a:ext uri="{91240B29-F687-4F45-9708-019B960494DF}">
-              <a14:hiddenLine xmlns:a14="http://schemas.microsoft.com/office/drawing/2010/main" xmlns="" w="9525">
+              <a14:hiddenLine xmlns:a14="http://schemas.microsoft.com/office/drawing/2010/main" w="9525">
                 <a:solidFill>
                   <a:schemeClr val="tx1"/>
                 </a:solidFill>
@@ -10447,7 +10493,7 @@
               </a14:hiddenLine>
             </a:ext>
             <a:ext uri="{AF507438-7753-43E0-B8FC-AC1667EBCBE1}">
-              <a14:hiddenEffects xmlns:a14="http://schemas.microsoft.com/office/drawing/2010/main" xmlns="">
+              <a14:hiddenEffects xmlns:a14="http://schemas.microsoft.com/office/drawing/2010/main">
                 <a:effectLst>
                   <a:outerShdw dist="35921" dir="2700000" algn="ctr" rotWithShape="0">
                     <a:schemeClr val="bg2"/>
@@ -10502,14 +10548,14 @@
           <a:effectLst/>
           <a:extLst>
             <a:ext uri="{909E8E84-426E-40DD-AFC4-6F175D3DCCD1}">
-              <a14:hiddenFill xmlns:a14="http://schemas.microsoft.com/office/drawing/2010/main" xmlns="">
+              <a14:hiddenFill xmlns:a14="http://schemas.microsoft.com/office/drawing/2010/main">
                 <a:solidFill>
                   <a:schemeClr val="accent1"/>
                 </a:solidFill>
               </a14:hiddenFill>
             </a:ext>
             <a:ext uri="{91240B29-F687-4F45-9708-019B960494DF}">
-              <a14:hiddenLine xmlns:a14="http://schemas.microsoft.com/office/drawing/2010/main" xmlns="" w="9525">
+              <a14:hiddenLine xmlns:a14="http://schemas.microsoft.com/office/drawing/2010/main" w="9525">
                 <a:solidFill>
                   <a:schemeClr val="tx1"/>
                 </a:solidFill>
@@ -10519,7 +10565,7 @@
               </a14:hiddenLine>
             </a:ext>
             <a:ext uri="{AF507438-7753-43E0-B8FC-AC1667EBCBE1}">
-              <a14:hiddenEffects xmlns:a14="http://schemas.microsoft.com/office/drawing/2010/main" xmlns="">
+              <a14:hiddenEffects xmlns:a14="http://schemas.microsoft.com/office/drawing/2010/main">
                 <a:effectLst>
                   <a:outerShdw dist="35921" dir="2700000" algn="ctr" rotWithShape="0">
                     <a:schemeClr val="bg2"/>
@@ -10570,7 +10616,7 @@
           <a:blip r:embed="rId15" cstate="print">
             <a:extLst>
               <a:ext uri="{28A0092B-C50C-407E-A947-70E740481C1C}">
-                <a14:useLocalDpi xmlns:a14="http://schemas.microsoft.com/office/drawing/2010/main" xmlns="" val="0"/>
+                <a14:useLocalDpi xmlns:a14="http://schemas.microsoft.com/office/drawing/2010/main" val="0"/>
               </a:ext>
             </a:extLst>
           </a:blip>
@@ -10590,7 +10636,7 @@
           <a:noFill/>
           <a:extLst>
             <a:ext uri="{909E8E84-426E-40DD-AFC4-6F175D3DCCD1}">
-              <a14:hiddenFill xmlns:a14="http://schemas.microsoft.com/office/drawing/2010/main" xmlns="">
+              <a14:hiddenFill xmlns:a14="http://schemas.microsoft.com/office/drawing/2010/main">
                 <a:solidFill>
                   <a:srgbClr val="FFFFFF"/>
                 </a:solidFill>
@@ -10624,14 +10670,14 @@
           <a:effectLst/>
           <a:extLst>
             <a:ext uri="{909E8E84-426E-40DD-AFC4-6F175D3DCCD1}">
-              <a14:hiddenFill xmlns:a14="http://schemas.microsoft.com/office/drawing/2010/main" xmlns="">
+              <a14:hiddenFill xmlns:a14="http://schemas.microsoft.com/office/drawing/2010/main">
                 <a:solidFill>
                   <a:schemeClr val="accent1"/>
                 </a:solidFill>
               </a14:hiddenFill>
             </a:ext>
             <a:ext uri="{91240B29-F687-4F45-9708-019B960494DF}">
-              <a14:hiddenLine xmlns:a14="http://schemas.microsoft.com/office/drawing/2010/main" xmlns="" w="9525">
+              <a14:hiddenLine xmlns:a14="http://schemas.microsoft.com/office/drawing/2010/main" w="9525">
                 <a:solidFill>
                   <a:schemeClr val="tx1"/>
                 </a:solidFill>
@@ -10641,7 +10687,7 @@
               </a14:hiddenLine>
             </a:ext>
             <a:ext uri="{AF507438-7753-43E0-B8FC-AC1667EBCBE1}">
-              <a14:hiddenEffects xmlns:a14="http://schemas.microsoft.com/office/drawing/2010/main" xmlns="">
+              <a14:hiddenEffects xmlns:a14="http://schemas.microsoft.com/office/drawing/2010/main">
                 <a:effectLst>
                   <a:outerShdw dist="35921" dir="2700000" algn="ctr" rotWithShape="0">
                     <a:schemeClr val="bg2"/>
@@ -10701,14 +10747,14 @@
           <a:effectLst/>
           <a:extLst>
             <a:ext uri="{909E8E84-426E-40DD-AFC4-6F175D3DCCD1}">
-              <a14:hiddenFill xmlns:a14="http://schemas.microsoft.com/office/drawing/2010/main" xmlns="">
+              <a14:hiddenFill xmlns:a14="http://schemas.microsoft.com/office/drawing/2010/main">
                 <a:solidFill>
                   <a:schemeClr val="accent1"/>
                 </a:solidFill>
               </a14:hiddenFill>
             </a:ext>
             <a:ext uri="{91240B29-F687-4F45-9708-019B960494DF}">
-              <a14:hiddenLine xmlns:a14="http://schemas.microsoft.com/office/drawing/2010/main" xmlns="" w="9525">
+              <a14:hiddenLine xmlns:a14="http://schemas.microsoft.com/office/drawing/2010/main" w="9525">
                 <a:solidFill>
                   <a:schemeClr val="tx1"/>
                 </a:solidFill>
@@ -10718,7 +10764,7 @@
               </a14:hiddenLine>
             </a:ext>
             <a:ext uri="{AF507438-7753-43E0-B8FC-AC1667EBCBE1}">
-              <a14:hiddenEffects xmlns:a14="http://schemas.microsoft.com/office/drawing/2010/main" xmlns="">
+              <a14:hiddenEffects xmlns:a14="http://schemas.microsoft.com/office/drawing/2010/main">
                 <a:effectLst>
                   <a:outerShdw dist="35921" dir="2700000" algn="ctr" rotWithShape="0">
                     <a:schemeClr val="bg2"/>
@@ -11297,7 +11343,7 @@
     </p:spTree>
     <p:extLst>
       <p:ext uri="{BB962C8B-B14F-4D97-AF65-F5344CB8AC3E}">
-        <p14:creationId xmlns:p14="http://schemas.microsoft.com/office/powerpoint/2010/main" xmlns="" val="2480668044"/>
+        <p14:creationId xmlns:p14="http://schemas.microsoft.com/office/powerpoint/2010/main" val="2480668044"/>
       </p:ext>
     </p:extLst>
   </p:cSld>
@@ -11488,7 +11534,7 @@
     </p:spTree>
     <p:extLst>
       <p:ext uri="{BB962C8B-B14F-4D97-AF65-F5344CB8AC3E}">
-        <p14:creationId xmlns:p14="http://schemas.microsoft.com/office/powerpoint/2010/main" xmlns="" val="3504255483"/>
+        <p14:creationId xmlns:p14="http://schemas.microsoft.com/office/powerpoint/2010/main" val="3504255483"/>
       </p:ext>
     </p:extLst>
   </p:cSld>
@@ -11576,63 +11622,32 @@
           </a:p>
           <a:p>
             <a:r>
-              <a:rPr lang="nl-NL" dirty="0" err="1" smtClean="0"/>
-              <a:t>Ms</a:t>
+              <a:rPr lang="el-GR" dirty="0" smtClean="0"/>
+              <a:t>μ</a:t>
             </a:r>
             <a:r>
               <a:rPr lang="nl-NL" dirty="0" smtClean="0"/>
-              <a:t> </a:t>
-            </a:r>
-            <a:r>
-              <a:rPr lang="nl-NL" dirty="0" err="1" smtClean="0"/>
-              <a:t>since</a:t>
+              <a:t>s </a:t>
             </a:r>
             <a:r>
               <a:rPr lang="nl-NL" dirty="0" smtClean="0"/>
-              <a:t> </a:t>
-            </a:r>
-            <a:r>
-              <a:rPr lang="nl-NL" dirty="0" err="1" smtClean="0"/>
-              <a:t>unix</a:t>
-            </a:r>
+              <a:t>since unix epoch</a:t>
+            </a:r>
+          </a:p>
+          <a:p>
             <a:r>
               <a:rPr lang="nl-NL" dirty="0" smtClean="0"/>
-              <a:t> </a:t>
-            </a:r>
-            <a:r>
-              <a:rPr lang="nl-NL" dirty="0" err="1" smtClean="0"/>
-              <a:t>epoch</a:t>
-            </a:r>
-            <a:endParaRPr lang="nl-NL" dirty="0" smtClean="0"/>
-          </a:p>
-          <a:p>
-            <a:r>
-              <a:rPr lang="nl-NL" dirty="0" err="1" smtClean="0"/>
-              <a:t>Measure</a:t>
+              <a:t>Measure before and </a:t>
             </a:r>
             <a:r>
               <a:rPr lang="nl-NL" dirty="0" smtClean="0"/>
-              <a:t> </a:t>
-            </a:r>
-            <a:r>
-              <a:rPr lang="nl-NL" dirty="0" err="1" smtClean="0"/>
-              <a:t>before</a:t>
-            </a:r>
+              <a:t>after</a:t>
+            </a:r>
+          </a:p>
+          <a:p>
             <a:r>
               <a:rPr lang="nl-NL" dirty="0" smtClean="0"/>
-              <a:t> </a:t>
-            </a:r>
-            <a:r>
-              <a:rPr lang="nl-NL" dirty="0" err="1" smtClean="0"/>
-              <a:t>and</a:t>
-            </a:r>
-            <a:r>
-              <a:rPr lang="nl-NL" dirty="0" smtClean="0"/>
-              <a:t> </a:t>
-            </a:r>
-            <a:r>
-              <a:rPr lang="nl-NL" dirty="0" err="1" smtClean="0"/>
-              <a:t>after</a:t>
+              <a:t>Not guaranteed to be correct =&gt; take multiple samples</a:t>
             </a:r>
             <a:endParaRPr lang="en-US" dirty="0"/>
           </a:p>
@@ -11716,7 +11731,7 @@
     </p:spTree>
     <p:extLst>
       <p:ext uri="{BB962C8B-B14F-4D97-AF65-F5344CB8AC3E}">
-        <p14:creationId xmlns:p14="http://schemas.microsoft.com/office/powerpoint/2010/main" xmlns="" val="3649998688"/>
+        <p14:creationId xmlns:p14="http://schemas.microsoft.com/office/powerpoint/2010/main" val="3649998688"/>
       </p:ext>
     </p:extLst>
   </p:cSld>
@@ -11906,7 +11921,7 @@
     </p:spTree>
     <p:extLst>
       <p:ext uri="{BB962C8B-B14F-4D97-AF65-F5344CB8AC3E}">
-        <p14:creationId xmlns:p14="http://schemas.microsoft.com/office/powerpoint/2010/main" xmlns="" val="844478232"/>
+        <p14:creationId xmlns:p14="http://schemas.microsoft.com/office/powerpoint/2010/main" val="844478232"/>
       </p:ext>
     </p:extLst>
   </p:cSld>
@@ -11949,71 +11964,45 @@
           <a:lstStyle/>
           <a:p>
             <a:r>
-              <a:rPr lang="nl-NL" dirty="0" err="1" smtClean="0"/>
-              <a:t>Progress</a:t>
-            </a:r>
-            <a:endParaRPr lang="en-US" dirty="0"/>
-          </a:p>
-        </p:txBody>
-      </p:sp>
-      <p:sp>
-        <p:nvSpPr>
-          <p:cNvPr id="3" name="Content Placeholder 2"/>
-          <p:cNvSpPr>
-            <a:spLocks noGrp="1"/>
-          </p:cNvSpPr>
-          <p:nvPr>
-            <p:ph idx="1"/>
-          </p:nvPr>
-        </p:nvSpPr>
-        <p:spPr/>
-        <p:txBody>
-          <a:bodyPr/>
-          <a:lstStyle/>
-          <a:p>
-            <a:r>
               <a:rPr lang="nl-NL" dirty="0" smtClean="0"/>
-              <a:t>A lot of data</a:t>
-            </a:r>
-          </a:p>
-          <a:p>
+              <a:t>Armadillo</a:t>
+            </a:r>
             <a:endParaRPr lang="nl-NL" dirty="0"/>
           </a:p>
-          <a:p>
-            <a:r>
-              <a:rPr lang="nl-NL" dirty="0" smtClean="0"/>
-              <a:t>Access </a:t>
-            </a:r>
-            <a:r>
-              <a:rPr lang="nl-NL" dirty="0" err="1" smtClean="0"/>
-              <a:t>to</a:t>
-            </a:r>
-            <a:r>
-              <a:rPr lang="nl-NL" dirty="0" smtClean="0"/>
-              <a:t> a lot of </a:t>
-            </a:r>
-            <a:r>
-              <a:rPr lang="nl-NL" dirty="0" err="1" smtClean="0"/>
-              <a:t>objects</a:t>
-            </a:r>
-            <a:r>
-              <a:rPr lang="nl-NL" dirty="0" smtClean="0"/>
-              <a:t> of host </a:t>
-            </a:r>
-            <a:r>
-              <a:rPr lang="nl-NL" dirty="0" err="1" smtClean="0"/>
-              <a:t>required</a:t>
-            </a:r>
-            <a:endParaRPr lang="nl-NL" dirty="0" smtClean="0"/>
-          </a:p>
-          <a:p>
-            <a:endParaRPr lang="en-US" dirty="0"/>
-          </a:p>
-        </p:txBody>
-      </p:sp>
-      <p:sp>
-        <p:nvSpPr>
-          <p:cNvPr id="4" name="Footer Placeholder 3"/>
+        </p:txBody>
+      </p:sp>
+      <p:pic>
+        <p:nvPicPr>
+          <p:cNvPr id="11" name="Content Placeholder 10"/>
+          <p:cNvPicPr>
+            <a:picLocks noGrp="1" noChangeAspect="1"/>
+          </p:cNvPicPr>
+          <p:nvPr>
+            <p:ph sz="half" idx="2"/>
+          </p:nvPr>
+        </p:nvPicPr>
+        <p:blipFill>
+          <a:blip r:embed="rId2">
+            <a:extLst>
+              <a:ext uri="{28A0092B-C50C-407E-A947-70E740481C1C}">
+                <a14:useLocalDpi xmlns:a14="http://schemas.microsoft.com/office/drawing/2010/main" val="0"/>
+              </a:ext>
+            </a:extLst>
+          </a:blip>
+          <a:stretch>
+            <a:fillRect/>
+          </a:stretch>
+        </p:blipFill>
+        <p:spPr>
+          <a:xfrm>
+            <a:off x="4740275" y="1674812"/>
+            <a:ext cx="3810000" cy="3810000"/>
+          </a:xfrm>
+        </p:spPr>
+      </p:pic>
+      <p:sp>
+        <p:nvSpPr>
+          <p:cNvPr id="5" name="Footer Placeholder 4"/>
           <p:cNvSpPr>
             <a:spLocks noGrp="1"/>
           </p:cNvSpPr>
@@ -12036,7 +12025,7 @@
       </p:sp>
       <p:sp>
         <p:nvSpPr>
-          <p:cNvPr id="5" name="Slide Number Placeholder 4"/>
+          <p:cNvPr id="6" name="Slide Number Placeholder 5"/>
           <p:cNvSpPr>
             <a:spLocks noGrp="1"/>
           </p:cNvSpPr>
@@ -12053,7 +12042,7 @@
               <a:rPr lang="nl-NL" smtClean="0"/>
               <a:t>PAGE </a:t>
             </a:r>
-            <a:fld id="{64507BF3-F534-45C0-83AD-04D6CE5339EE}" type="slidenum">
+            <a:fld id="{2B4F786F-563E-4038-A197-264CAFECCF88}" type="slidenum">
               <a:rPr lang="nl-NL" smtClean="0"/>
               <a:pPr/>
               <a:t>12</a:t>
@@ -12064,7 +12053,7 @@
       </p:sp>
       <p:sp>
         <p:nvSpPr>
-          <p:cNvPr id="6" name="Date Placeholder 5"/>
+          <p:cNvPr id="7" name="Date Placeholder 6"/>
           <p:cNvSpPr>
             <a:spLocks noGrp="1"/>
           </p:cNvSpPr>
@@ -12077,7 +12066,7 @@
           <a:bodyPr/>
           <a:lstStyle/>
           <a:p>
-            <a:fld id="{29387D58-1795-4544-9DBD-51E7675CBAA4}" type="datetime1">
+            <a:fld id="{1DCAAB11-6F30-4F8A-8EF4-D2CB568F93FE}" type="datetime1">
               <a:rPr lang="nl-NL" smtClean="0"/>
               <a:pPr/>
               <a:t>8-4-2014</a:t>
@@ -12086,10 +12075,39 @@
           </a:p>
         </p:txBody>
       </p:sp>
+      <p:pic>
+        <p:nvPicPr>
+          <p:cNvPr id="12" name="Content Placeholder 11"/>
+          <p:cNvPicPr>
+            <a:picLocks noGrp="1" noChangeAspect="1"/>
+          </p:cNvPicPr>
+          <p:nvPr>
+            <p:ph sz="half" idx="1"/>
+          </p:nvPr>
+        </p:nvPicPr>
+        <p:blipFill>
+          <a:blip r:embed="rId3">
+            <a:extLst>
+              <a:ext uri="{28A0092B-C50C-407E-A947-70E740481C1C}">
+                <a14:useLocalDpi xmlns:a14="http://schemas.microsoft.com/office/drawing/2010/main" val="0"/>
+              </a:ext>
+            </a:extLst>
+          </a:blip>
+          <a:stretch>
+            <a:fillRect/>
+          </a:stretch>
+        </p:blipFill>
+        <p:spPr>
+          <a:xfrm>
+            <a:off x="666750" y="1674812"/>
+            <a:ext cx="3810000" cy="3810000"/>
+          </a:xfrm>
+        </p:spPr>
+      </p:pic>
     </p:spTree>
     <p:extLst>
       <p:ext uri="{BB962C8B-B14F-4D97-AF65-F5344CB8AC3E}">
-        <p14:creationId xmlns:p14="http://schemas.microsoft.com/office/powerpoint/2010/main" xmlns="" val="1687566504"/>
+        <p14:creationId xmlns:p14="http://schemas.microsoft.com/office/powerpoint/2010/main" val="193362717"/>
       </p:ext>
     </p:extLst>
   </p:cSld>
@@ -12132,20 +12150,45 @@
           <a:lstStyle/>
           <a:p>
             <a:r>
-              <a:rPr lang="nl-NL" dirty="0" err="1" smtClean="0"/>
-              <a:t>Questions</a:t>
-            </a:r>
-            <a:r>
               <a:rPr lang="nl-NL" dirty="0" smtClean="0"/>
-              <a:t>?</a:t>
-            </a:r>
-            <a:endParaRPr lang="en-US" dirty="0"/>
-          </a:p>
-        </p:txBody>
-      </p:sp>
-      <p:sp>
-        <p:nvSpPr>
-          <p:cNvPr id="4" name="Footer Placeholder 3"/>
+              <a:t>Asian dragon</a:t>
+            </a:r>
+            <a:endParaRPr lang="nl-NL" dirty="0"/>
+          </a:p>
+        </p:txBody>
+      </p:sp>
+      <p:pic>
+        <p:nvPicPr>
+          <p:cNvPr id="10" name="Content Placeholder 9"/>
+          <p:cNvPicPr>
+            <a:picLocks noGrp="1" noChangeAspect="1"/>
+          </p:cNvPicPr>
+          <p:nvPr>
+            <p:ph sz="half" idx="2"/>
+          </p:nvPr>
+        </p:nvPicPr>
+        <p:blipFill>
+          <a:blip r:embed="rId2">
+            <a:extLst>
+              <a:ext uri="{28A0092B-C50C-407E-A947-70E740481C1C}">
+                <a14:useLocalDpi xmlns:a14="http://schemas.microsoft.com/office/drawing/2010/main" val="0"/>
+              </a:ext>
+            </a:extLst>
+          </a:blip>
+          <a:stretch>
+            <a:fillRect/>
+          </a:stretch>
+        </p:blipFill>
+        <p:spPr>
+          <a:xfrm>
+            <a:off x="4740275" y="1674812"/>
+            <a:ext cx="3810000" cy="3810000"/>
+          </a:xfrm>
+        </p:spPr>
+      </p:pic>
+      <p:sp>
+        <p:nvSpPr>
+          <p:cNvPr id="5" name="Footer Placeholder 4"/>
           <p:cNvSpPr>
             <a:spLocks noGrp="1"/>
           </p:cNvSpPr>
@@ -12168,7 +12211,7 @@
       </p:sp>
       <p:sp>
         <p:nvSpPr>
-          <p:cNvPr id="5" name="Slide Number Placeholder 4"/>
+          <p:cNvPr id="6" name="Slide Number Placeholder 5"/>
           <p:cNvSpPr>
             <a:spLocks noGrp="1"/>
           </p:cNvSpPr>
@@ -12185,7 +12228,7 @@
               <a:rPr lang="nl-NL" smtClean="0"/>
               <a:t>PAGE </a:t>
             </a:r>
-            <a:fld id="{64507BF3-F534-45C0-83AD-04D6CE5339EE}" type="slidenum">
+            <a:fld id="{2B4F786F-563E-4038-A197-264CAFECCF88}" type="slidenum">
               <a:rPr lang="nl-NL" smtClean="0"/>
               <a:pPr/>
               <a:t>13</a:t>
@@ -12196,7 +12239,7 @@
       </p:sp>
       <p:sp>
         <p:nvSpPr>
-          <p:cNvPr id="6" name="Date Placeholder 5"/>
+          <p:cNvPr id="7" name="Date Placeholder 6"/>
           <p:cNvSpPr>
             <a:spLocks noGrp="1"/>
           </p:cNvSpPr>
@@ -12209,7 +12252,7 @@
           <a:bodyPr/>
           <a:lstStyle/>
           <a:p>
-            <a:fld id="{29387D58-1795-4544-9DBD-51E7675CBAA4}" type="datetime1">
+            <a:fld id="{1DCAAB11-6F30-4F8A-8EF4-D2CB568F93FE}" type="datetime1">
               <a:rPr lang="nl-NL" smtClean="0"/>
               <a:pPr/>
               <a:t>8-4-2014</a:t>
@@ -12218,115 +12261,969 @@
           </a:p>
         </p:txBody>
       </p:sp>
-      <p:sp>
-        <p:nvSpPr>
-          <p:cNvPr id="7" name="AutoShape 2" descr="data:image/jpeg;base64,/9j/4AAQSkZJRgABAQAAAQABAAD/2wCEAAkGBwgHBgkIBwgKCgkLDRYPDQwMDRsUFRAWIB0iIiAdHx8kKDQsJCYxJx8fLT0tMTU3Ojo6Iys/RD84QzQ5OjcBCgoKDQwNGg8PGjclHyU3Nzc3Nzc3Nzc3Nzc3Nzc3Nzc3Nzc3Nzc3Nzc3Nzc3Nzc3Nzc3Nzc3Nzc3Nzc3Nzc3N//AABEIANgAWgMBIgACEQEDEQH/xAAcAAEAAgMBAQEAAAAAAAAAAAAABwgBBQYEAwL/xABEEAABAwMBBAUIBgkCBwAAAAABAgMEAAURBgcSITETQVFhgQgUInGRobHBFSMyQlLwM2JygpKissLRNFMWN0N0k7Px/8QAFAEBAAAAAAAAAAAAAAAAAAAAAP/EABQRAQAAAAAAAAAAAAAAAAAAAAD/2gAMAwEAAhEDEQA/AJxpSlApSlApSlApSlArW6i+k/oSZ9BBo3ItER+lOEhXb/8Aa2VcbrTWxsU+NZ7Vbnbre5aCtqK2cBKfxLPUOB9nVQcnd4u0rTVmk6gkapiy1R0dI/CVHBRu9YBwOXdipNtdwTOtkSYQUmQwh3GeW8kH51HF5e1/rO2mxvabassaSUolS3JIXhGcndA7h+edSZBgtwoMeI1lTbDSW0kniQkYHwoPZSsE4rzy50SGnemSmI6e11wJHvoPTSubma90nDJD+obfkcwh4LP8ua0U3bHoyNvBE96QodTMZWD4nAoOw1Ddo1issu6TFYZjNlZ/WPUB3k4FQG1qXaNtGmuIsa3I0dpQ3kxF9C212byzxJ4cs+FeLXW0Ofr+bGssFkQ7c5JQlttSsrdUThJWernnHxqcVqsezrSAJSmPCiIxuj7Tzh+KifzgUHH7I7nq6NeJ+nNVRZrvQp6ZMp87xbzwxvfeSerGeRqWM9VVf1Nte1ReXCmHIFri54NRT6Xis8T4YFayybSNWWmYl5q8SX0b4UtmSrpErHZ6WcZ7sUFq7jIVEgyJKGHH1MtKWGW/tLIGcDvNaDSRiX9LGqZFjct11daVHUJAPSJQFcuIHA47BW00zeo2orFDu8PIalN7wSTxSc4Uk94II8K2eBQZrGKzSgrntL2malTqS52m3TTBhxnSynoAA4rHAkr58+zFfOybItWakU3OvkxMVtwb3SSnS88QewD5kVodsUFcHaJd0qb3UvLS8j9YKSOPtzVkdCy/PtGWSSrG85Ba3sdu6AaDgY2wSwIA86ulydUDx3OjQD/KfjW4j7GNFsklcOS9wx9ZJV8sVIdKCKL9so0ZZmk3pb8uBEgK6d8B4q30p4hIzxBJxy49VRFtE1zN1pc+kc3mbewSIsXP2R+JXao+7l6+z8oDVjsm7N6ajOARooS7J3T9t08QD3AYPrPdUPHiTQYrI51isp50FjPJ2mPSNHSo7nFqLMUlo9gUkKI9pPtqVqjfYJa12/QaJDgIM6Qt9II+7wSPbu5qSKBSlKCD/KOsmUWq+Np5ExXjjt9JH91bvYDqdNy04uxvrHnVuP1YxgqZUeB8CSPZXe6usMbUun5lqlAbr6DuLx+jWPsqHqNVTgTrzonUji4yzGuEJxTLiSDhWDxSR1pOPnQWi17PvVt01IkabhKl3EKSltCUb+6CRlW718KiVeo9sb6cItshrvEBA+IqStnuv7ZrOGAgiPcmk5fiKPHvUntT8OuuslEpivKSCSG1EAdfCgpZc5UqbPkybg4pyW66pby1YyVk8eXfXlr6PKWt1anM76lEqz25r8YJ5UGK6TQWk5Wr9QM29jfQwPTkvgfom+s+s8hWNGaNu+r7gI1tYwykjppS/wBGyO/tPdzq0GjNJW3SNqTCtreVHBefWBvvK7SezsHVQbe3Q2LdBYhREdHHjthttPYkDAr00pQKUpQYNQjt/wBGlaUapt7ZJSA1OSkdX3XPkfDsNTfXwmRWZsZ6LKaS6w8gocbUOCkkYINBS623CXbJzM23vrjyWFbzbrZwUn/HdVmtl20NnWcJUaUgM3eMgKebSPQcTnG+nu5cOqoQ2n6GkaOu+GUrXapCiYr/ADx2oUe0e8ce2tLpLUs3Sd3+k7eG1PhpbW64Mp9Icz24OD4UHfau2Paif1TLdsrDD1vlPrdQ4Xko6IKOd1QPHhnhgHhW50rsJCFpf1RP3sH/AE0M4B9azx9gqNLptA1XdciXfpe6TndaV0QHgnFeqxbTdV2aQ2tF1dlNI4FiUekQoY7+PsNBaS02uDZ4LUK2Rm40ZoYS22MD195769tRDs12vLv9zTaNQssMSn1YjPs5ShZ/AQTwPYevlUujlQZpSlApSlApSlBr71bbfdLY/DuzLb0NxP1iXRwwOOc9RHPNU0nmMZ0gwQ4IpcV0IcOVbmeGT24q1O128Ks2gbm80cPPpEds5xgrOCfBOTVTzQYrI51iut2Z6WOrdUxoTn+jaHTSiP8AbHV4nA8aDmProrqVDpGnU7q0nilQ5EEe4g1aLZLrYausIRLUPpSGAiSM8XBjg4PX19+aztE2dW7V1uBZQ3EucdvdjvpGBgckKHWn4e4wBa5t62c6vQt6OpqVFVuvMKPovNnmM9YPUe2gtzStVpq/QNR2hi52x3fYeHI/aQoc0qHURW1oFKUoFKUoIW8pK5blts1sSeLry31epICR/UfZUC1LHlGyuk1ZAij/AKMIKP7yj/ionoFTj5NUEk3y4KHD6phB/iUr+2oOqfvJsltKst4hjPTNyUOq/ZUnA96DQTLXJbQNDwNZ2zoX8MzmgTGlgZLZ7D2pPWK62sZoKuabvt82Wardh3COoNFQTLi59F1PU4g+8HwPdZazXSHerbHuNufS9FfTvIWn4EdR7R1Vo9e6KtesLYWp2GJLIJYmJA3mu49qe0VBmzfWkrRGonLbIeTKtTsjong2vKEqzjpUH85FBZ2lflBBGRyr9UClKUFcfKKjFvWUSRww9BSPFKlf5FRVU/eUXYHJNsgX1nJTEUWXx2JWRuq9ox+9UA0Cu22U6xTo/UYelZ+jpSQ1KwMlI6lADsPuJriaUE1q2q6u1TqBVs0XBjoSoq6LpEgrKB95RUQB2+OONbxFu2yO8F3e2NA8zhGR7EVD+npN40ZOtGpWGFdA8SWz9x9IO6tsnqPD4GrO6O1batW2tM21u5UMB5hXBbKuwj58jQR47sy1pfDu6k1o50JPpNMhSkqH7OUj3V02ldlGmNPONSPN1z5jZ3kvSzvbpzkEJ5DHbjNd5SgwBis0pQKUpQeC/QIl0s8yDcEhUV9pSXR3Y5+HPwqllXdlth2K82eSkKT7RVIhknhxNAxWUZ3hgZOeAqSdpGzqDpHTNrucWVKdflOIbdQ7u7qSUFRxgdorgbMyJF5gsniHJLaPaoCgtHZtERDs8haZvjSHwhj6wo+44cneQe0EnBqLLls21jom7i46Ofelt5KULYwHAD91xB4KHtHqqwo7KzQcZs3uWr7hDlf8Y21uIttSQwsJ3FOc97eTk8uGDwrs6UoFKUoFKUoMKGUkdoqmtltpf1bBtmCoruDbB/8AIBVyjVbtCWtKtuDrKuUWZJdA9W9j4ig73yiWCrRENSOTM9B8NxY+dQls/YEnW9jaUAQZrZ9is/KrI7XbaLls9vCMZUw15wnu3DvH3A1XTZqca/sX/eIoLdis1gVmgUpSgUpSgUpSgVArJRZfKLcDuUokvYSTwBLrQI/mOPXU9VX/AG8oVaNe2a9NA7xaQ5w/E0vPzFBPb7SJDC2XUBbbiSlaT1g8CKqTqS2y9Da3eYYUUOQZAejLP3kZ3kHv4cD41bSFIRMiMSmSC2+2lxBHWCMj41EvlDaa87tUbUMZH1sI9FIx1tqI3T4K/qoJSsVzYvNnh3KMcsymUuJ7sjlXvqH/ACeNQiTZpdgfWOmhr6VgHmWlc/Yr+qpgoFKUoFKUoFKV+VrS2kqWpKUjmVHAFB+qg/ylwN3T573/AOypEve0fSdkymXeY63Rw6KPl1We/dzjxxUEbWNfMa3lwxCiLYiQgvcU6RvuFWMnA4AeiKCetl8nzvZ/YnMglMRDf8Ho/KuguUKPcYEiFMbDkeQ2ptxJ60kYNcfsU/5b2rBz+l/9iq7g8qCqtlkSdnO0tLUhR3YknoHzy32FY4/wkK8KtUkhSQUnII4GoG8ouwhqdb7+yBuvp82fP6wBKD4jeHgKlvQVyVdtGWaatW845EbDiu1YGFe8Gg39KUoFKUoId2tbSr9pu6qtFrhJipU2FInup3ukyOO4CMcCccc8qheXcb7qeehqTKm3KS8vDbRWpZJ7Ep5DwFW01Hp216ktyoN3ipfZJykn7SD2pPMGvBpTQ2n9Kb67TCAfXkKkOnfcx2BR5DhyFBEWk9h1wmoS/qWV5g0RnzZjC3fE8k++pHtOyPRtu3VKthmOAY35Tql5/d4J91dpLkx4TCn5T7TDKftOOrCUjxNcHftselLSro477tyd7IaQUj94kD2ZoO9ixmYjDceM0hpltIShtCQEpA5ADqFfaoQnbfwP9BYCe9+Rj3AVpBty1bJcLcS22sqOSlKGHVqx/H8qCStuUIzNnk1aRlUZ1t4eCsH3KNbbZc0Gdn1iSOuIlXt4/Oq/6o2o6k1JaXrVcfNER3VAuBlopUcHOMknrFTJsM1Eb1o1uG6gIethEc7vJSMZSfXjgfVQSNSlKBSlKBSlKDRa005H1Vp6TaZJ3OkG805/trH2VfnqqtMfZpq6Rc/MU2Z9KukKC856LQAOCrePV+RSlBM2jdjljszSXb0E3Wbjj0icMo/ZT1+s+wVIMG1wbc10cCHGjI/Cy0lA91KUCZa7fORuTYMWQnlh1lKviK+VnsdrsjbrdogsQ0Or33EsoCQpXbSlBsaUpQKUpQf/2Q=="/>
-          <p:cNvSpPr>
-            <a:spLocks noChangeAspect="1" noChangeArrowheads="1"/>
-          </p:cNvSpPr>
-          <p:nvPr/>
-        </p:nvSpPr>
-        <p:spPr bwMode="auto">
-          <a:xfrm>
-            <a:off x="155575" y="-1905000"/>
-            <a:ext cx="1657350" cy="3971925"/>
-          </a:xfrm>
-          <a:prstGeom prst="rect">
-            <a:avLst/>
-          </a:prstGeom>
-          <a:noFill/>
-          <a:extLst>
-            <a:ext uri="{909E8E84-426E-40DD-AFC4-6F175D3DCCD1}">
-              <a14:hiddenFill xmlns:a14="http://schemas.microsoft.com/office/drawing/2010/main" xmlns="">
-                <a:solidFill>
-                  <a:srgbClr val="FFFFFF"/>
-                </a:solidFill>
-              </a14:hiddenFill>
-            </a:ext>
-          </a:extLst>
-        </p:spPr>
-        <p:txBody>
-          <a:bodyPr vert="horz" wrap="square" lIns="91440" tIns="45720" rIns="91440" bIns="45720" numCol="1" anchor="t" anchorCtr="0" compatLnSpc="1">
-            <a:prstTxWarp prst="textNoShape">
-              <a:avLst/>
-            </a:prstTxWarp>
-          </a:bodyPr>
-          <a:lstStyle/>
-          <a:p>
-            <a:endParaRPr lang="en-US"/>
-          </a:p>
-        </p:txBody>
-      </p:sp>
       <p:pic>
         <p:nvPicPr>
-          <p:cNvPr id="2051" name="Picture 3"/>
+          <p:cNvPr id="11" name="Content Placeholder 10"/>
           <p:cNvPicPr>
-            <a:picLocks noGrp="1" noChangeAspect="1" noChangeArrowheads="1"/>
+            <a:picLocks noGrp="1" noChangeAspect="1"/>
           </p:cNvPicPr>
           <p:nvPr>
-            <p:ph idx="1"/>
+            <p:ph sz="half" idx="1"/>
           </p:nvPr>
         </p:nvPicPr>
         <p:blipFill>
-          <a:blip r:embed="rId2" cstate="print">
+          <a:blip r:embed="rId3">
             <a:extLst>
               <a:ext uri="{28A0092B-C50C-407E-A947-70E740481C1C}">
-                <a14:useLocalDpi xmlns:a14="http://schemas.microsoft.com/office/drawing/2010/main" xmlns="" val="0"/>
+                <a14:useLocalDpi xmlns:a14="http://schemas.microsoft.com/office/drawing/2010/main" val="0"/>
               </a:ext>
             </a:extLst>
           </a:blip>
-          <a:srcRect/>
           <a:stretch>
             <a:fillRect/>
           </a:stretch>
         </p:blipFill>
-        <p:spPr bwMode="auto">
+        <p:spPr>
           <a:xfrm>
-            <a:off x="3782488" y="1600200"/>
-            <a:ext cx="1652050" cy="3959225"/>
+            <a:off x="666750" y="1674812"/>
+            <a:ext cx="3810000" cy="3810000"/>
           </a:xfrm>
-          <a:prstGeom prst="rect">
-            <a:avLst/>
-          </a:prstGeom>
-          <a:noFill/>
-          <a:ln>
-            <a:noFill/>
-          </a:ln>
-          <a:effectLst/>
-          <a:extLst>
-            <a:ext uri="{909E8E84-426E-40DD-AFC4-6F175D3DCCD1}">
-              <a14:hiddenFill xmlns:a14="http://schemas.microsoft.com/office/drawing/2010/main" xmlns="">
-                <a:solidFill>
-                  <a:schemeClr val="accent1"/>
-                </a:solidFill>
-              </a14:hiddenFill>
-            </a:ext>
-            <a:ext uri="{91240B29-F687-4F45-9708-019B960494DF}">
-              <a14:hiddenLine xmlns:a14="http://schemas.microsoft.com/office/drawing/2010/main" xmlns="" w="9525">
-                <a:solidFill>
-                  <a:schemeClr val="tx1"/>
-                </a:solidFill>
-                <a:miter lim="800000"/>
-                <a:headEnd/>
-                <a:tailEnd/>
-              </a14:hiddenLine>
-            </a:ext>
-            <a:ext uri="{AF507438-7753-43E0-B8FC-AC1667EBCBE1}">
-              <a14:hiddenEffects xmlns:a14="http://schemas.microsoft.com/office/drawing/2010/main" xmlns="">
-                <a:effectLst>
-                  <a:outerShdw dist="35921" dir="2700000" algn="ctr" rotWithShape="0">
-                    <a:schemeClr val="bg2"/>
-                  </a:outerShdw>
-                </a:effectLst>
-              </a14:hiddenEffects>
-            </a:ext>
-          </a:extLst>
         </p:spPr>
       </p:pic>
     </p:spTree>
     <p:extLst>
       <p:ext uri="{BB962C8B-B14F-4D97-AF65-F5344CB8AC3E}">
-        <p14:creationId xmlns:p14="http://schemas.microsoft.com/office/powerpoint/2010/main" xmlns="" val="2520379375"/>
+        <p14:creationId xmlns:p14="http://schemas.microsoft.com/office/powerpoint/2010/main" val="3753177398"/>
+      </p:ext>
+    </p:extLst>
+  </p:cSld>
+  <p:clrMapOvr>
+    <a:masterClrMapping/>
+  </p:clrMapOvr>
+</p:sld>
+</file>
+
+<file path=ppt/slides/slide15.xml><?xml version="1.0" encoding="utf-8"?>
+<p:sld xmlns:a="http://schemas.openxmlformats.org/drawingml/2006/main" xmlns:r="http://schemas.openxmlformats.org/officeDocument/2006/relationships" xmlns:p="http://schemas.openxmlformats.org/presentationml/2006/main">
+  <p:cSld>
+    <p:spTree>
+      <p:nvGrpSpPr>
+        <p:cNvPr id="1" name=""/>
+        <p:cNvGrpSpPr/>
+        <p:nvPr/>
+      </p:nvGrpSpPr>
+      <p:grpSpPr>
+        <a:xfrm>
+          <a:off x="0" y="0"/>
+          <a:ext cx="0" cy="0"/>
+          <a:chOff x="0" y="0"/>
+          <a:chExt cx="0" cy="0"/>
+        </a:xfrm>
+      </p:grpSpPr>
+      <p:sp>
+        <p:nvSpPr>
+          <p:cNvPr id="2" name="Title 1"/>
+          <p:cNvSpPr>
+            <a:spLocks noGrp="1"/>
+          </p:cNvSpPr>
+          <p:nvPr>
+            <p:ph type="title"/>
+          </p:nvPr>
+        </p:nvSpPr>
+        <p:spPr/>
+        <p:txBody>
+          <a:bodyPr/>
+          <a:lstStyle/>
+          <a:p>
+            <a:r>
+              <a:rPr lang="nl-NL" dirty="0" smtClean="0"/>
+              <a:t>Bunny</a:t>
+            </a:r>
+            <a:endParaRPr lang="nl-NL" dirty="0"/>
+          </a:p>
+        </p:txBody>
+      </p:sp>
+      <p:pic>
+        <p:nvPicPr>
+          <p:cNvPr id="10" name="Content Placeholder 9"/>
+          <p:cNvPicPr>
+            <a:picLocks noGrp="1" noChangeAspect="1"/>
+          </p:cNvPicPr>
+          <p:nvPr>
+            <p:ph sz="half" idx="2"/>
+          </p:nvPr>
+        </p:nvPicPr>
+        <p:blipFill>
+          <a:blip r:embed="rId2">
+            <a:extLst>
+              <a:ext uri="{28A0092B-C50C-407E-A947-70E740481C1C}">
+                <a14:useLocalDpi xmlns:a14="http://schemas.microsoft.com/office/drawing/2010/main" val="0"/>
+              </a:ext>
+            </a:extLst>
+          </a:blip>
+          <a:stretch>
+            <a:fillRect/>
+          </a:stretch>
+        </p:blipFill>
+        <p:spPr>
+          <a:xfrm>
+            <a:off x="4740275" y="1674812"/>
+            <a:ext cx="3810000" cy="3810000"/>
+          </a:xfrm>
+        </p:spPr>
+      </p:pic>
+      <p:sp>
+        <p:nvSpPr>
+          <p:cNvPr id="5" name="Footer Placeholder 4"/>
+          <p:cNvSpPr>
+            <a:spLocks noGrp="1"/>
+          </p:cNvSpPr>
+          <p:nvPr>
+            <p:ph type="ftr" sz="quarter" idx="10"/>
+          </p:nvPr>
+        </p:nvSpPr>
+        <p:spPr/>
+        <p:txBody>
+          <a:bodyPr/>
+          <a:lstStyle/>
+          <a:p>
+            <a:r>
+              <a:rPr lang="nl-NL" smtClean="0"/>
+              <a:t>Algorithms for Massive Data - Collision Detection using CUDA</a:t>
+            </a:r>
+            <a:endParaRPr lang="nl-NL"/>
+          </a:p>
+        </p:txBody>
+      </p:sp>
+      <p:sp>
+        <p:nvSpPr>
+          <p:cNvPr id="6" name="Slide Number Placeholder 5"/>
+          <p:cNvSpPr>
+            <a:spLocks noGrp="1"/>
+          </p:cNvSpPr>
+          <p:nvPr>
+            <p:ph type="sldNum" sz="quarter" idx="11"/>
+          </p:nvPr>
+        </p:nvSpPr>
+        <p:spPr/>
+        <p:txBody>
+          <a:bodyPr/>
+          <a:lstStyle/>
+          <a:p>
+            <a:r>
+              <a:rPr lang="nl-NL" smtClean="0"/>
+              <a:t>PAGE </a:t>
+            </a:r>
+            <a:fld id="{2B4F786F-563E-4038-A197-264CAFECCF88}" type="slidenum">
+              <a:rPr lang="nl-NL" smtClean="0"/>
+              <a:pPr/>
+              <a:t>14</a:t>
+            </a:fld>
+            <a:endParaRPr lang="nl-NL"/>
+          </a:p>
+        </p:txBody>
+      </p:sp>
+      <p:sp>
+        <p:nvSpPr>
+          <p:cNvPr id="7" name="Date Placeholder 6"/>
+          <p:cNvSpPr>
+            <a:spLocks noGrp="1"/>
+          </p:cNvSpPr>
+          <p:nvPr>
+            <p:ph type="dt" sz="half" idx="12"/>
+          </p:nvPr>
+        </p:nvSpPr>
+        <p:spPr/>
+        <p:txBody>
+          <a:bodyPr/>
+          <a:lstStyle/>
+          <a:p>
+            <a:fld id="{1DCAAB11-6F30-4F8A-8EF4-D2CB568F93FE}" type="datetime1">
+              <a:rPr lang="nl-NL" smtClean="0"/>
+              <a:pPr/>
+              <a:t>8-4-2014</a:t>
+            </a:fld>
+            <a:endParaRPr lang="nl-NL"/>
+          </a:p>
+        </p:txBody>
+      </p:sp>
+      <p:pic>
+        <p:nvPicPr>
+          <p:cNvPr id="11" name="Content Placeholder 10"/>
+          <p:cNvPicPr>
+            <a:picLocks noGrp="1" noChangeAspect="1"/>
+          </p:cNvPicPr>
+          <p:nvPr>
+            <p:ph sz="half" idx="1"/>
+          </p:nvPr>
+        </p:nvPicPr>
+        <p:blipFill>
+          <a:blip r:embed="rId3">
+            <a:extLst>
+              <a:ext uri="{28A0092B-C50C-407E-A947-70E740481C1C}">
+                <a14:useLocalDpi xmlns:a14="http://schemas.microsoft.com/office/drawing/2010/main" val="0"/>
+              </a:ext>
+            </a:extLst>
+          </a:blip>
+          <a:stretch>
+            <a:fillRect/>
+          </a:stretch>
+        </p:blipFill>
+        <p:spPr>
+          <a:xfrm>
+            <a:off x="666750" y="1674812"/>
+            <a:ext cx="3810000" cy="3810000"/>
+          </a:xfrm>
+        </p:spPr>
+      </p:pic>
+    </p:spTree>
+    <p:extLst>
+      <p:ext uri="{BB962C8B-B14F-4D97-AF65-F5344CB8AC3E}">
+        <p14:creationId xmlns:p14="http://schemas.microsoft.com/office/powerpoint/2010/main" val="159973409"/>
+      </p:ext>
+    </p:extLst>
+  </p:cSld>
+  <p:clrMapOvr>
+    <a:masterClrMapping/>
+  </p:clrMapOvr>
+</p:sld>
+</file>
+
+<file path=ppt/slides/slide16.xml><?xml version="1.0" encoding="utf-8"?>
+<p:sld xmlns:a="http://schemas.openxmlformats.org/drawingml/2006/main" xmlns:r="http://schemas.openxmlformats.org/officeDocument/2006/relationships" xmlns:p="http://schemas.openxmlformats.org/presentationml/2006/main">
+  <p:cSld>
+    <p:spTree>
+      <p:nvGrpSpPr>
+        <p:cNvPr id="1" name=""/>
+        <p:cNvGrpSpPr/>
+        <p:nvPr/>
+      </p:nvGrpSpPr>
+      <p:grpSpPr>
+        <a:xfrm>
+          <a:off x="0" y="0"/>
+          <a:ext cx="0" cy="0"/>
+          <a:chOff x="0" y="0"/>
+          <a:chExt cx="0" cy="0"/>
+        </a:xfrm>
+      </p:grpSpPr>
+      <p:sp>
+        <p:nvSpPr>
+          <p:cNvPr id="2" name="Title 1"/>
+          <p:cNvSpPr>
+            <a:spLocks noGrp="1"/>
+          </p:cNvSpPr>
+          <p:nvPr>
+            <p:ph type="title"/>
+          </p:nvPr>
+        </p:nvSpPr>
+        <p:spPr/>
+        <p:txBody>
+          <a:bodyPr/>
+          <a:lstStyle/>
+          <a:p>
+            <a:r>
+              <a:rPr lang="nl-NL" dirty="0" smtClean="0"/>
+              <a:t>Bunny2</a:t>
+            </a:r>
+            <a:endParaRPr lang="nl-NL" dirty="0"/>
+          </a:p>
+        </p:txBody>
+      </p:sp>
+      <p:pic>
+        <p:nvPicPr>
+          <p:cNvPr id="9" name="Content Placeholder 8"/>
+          <p:cNvPicPr>
+            <a:picLocks noGrp="1" noChangeAspect="1"/>
+          </p:cNvPicPr>
+          <p:nvPr>
+            <p:ph sz="half" idx="1"/>
+          </p:nvPr>
+        </p:nvPicPr>
+        <p:blipFill>
+          <a:blip r:embed="rId2">
+            <a:extLst>
+              <a:ext uri="{28A0092B-C50C-407E-A947-70E740481C1C}">
+                <a14:useLocalDpi xmlns:a14="http://schemas.microsoft.com/office/drawing/2010/main" val="0"/>
+              </a:ext>
+            </a:extLst>
+          </a:blip>
+          <a:stretch>
+            <a:fillRect/>
+          </a:stretch>
+        </p:blipFill>
+        <p:spPr>
+          <a:xfrm>
+            <a:off x="666750" y="1674812"/>
+            <a:ext cx="3810000" cy="3810000"/>
+          </a:xfrm>
+        </p:spPr>
+      </p:pic>
+      <p:pic>
+        <p:nvPicPr>
+          <p:cNvPr id="8" name="Content Placeholder 7"/>
+          <p:cNvPicPr>
+            <a:picLocks noGrp="1" noChangeAspect="1"/>
+          </p:cNvPicPr>
+          <p:nvPr>
+            <p:ph sz="half" idx="2"/>
+          </p:nvPr>
+        </p:nvPicPr>
+        <p:blipFill>
+          <a:blip r:embed="rId3">
+            <a:extLst>
+              <a:ext uri="{28A0092B-C50C-407E-A947-70E740481C1C}">
+                <a14:useLocalDpi xmlns:a14="http://schemas.microsoft.com/office/drawing/2010/main" val="0"/>
+              </a:ext>
+            </a:extLst>
+          </a:blip>
+          <a:stretch>
+            <a:fillRect/>
+          </a:stretch>
+        </p:blipFill>
+        <p:spPr>
+          <a:xfrm>
+            <a:off x="4740275" y="1674812"/>
+            <a:ext cx="3810000" cy="3810000"/>
+          </a:xfrm>
+        </p:spPr>
+      </p:pic>
+      <p:sp>
+        <p:nvSpPr>
+          <p:cNvPr id="5" name="Footer Placeholder 4"/>
+          <p:cNvSpPr>
+            <a:spLocks noGrp="1"/>
+          </p:cNvSpPr>
+          <p:nvPr>
+            <p:ph type="ftr" sz="quarter" idx="10"/>
+          </p:nvPr>
+        </p:nvSpPr>
+        <p:spPr/>
+        <p:txBody>
+          <a:bodyPr/>
+          <a:lstStyle/>
+          <a:p>
+            <a:r>
+              <a:rPr lang="nl-NL" smtClean="0"/>
+              <a:t>Algorithms for Massive Data - Collision Detection using CUDA</a:t>
+            </a:r>
+            <a:endParaRPr lang="nl-NL"/>
+          </a:p>
+        </p:txBody>
+      </p:sp>
+      <p:sp>
+        <p:nvSpPr>
+          <p:cNvPr id="6" name="Slide Number Placeholder 5"/>
+          <p:cNvSpPr>
+            <a:spLocks noGrp="1"/>
+          </p:cNvSpPr>
+          <p:nvPr>
+            <p:ph type="sldNum" sz="quarter" idx="11"/>
+          </p:nvPr>
+        </p:nvSpPr>
+        <p:spPr/>
+        <p:txBody>
+          <a:bodyPr/>
+          <a:lstStyle/>
+          <a:p>
+            <a:r>
+              <a:rPr lang="nl-NL" smtClean="0"/>
+              <a:t>PAGE </a:t>
+            </a:r>
+            <a:fld id="{2B4F786F-563E-4038-A197-264CAFECCF88}" type="slidenum">
+              <a:rPr lang="nl-NL" smtClean="0"/>
+              <a:pPr/>
+              <a:t>15</a:t>
+            </a:fld>
+            <a:endParaRPr lang="nl-NL"/>
+          </a:p>
+        </p:txBody>
+      </p:sp>
+      <p:sp>
+        <p:nvSpPr>
+          <p:cNvPr id="7" name="Date Placeholder 6"/>
+          <p:cNvSpPr>
+            <a:spLocks noGrp="1"/>
+          </p:cNvSpPr>
+          <p:nvPr>
+            <p:ph type="dt" sz="half" idx="12"/>
+          </p:nvPr>
+        </p:nvSpPr>
+        <p:spPr/>
+        <p:txBody>
+          <a:bodyPr/>
+          <a:lstStyle/>
+          <a:p>
+            <a:fld id="{1DCAAB11-6F30-4F8A-8EF4-D2CB568F93FE}" type="datetime1">
+              <a:rPr lang="nl-NL" smtClean="0"/>
+              <a:pPr/>
+              <a:t>8-4-2014</a:t>
+            </a:fld>
+            <a:endParaRPr lang="nl-NL"/>
+          </a:p>
+        </p:txBody>
+      </p:sp>
+    </p:spTree>
+    <p:extLst>
+      <p:ext uri="{BB962C8B-B14F-4D97-AF65-F5344CB8AC3E}">
+        <p14:creationId xmlns:p14="http://schemas.microsoft.com/office/powerpoint/2010/main" val="2965906798"/>
+      </p:ext>
+    </p:extLst>
+  </p:cSld>
+  <p:clrMapOvr>
+    <a:masterClrMapping/>
+  </p:clrMapOvr>
+</p:sld>
+</file>
+
+<file path=ppt/slides/slide17.xml><?xml version="1.0" encoding="utf-8"?>
+<p:sld xmlns:a="http://schemas.openxmlformats.org/drawingml/2006/main" xmlns:r="http://schemas.openxmlformats.org/officeDocument/2006/relationships" xmlns:p="http://schemas.openxmlformats.org/presentationml/2006/main">
+  <p:cSld>
+    <p:spTree>
+      <p:nvGrpSpPr>
+        <p:cNvPr id="1" name=""/>
+        <p:cNvGrpSpPr/>
+        <p:nvPr/>
+      </p:nvGrpSpPr>
+      <p:grpSpPr>
+        <a:xfrm>
+          <a:off x="0" y="0"/>
+          <a:ext cx="0" cy="0"/>
+          <a:chOff x="0" y="0"/>
+          <a:chExt cx="0" cy="0"/>
+        </a:xfrm>
+      </p:grpSpPr>
+      <p:sp>
+        <p:nvSpPr>
+          <p:cNvPr id="2" name="Title 1"/>
+          <p:cNvSpPr>
+            <a:spLocks noGrp="1"/>
+          </p:cNvSpPr>
+          <p:nvPr>
+            <p:ph type="title"/>
+          </p:nvPr>
+        </p:nvSpPr>
+        <p:spPr/>
+        <p:txBody>
+          <a:bodyPr/>
+          <a:lstStyle/>
+          <a:p>
+            <a:r>
+              <a:rPr lang="nl-NL" dirty="0" smtClean="0"/>
+              <a:t>Lucy</a:t>
+            </a:r>
+            <a:endParaRPr lang="nl-NL" dirty="0"/>
+          </a:p>
+        </p:txBody>
+      </p:sp>
+      <p:pic>
+        <p:nvPicPr>
+          <p:cNvPr id="9" name="Content Placeholder 8"/>
+          <p:cNvPicPr>
+            <a:picLocks noGrp="1" noChangeAspect="1"/>
+          </p:cNvPicPr>
+          <p:nvPr>
+            <p:ph sz="half" idx="1"/>
+          </p:nvPr>
+        </p:nvPicPr>
+        <p:blipFill>
+          <a:blip r:embed="rId2">
+            <a:extLst>
+              <a:ext uri="{28A0092B-C50C-407E-A947-70E740481C1C}">
+                <a14:useLocalDpi xmlns:a14="http://schemas.microsoft.com/office/drawing/2010/main" val="0"/>
+              </a:ext>
+            </a:extLst>
+          </a:blip>
+          <a:stretch>
+            <a:fillRect/>
+          </a:stretch>
+        </p:blipFill>
+        <p:spPr>
+          <a:xfrm>
+            <a:off x="666750" y="1674812"/>
+            <a:ext cx="3810000" cy="3810000"/>
+          </a:xfrm>
+        </p:spPr>
+      </p:pic>
+      <p:pic>
+        <p:nvPicPr>
+          <p:cNvPr id="8" name="Content Placeholder 7"/>
+          <p:cNvPicPr>
+            <a:picLocks noGrp="1" noChangeAspect="1"/>
+          </p:cNvPicPr>
+          <p:nvPr>
+            <p:ph sz="half" idx="2"/>
+          </p:nvPr>
+        </p:nvPicPr>
+        <p:blipFill>
+          <a:blip r:embed="rId3">
+            <a:extLst>
+              <a:ext uri="{28A0092B-C50C-407E-A947-70E740481C1C}">
+                <a14:useLocalDpi xmlns:a14="http://schemas.microsoft.com/office/drawing/2010/main" val="0"/>
+              </a:ext>
+            </a:extLst>
+          </a:blip>
+          <a:stretch>
+            <a:fillRect/>
+          </a:stretch>
+        </p:blipFill>
+        <p:spPr>
+          <a:xfrm>
+            <a:off x="4740275" y="1674812"/>
+            <a:ext cx="3810000" cy="3810000"/>
+          </a:xfrm>
+        </p:spPr>
+      </p:pic>
+      <p:sp>
+        <p:nvSpPr>
+          <p:cNvPr id="5" name="Footer Placeholder 4"/>
+          <p:cNvSpPr>
+            <a:spLocks noGrp="1"/>
+          </p:cNvSpPr>
+          <p:nvPr>
+            <p:ph type="ftr" sz="quarter" idx="10"/>
+          </p:nvPr>
+        </p:nvSpPr>
+        <p:spPr/>
+        <p:txBody>
+          <a:bodyPr/>
+          <a:lstStyle/>
+          <a:p>
+            <a:r>
+              <a:rPr lang="nl-NL" smtClean="0"/>
+              <a:t>Algorithms for Massive Data - Collision Detection using CUDA</a:t>
+            </a:r>
+            <a:endParaRPr lang="nl-NL"/>
+          </a:p>
+        </p:txBody>
+      </p:sp>
+      <p:sp>
+        <p:nvSpPr>
+          <p:cNvPr id="6" name="Slide Number Placeholder 5"/>
+          <p:cNvSpPr>
+            <a:spLocks noGrp="1"/>
+          </p:cNvSpPr>
+          <p:nvPr>
+            <p:ph type="sldNum" sz="quarter" idx="11"/>
+          </p:nvPr>
+        </p:nvSpPr>
+        <p:spPr/>
+        <p:txBody>
+          <a:bodyPr/>
+          <a:lstStyle/>
+          <a:p>
+            <a:r>
+              <a:rPr lang="nl-NL" smtClean="0"/>
+              <a:t>PAGE </a:t>
+            </a:r>
+            <a:fld id="{2B4F786F-563E-4038-A197-264CAFECCF88}" type="slidenum">
+              <a:rPr lang="nl-NL" smtClean="0"/>
+              <a:pPr/>
+              <a:t>16</a:t>
+            </a:fld>
+            <a:endParaRPr lang="nl-NL"/>
+          </a:p>
+        </p:txBody>
+      </p:sp>
+      <p:sp>
+        <p:nvSpPr>
+          <p:cNvPr id="7" name="Date Placeholder 6"/>
+          <p:cNvSpPr>
+            <a:spLocks noGrp="1"/>
+          </p:cNvSpPr>
+          <p:nvPr>
+            <p:ph type="dt" sz="half" idx="12"/>
+          </p:nvPr>
+        </p:nvSpPr>
+        <p:spPr/>
+        <p:txBody>
+          <a:bodyPr/>
+          <a:lstStyle/>
+          <a:p>
+            <a:fld id="{1DCAAB11-6F30-4F8A-8EF4-D2CB568F93FE}" type="datetime1">
+              <a:rPr lang="nl-NL" smtClean="0"/>
+              <a:pPr/>
+              <a:t>8-4-2014</a:t>
+            </a:fld>
+            <a:endParaRPr lang="nl-NL"/>
+          </a:p>
+        </p:txBody>
+      </p:sp>
+    </p:spTree>
+    <p:extLst>
+      <p:ext uri="{BB962C8B-B14F-4D97-AF65-F5344CB8AC3E}">
+        <p14:creationId xmlns:p14="http://schemas.microsoft.com/office/powerpoint/2010/main" val="1660339234"/>
+      </p:ext>
+    </p:extLst>
+  </p:cSld>
+  <p:clrMapOvr>
+    <a:masterClrMapping/>
+  </p:clrMapOvr>
+</p:sld>
+</file>
+
+<file path=ppt/slides/slide18.xml><?xml version="1.0" encoding="utf-8"?>
+<p:sld xmlns:a="http://schemas.openxmlformats.org/drawingml/2006/main" xmlns:r="http://schemas.openxmlformats.org/officeDocument/2006/relationships" xmlns:p="http://schemas.openxmlformats.org/presentationml/2006/main">
+  <p:cSld>
+    <p:spTree>
+      <p:nvGrpSpPr>
+        <p:cNvPr id="1" name=""/>
+        <p:cNvGrpSpPr/>
+        <p:nvPr/>
+      </p:nvGrpSpPr>
+      <p:grpSpPr>
+        <a:xfrm>
+          <a:off x="0" y="0"/>
+          <a:ext cx="0" cy="0"/>
+          <a:chOff x="0" y="0"/>
+          <a:chExt cx="0" cy="0"/>
+        </a:xfrm>
+      </p:grpSpPr>
+      <p:sp>
+        <p:nvSpPr>
+          <p:cNvPr id="2" name="Title 1"/>
+          <p:cNvSpPr>
+            <a:spLocks noGrp="1"/>
+          </p:cNvSpPr>
+          <p:nvPr>
+            <p:ph type="title"/>
+          </p:nvPr>
+        </p:nvSpPr>
+        <p:spPr/>
+        <p:txBody>
+          <a:bodyPr/>
+          <a:lstStyle/>
+          <a:p>
+            <a:r>
+              <a:rPr lang="nl-NL" dirty="0" smtClean="0"/>
+              <a:t>Neptune</a:t>
+            </a:r>
+            <a:endParaRPr lang="nl-NL" dirty="0"/>
+          </a:p>
+        </p:txBody>
+      </p:sp>
+      <p:pic>
+        <p:nvPicPr>
+          <p:cNvPr id="9" name="Content Placeholder 8"/>
+          <p:cNvPicPr>
+            <a:picLocks noGrp="1" noChangeAspect="1"/>
+          </p:cNvPicPr>
+          <p:nvPr>
+            <p:ph sz="half" idx="1"/>
+          </p:nvPr>
+        </p:nvPicPr>
+        <p:blipFill>
+          <a:blip r:embed="rId2">
+            <a:extLst>
+              <a:ext uri="{28A0092B-C50C-407E-A947-70E740481C1C}">
+                <a14:useLocalDpi xmlns:a14="http://schemas.microsoft.com/office/drawing/2010/main" val="0"/>
+              </a:ext>
+            </a:extLst>
+          </a:blip>
+          <a:stretch>
+            <a:fillRect/>
+          </a:stretch>
+        </p:blipFill>
+        <p:spPr>
+          <a:xfrm>
+            <a:off x="666750" y="1674812"/>
+            <a:ext cx="3810000" cy="3810000"/>
+          </a:xfrm>
+        </p:spPr>
+      </p:pic>
+      <p:pic>
+        <p:nvPicPr>
+          <p:cNvPr id="8" name="Content Placeholder 7"/>
+          <p:cNvPicPr>
+            <a:picLocks noGrp="1" noChangeAspect="1"/>
+          </p:cNvPicPr>
+          <p:nvPr>
+            <p:ph sz="half" idx="2"/>
+          </p:nvPr>
+        </p:nvPicPr>
+        <p:blipFill>
+          <a:blip r:embed="rId3">
+            <a:extLst>
+              <a:ext uri="{28A0092B-C50C-407E-A947-70E740481C1C}">
+                <a14:useLocalDpi xmlns:a14="http://schemas.microsoft.com/office/drawing/2010/main" val="0"/>
+              </a:ext>
+            </a:extLst>
+          </a:blip>
+          <a:stretch>
+            <a:fillRect/>
+          </a:stretch>
+        </p:blipFill>
+        <p:spPr>
+          <a:xfrm>
+            <a:off x="4740275" y="1674812"/>
+            <a:ext cx="3810000" cy="3810000"/>
+          </a:xfrm>
+        </p:spPr>
+      </p:pic>
+      <p:sp>
+        <p:nvSpPr>
+          <p:cNvPr id="5" name="Footer Placeholder 4"/>
+          <p:cNvSpPr>
+            <a:spLocks noGrp="1"/>
+          </p:cNvSpPr>
+          <p:nvPr>
+            <p:ph type="ftr" sz="quarter" idx="10"/>
+          </p:nvPr>
+        </p:nvSpPr>
+        <p:spPr/>
+        <p:txBody>
+          <a:bodyPr/>
+          <a:lstStyle/>
+          <a:p>
+            <a:r>
+              <a:rPr lang="nl-NL" smtClean="0"/>
+              <a:t>Algorithms for Massive Data - Collision Detection using CUDA</a:t>
+            </a:r>
+            <a:endParaRPr lang="nl-NL"/>
+          </a:p>
+        </p:txBody>
+      </p:sp>
+      <p:sp>
+        <p:nvSpPr>
+          <p:cNvPr id="6" name="Slide Number Placeholder 5"/>
+          <p:cNvSpPr>
+            <a:spLocks noGrp="1"/>
+          </p:cNvSpPr>
+          <p:nvPr>
+            <p:ph type="sldNum" sz="quarter" idx="11"/>
+          </p:nvPr>
+        </p:nvSpPr>
+        <p:spPr/>
+        <p:txBody>
+          <a:bodyPr/>
+          <a:lstStyle/>
+          <a:p>
+            <a:r>
+              <a:rPr lang="nl-NL" smtClean="0"/>
+              <a:t>PAGE </a:t>
+            </a:r>
+            <a:fld id="{2B4F786F-563E-4038-A197-264CAFECCF88}" type="slidenum">
+              <a:rPr lang="nl-NL" smtClean="0"/>
+              <a:pPr/>
+              <a:t>17</a:t>
+            </a:fld>
+            <a:endParaRPr lang="nl-NL"/>
+          </a:p>
+        </p:txBody>
+      </p:sp>
+      <p:sp>
+        <p:nvSpPr>
+          <p:cNvPr id="7" name="Date Placeholder 6"/>
+          <p:cNvSpPr>
+            <a:spLocks noGrp="1"/>
+          </p:cNvSpPr>
+          <p:nvPr>
+            <p:ph type="dt" sz="half" idx="12"/>
+          </p:nvPr>
+        </p:nvSpPr>
+        <p:spPr/>
+        <p:txBody>
+          <a:bodyPr/>
+          <a:lstStyle/>
+          <a:p>
+            <a:fld id="{1DCAAB11-6F30-4F8A-8EF4-D2CB568F93FE}" type="datetime1">
+              <a:rPr lang="nl-NL" smtClean="0"/>
+              <a:pPr/>
+              <a:t>8-4-2014</a:t>
+            </a:fld>
+            <a:endParaRPr lang="nl-NL"/>
+          </a:p>
+        </p:txBody>
+      </p:sp>
+    </p:spTree>
+    <p:extLst>
+      <p:ext uri="{BB962C8B-B14F-4D97-AF65-F5344CB8AC3E}">
+        <p14:creationId xmlns:p14="http://schemas.microsoft.com/office/powerpoint/2010/main" val="2730050800"/>
+      </p:ext>
+    </p:extLst>
+  </p:cSld>
+  <p:clrMapOvr>
+    <a:masterClrMapping/>
+  </p:clrMapOvr>
+</p:sld>
+</file>
+
+<file path=ppt/slides/slide19.xml><?xml version="1.0" encoding="utf-8"?>
+<p:sld xmlns:a="http://schemas.openxmlformats.org/drawingml/2006/main" xmlns:r="http://schemas.openxmlformats.org/officeDocument/2006/relationships" xmlns:p="http://schemas.openxmlformats.org/presentationml/2006/main">
+  <p:cSld>
+    <p:spTree>
+      <p:nvGrpSpPr>
+        <p:cNvPr id="1" name=""/>
+        <p:cNvGrpSpPr/>
+        <p:nvPr/>
+      </p:nvGrpSpPr>
+      <p:grpSpPr>
+        <a:xfrm>
+          <a:off x="0" y="0"/>
+          <a:ext cx="0" cy="0"/>
+          <a:chOff x="0" y="0"/>
+          <a:chExt cx="0" cy="0"/>
+        </a:xfrm>
+      </p:grpSpPr>
+      <p:sp>
+        <p:nvSpPr>
+          <p:cNvPr id="2" name="Title 1"/>
+          <p:cNvSpPr>
+            <a:spLocks noGrp="1"/>
+          </p:cNvSpPr>
+          <p:nvPr>
+            <p:ph type="title"/>
+          </p:nvPr>
+        </p:nvSpPr>
+        <p:spPr/>
+        <p:txBody>
+          <a:bodyPr/>
+          <a:lstStyle/>
+          <a:p>
+            <a:r>
+              <a:rPr lang="nl-NL" dirty="0" smtClean="0"/>
+              <a:t>Sphere</a:t>
+            </a:r>
+            <a:endParaRPr lang="nl-NL" dirty="0"/>
+          </a:p>
+        </p:txBody>
+      </p:sp>
+      <p:pic>
+        <p:nvPicPr>
+          <p:cNvPr id="9" name="Content Placeholder 8"/>
+          <p:cNvPicPr>
+            <a:picLocks noGrp="1" noChangeAspect="1"/>
+          </p:cNvPicPr>
+          <p:nvPr>
+            <p:ph sz="half" idx="1"/>
+          </p:nvPr>
+        </p:nvPicPr>
+        <p:blipFill>
+          <a:blip r:embed="rId2">
+            <a:extLst>
+              <a:ext uri="{28A0092B-C50C-407E-A947-70E740481C1C}">
+                <a14:useLocalDpi xmlns:a14="http://schemas.microsoft.com/office/drawing/2010/main" val="0"/>
+              </a:ext>
+            </a:extLst>
+          </a:blip>
+          <a:stretch>
+            <a:fillRect/>
+          </a:stretch>
+        </p:blipFill>
+        <p:spPr>
+          <a:xfrm>
+            <a:off x="666750" y="1674812"/>
+            <a:ext cx="3810000" cy="3810000"/>
+          </a:xfrm>
+        </p:spPr>
+      </p:pic>
+      <p:pic>
+        <p:nvPicPr>
+          <p:cNvPr id="8" name="Content Placeholder 7"/>
+          <p:cNvPicPr>
+            <a:picLocks noGrp="1" noChangeAspect="1"/>
+          </p:cNvPicPr>
+          <p:nvPr>
+            <p:ph sz="half" idx="2"/>
+          </p:nvPr>
+        </p:nvPicPr>
+        <p:blipFill>
+          <a:blip r:embed="rId3">
+            <a:extLst>
+              <a:ext uri="{28A0092B-C50C-407E-A947-70E740481C1C}">
+                <a14:useLocalDpi xmlns:a14="http://schemas.microsoft.com/office/drawing/2010/main" val="0"/>
+              </a:ext>
+            </a:extLst>
+          </a:blip>
+          <a:stretch>
+            <a:fillRect/>
+          </a:stretch>
+        </p:blipFill>
+        <p:spPr>
+          <a:xfrm>
+            <a:off x="4740275" y="1674812"/>
+            <a:ext cx="3810000" cy="3810000"/>
+          </a:xfrm>
+        </p:spPr>
+      </p:pic>
+      <p:sp>
+        <p:nvSpPr>
+          <p:cNvPr id="5" name="Footer Placeholder 4"/>
+          <p:cNvSpPr>
+            <a:spLocks noGrp="1"/>
+          </p:cNvSpPr>
+          <p:nvPr>
+            <p:ph type="ftr" sz="quarter" idx="10"/>
+          </p:nvPr>
+        </p:nvSpPr>
+        <p:spPr/>
+        <p:txBody>
+          <a:bodyPr/>
+          <a:lstStyle/>
+          <a:p>
+            <a:r>
+              <a:rPr lang="nl-NL" smtClean="0"/>
+              <a:t>Algorithms for Massive Data - Collision Detection using CUDA</a:t>
+            </a:r>
+            <a:endParaRPr lang="nl-NL"/>
+          </a:p>
+        </p:txBody>
+      </p:sp>
+      <p:sp>
+        <p:nvSpPr>
+          <p:cNvPr id="6" name="Slide Number Placeholder 5"/>
+          <p:cNvSpPr>
+            <a:spLocks noGrp="1"/>
+          </p:cNvSpPr>
+          <p:nvPr>
+            <p:ph type="sldNum" sz="quarter" idx="11"/>
+          </p:nvPr>
+        </p:nvSpPr>
+        <p:spPr/>
+        <p:txBody>
+          <a:bodyPr/>
+          <a:lstStyle/>
+          <a:p>
+            <a:r>
+              <a:rPr lang="nl-NL" smtClean="0"/>
+              <a:t>PAGE </a:t>
+            </a:r>
+            <a:fld id="{2B4F786F-563E-4038-A197-264CAFECCF88}" type="slidenum">
+              <a:rPr lang="nl-NL" smtClean="0"/>
+              <a:pPr/>
+              <a:t>18</a:t>
+            </a:fld>
+            <a:endParaRPr lang="nl-NL"/>
+          </a:p>
+        </p:txBody>
+      </p:sp>
+      <p:sp>
+        <p:nvSpPr>
+          <p:cNvPr id="7" name="Date Placeholder 6"/>
+          <p:cNvSpPr>
+            <a:spLocks noGrp="1"/>
+          </p:cNvSpPr>
+          <p:nvPr>
+            <p:ph type="dt" sz="half" idx="12"/>
+          </p:nvPr>
+        </p:nvSpPr>
+        <p:spPr/>
+        <p:txBody>
+          <a:bodyPr/>
+          <a:lstStyle/>
+          <a:p>
+            <a:fld id="{1DCAAB11-6F30-4F8A-8EF4-D2CB568F93FE}" type="datetime1">
+              <a:rPr lang="nl-NL" smtClean="0"/>
+              <a:pPr/>
+              <a:t>8-4-2014</a:t>
+            </a:fld>
+            <a:endParaRPr lang="nl-NL"/>
+          </a:p>
+        </p:txBody>
+      </p:sp>
+    </p:spTree>
+    <p:extLst>
+      <p:ext uri="{BB962C8B-B14F-4D97-AF65-F5344CB8AC3E}">
+        <p14:creationId xmlns:p14="http://schemas.microsoft.com/office/powerpoint/2010/main" val="619382673"/>
       </p:ext>
     </p:extLst>
   </p:cSld>
@@ -12585,7 +13482,7 @@
           <a:blip r:embed="rId2" cstate="print">
             <a:extLst>
               <a:ext uri="{28A0092B-C50C-407E-A947-70E740481C1C}">
-                <a14:useLocalDpi xmlns:a14="http://schemas.microsoft.com/office/drawing/2010/main" xmlns="" val="0"/>
+                <a14:useLocalDpi xmlns:a14="http://schemas.microsoft.com/office/drawing/2010/main" val="0"/>
               </a:ext>
             </a:extLst>
           </a:blip>
@@ -12609,14 +13506,14 @@
           <a:effectLst/>
           <a:extLst>
             <a:ext uri="{909E8E84-426E-40DD-AFC4-6F175D3DCCD1}">
-              <a14:hiddenFill xmlns:a14="http://schemas.microsoft.com/office/drawing/2010/main" xmlns="">
+              <a14:hiddenFill xmlns:a14="http://schemas.microsoft.com/office/drawing/2010/main">
                 <a:solidFill>
                   <a:schemeClr val="accent1"/>
                 </a:solidFill>
               </a14:hiddenFill>
             </a:ext>
             <a:ext uri="{91240B29-F687-4F45-9708-019B960494DF}">
-              <a14:hiddenLine xmlns:a14="http://schemas.microsoft.com/office/drawing/2010/main" xmlns="" w="9525">
+              <a14:hiddenLine xmlns:a14="http://schemas.microsoft.com/office/drawing/2010/main" w="9525">
                 <a:solidFill>
                   <a:schemeClr val="tx1"/>
                 </a:solidFill>
@@ -12626,7 +13523,7 @@
               </a14:hiddenLine>
             </a:ext>
             <a:ext uri="{AF507438-7753-43E0-B8FC-AC1667EBCBE1}">
-              <a14:hiddenEffects xmlns:a14="http://schemas.microsoft.com/office/drawing/2010/main" xmlns="">
+              <a14:hiddenEffects xmlns:a14="http://schemas.microsoft.com/office/drawing/2010/main">
                 <a:effectLst>
                   <a:outerShdw dist="35921" dir="2700000" algn="ctr" rotWithShape="0">
                     <a:schemeClr val="bg2"/>
@@ -12640,7 +13537,427 @@
     </p:spTree>
     <p:extLst>
       <p:ext uri="{BB962C8B-B14F-4D97-AF65-F5344CB8AC3E}">
-        <p14:creationId xmlns:p14="http://schemas.microsoft.com/office/powerpoint/2010/main" xmlns="" val="262833968"/>
+        <p14:creationId xmlns:p14="http://schemas.microsoft.com/office/powerpoint/2010/main" val="262833968"/>
+      </p:ext>
+    </p:extLst>
+  </p:cSld>
+  <p:clrMapOvr>
+    <a:masterClrMapping/>
+  </p:clrMapOvr>
+</p:sld>
+</file>
+
+<file path=ppt/slides/slide20.xml><?xml version="1.0" encoding="utf-8"?>
+<p:sld xmlns:a="http://schemas.openxmlformats.org/drawingml/2006/main" xmlns:r="http://schemas.openxmlformats.org/officeDocument/2006/relationships" xmlns:p="http://schemas.openxmlformats.org/presentationml/2006/main">
+  <p:cSld>
+    <p:spTree>
+      <p:nvGrpSpPr>
+        <p:cNvPr id="1" name=""/>
+        <p:cNvGrpSpPr/>
+        <p:nvPr/>
+      </p:nvGrpSpPr>
+      <p:grpSpPr>
+        <a:xfrm>
+          <a:off x="0" y="0"/>
+          <a:ext cx="0" cy="0"/>
+          <a:chOff x="0" y="0"/>
+          <a:chExt cx="0" cy="0"/>
+        </a:xfrm>
+      </p:grpSpPr>
+      <p:sp>
+        <p:nvSpPr>
+          <p:cNvPr id="2" name="Title 1"/>
+          <p:cNvSpPr>
+            <a:spLocks noGrp="1"/>
+          </p:cNvSpPr>
+          <p:nvPr>
+            <p:ph type="title"/>
+          </p:nvPr>
+        </p:nvSpPr>
+        <p:spPr/>
+        <p:txBody>
+          <a:bodyPr/>
+          <a:lstStyle/>
+          <a:p>
+            <a:r>
+              <a:rPr lang="nl-NL" dirty="0" err="1" smtClean="0"/>
+              <a:t>Progress</a:t>
+            </a:r>
+            <a:endParaRPr lang="en-US" dirty="0"/>
+          </a:p>
+        </p:txBody>
+      </p:sp>
+      <p:sp>
+        <p:nvSpPr>
+          <p:cNvPr id="3" name="Content Placeholder 2"/>
+          <p:cNvSpPr>
+            <a:spLocks noGrp="1"/>
+          </p:cNvSpPr>
+          <p:nvPr>
+            <p:ph idx="1"/>
+          </p:nvPr>
+        </p:nvSpPr>
+        <p:spPr/>
+        <p:txBody>
+          <a:bodyPr/>
+          <a:lstStyle/>
+          <a:p>
+            <a:r>
+              <a:rPr lang="nl-NL" dirty="0" smtClean="0"/>
+              <a:t>A lot of data</a:t>
+            </a:r>
+          </a:p>
+          <a:p>
+            <a:endParaRPr lang="nl-NL" dirty="0"/>
+          </a:p>
+          <a:p>
+            <a:r>
+              <a:rPr lang="nl-NL" dirty="0" smtClean="0"/>
+              <a:t>Access </a:t>
+            </a:r>
+            <a:r>
+              <a:rPr lang="nl-NL" dirty="0" err="1" smtClean="0"/>
+              <a:t>to</a:t>
+            </a:r>
+            <a:r>
+              <a:rPr lang="nl-NL" dirty="0" smtClean="0"/>
+              <a:t> a lot of </a:t>
+            </a:r>
+            <a:r>
+              <a:rPr lang="nl-NL" dirty="0" err="1" smtClean="0"/>
+              <a:t>objects</a:t>
+            </a:r>
+            <a:r>
+              <a:rPr lang="nl-NL" dirty="0" smtClean="0"/>
+              <a:t> of host </a:t>
+            </a:r>
+            <a:r>
+              <a:rPr lang="nl-NL" dirty="0" err="1" smtClean="0"/>
+              <a:t>required</a:t>
+            </a:r>
+            <a:endParaRPr lang="nl-NL" dirty="0" smtClean="0"/>
+          </a:p>
+          <a:p>
+            <a:endParaRPr lang="en-US" dirty="0"/>
+          </a:p>
+        </p:txBody>
+      </p:sp>
+      <p:sp>
+        <p:nvSpPr>
+          <p:cNvPr id="4" name="Footer Placeholder 3"/>
+          <p:cNvSpPr>
+            <a:spLocks noGrp="1"/>
+          </p:cNvSpPr>
+          <p:nvPr>
+            <p:ph type="ftr" sz="quarter" idx="10"/>
+          </p:nvPr>
+        </p:nvSpPr>
+        <p:spPr/>
+        <p:txBody>
+          <a:bodyPr/>
+          <a:lstStyle/>
+          <a:p>
+            <a:r>
+              <a:rPr lang="nl-NL" smtClean="0"/>
+              <a:t>Algorithms for Massive Data - Collision Detection using CUDA</a:t>
+            </a:r>
+            <a:endParaRPr lang="nl-NL"/>
+          </a:p>
+        </p:txBody>
+      </p:sp>
+      <p:sp>
+        <p:nvSpPr>
+          <p:cNvPr id="5" name="Slide Number Placeholder 4"/>
+          <p:cNvSpPr>
+            <a:spLocks noGrp="1"/>
+          </p:cNvSpPr>
+          <p:nvPr>
+            <p:ph type="sldNum" sz="quarter" idx="11"/>
+          </p:nvPr>
+        </p:nvSpPr>
+        <p:spPr/>
+        <p:txBody>
+          <a:bodyPr/>
+          <a:lstStyle/>
+          <a:p>
+            <a:r>
+              <a:rPr lang="nl-NL" smtClean="0"/>
+              <a:t>PAGE </a:t>
+            </a:r>
+            <a:fld id="{64507BF3-F534-45C0-83AD-04D6CE5339EE}" type="slidenum">
+              <a:rPr lang="nl-NL" smtClean="0"/>
+              <a:pPr/>
+              <a:t>19</a:t>
+            </a:fld>
+            <a:endParaRPr lang="nl-NL"/>
+          </a:p>
+        </p:txBody>
+      </p:sp>
+      <p:sp>
+        <p:nvSpPr>
+          <p:cNvPr id="6" name="Date Placeholder 5"/>
+          <p:cNvSpPr>
+            <a:spLocks noGrp="1"/>
+          </p:cNvSpPr>
+          <p:nvPr>
+            <p:ph type="dt" sz="half" idx="12"/>
+          </p:nvPr>
+        </p:nvSpPr>
+        <p:spPr/>
+        <p:txBody>
+          <a:bodyPr/>
+          <a:lstStyle/>
+          <a:p>
+            <a:fld id="{29387D58-1795-4544-9DBD-51E7675CBAA4}" type="datetime1">
+              <a:rPr lang="nl-NL" smtClean="0"/>
+              <a:pPr/>
+              <a:t>8-4-2014</a:t>
+            </a:fld>
+            <a:endParaRPr lang="nl-NL"/>
+          </a:p>
+        </p:txBody>
+      </p:sp>
+    </p:spTree>
+    <p:extLst>
+      <p:ext uri="{BB962C8B-B14F-4D97-AF65-F5344CB8AC3E}">
+        <p14:creationId xmlns:p14="http://schemas.microsoft.com/office/powerpoint/2010/main" val="1687566504"/>
+      </p:ext>
+    </p:extLst>
+  </p:cSld>
+  <p:clrMapOvr>
+    <a:masterClrMapping/>
+  </p:clrMapOvr>
+</p:sld>
+</file>
+
+<file path=ppt/slides/slide21.xml><?xml version="1.0" encoding="utf-8"?>
+<p:sld xmlns:a="http://schemas.openxmlformats.org/drawingml/2006/main" xmlns:r="http://schemas.openxmlformats.org/officeDocument/2006/relationships" xmlns:p="http://schemas.openxmlformats.org/presentationml/2006/main">
+  <p:cSld>
+    <p:spTree>
+      <p:nvGrpSpPr>
+        <p:cNvPr id="1" name=""/>
+        <p:cNvGrpSpPr/>
+        <p:nvPr/>
+      </p:nvGrpSpPr>
+      <p:grpSpPr>
+        <a:xfrm>
+          <a:off x="0" y="0"/>
+          <a:ext cx="0" cy="0"/>
+          <a:chOff x="0" y="0"/>
+          <a:chExt cx="0" cy="0"/>
+        </a:xfrm>
+      </p:grpSpPr>
+      <p:sp>
+        <p:nvSpPr>
+          <p:cNvPr id="2" name="Title 1"/>
+          <p:cNvSpPr>
+            <a:spLocks noGrp="1"/>
+          </p:cNvSpPr>
+          <p:nvPr>
+            <p:ph type="title"/>
+          </p:nvPr>
+        </p:nvSpPr>
+        <p:spPr/>
+        <p:txBody>
+          <a:bodyPr/>
+          <a:lstStyle/>
+          <a:p>
+            <a:r>
+              <a:rPr lang="nl-NL" dirty="0" err="1" smtClean="0"/>
+              <a:t>Questions</a:t>
+            </a:r>
+            <a:r>
+              <a:rPr lang="nl-NL" dirty="0" smtClean="0"/>
+              <a:t>?</a:t>
+            </a:r>
+            <a:endParaRPr lang="en-US" dirty="0"/>
+          </a:p>
+        </p:txBody>
+      </p:sp>
+      <p:sp>
+        <p:nvSpPr>
+          <p:cNvPr id="4" name="Footer Placeholder 3"/>
+          <p:cNvSpPr>
+            <a:spLocks noGrp="1"/>
+          </p:cNvSpPr>
+          <p:nvPr>
+            <p:ph type="ftr" sz="quarter" idx="10"/>
+          </p:nvPr>
+        </p:nvSpPr>
+        <p:spPr/>
+        <p:txBody>
+          <a:bodyPr/>
+          <a:lstStyle/>
+          <a:p>
+            <a:r>
+              <a:rPr lang="nl-NL" smtClean="0"/>
+              <a:t>Algorithms for Massive Data - Collision Detection using CUDA</a:t>
+            </a:r>
+            <a:endParaRPr lang="nl-NL"/>
+          </a:p>
+        </p:txBody>
+      </p:sp>
+      <p:sp>
+        <p:nvSpPr>
+          <p:cNvPr id="5" name="Slide Number Placeholder 4"/>
+          <p:cNvSpPr>
+            <a:spLocks noGrp="1"/>
+          </p:cNvSpPr>
+          <p:nvPr>
+            <p:ph type="sldNum" sz="quarter" idx="11"/>
+          </p:nvPr>
+        </p:nvSpPr>
+        <p:spPr/>
+        <p:txBody>
+          <a:bodyPr/>
+          <a:lstStyle/>
+          <a:p>
+            <a:r>
+              <a:rPr lang="nl-NL" smtClean="0"/>
+              <a:t>PAGE </a:t>
+            </a:r>
+            <a:fld id="{64507BF3-F534-45C0-83AD-04D6CE5339EE}" type="slidenum">
+              <a:rPr lang="nl-NL" smtClean="0"/>
+              <a:pPr/>
+              <a:t>20</a:t>
+            </a:fld>
+            <a:endParaRPr lang="nl-NL"/>
+          </a:p>
+        </p:txBody>
+      </p:sp>
+      <p:sp>
+        <p:nvSpPr>
+          <p:cNvPr id="6" name="Date Placeholder 5"/>
+          <p:cNvSpPr>
+            <a:spLocks noGrp="1"/>
+          </p:cNvSpPr>
+          <p:nvPr>
+            <p:ph type="dt" sz="half" idx="12"/>
+          </p:nvPr>
+        </p:nvSpPr>
+        <p:spPr/>
+        <p:txBody>
+          <a:bodyPr/>
+          <a:lstStyle/>
+          <a:p>
+            <a:fld id="{29387D58-1795-4544-9DBD-51E7675CBAA4}" type="datetime1">
+              <a:rPr lang="nl-NL" smtClean="0"/>
+              <a:pPr/>
+              <a:t>8-4-2014</a:t>
+            </a:fld>
+            <a:endParaRPr lang="nl-NL"/>
+          </a:p>
+        </p:txBody>
+      </p:sp>
+      <p:sp>
+        <p:nvSpPr>
+          <p:cNvPr id="7" name="AutoShape 2" descr="data:image/jpeg;base64,/9j/4AAQSkZJRgABAQAAAQABAAD/2wCEAAkGBwgHBgkIBwgKCgkLDRYPDQwMDRsUFRAWIB0iIiAdHx8kKDQsJCYxJx8fLT0tMTU3Ojo6Iys/RD84QzQ5OjcBCgoKDQwNGg8PGjclHyU3Nzc3Nzc3Nzc3Nzc3Nzc3Nzc3Nzc3Nzc3Nzc3Nzc3Nzc3Nzc3Nzc3Nzc3Nzc3Nzc3N//AABEIANgAWgMBIgACEQEDEQH/xAAcAAEAAgMBAQEAAAAAAAAAAAAABwgBBQYEAwL/xABEEAABAwMBBAUIBgkCBwAAAAABAgMEAAURBgcSITETQVFhgQgUInGRobHBFSMyQlLwM2JygpKissLRNFMWN0N0k7Px/8QAFAEBAAAAAAAAAAAAAAAAAAAAAP/EABQRAQAAAAAAAAAAAAAAAAAAAAD/2gAMAwEAAhEDEQA/AJxpSlApSlApSlApSlArW6i+k/oSZ9BBo3ItER+lOEhXb/8Aa2VcbrTWxsU+NZ7Vbnbre5aCtqK2cBKfxLPUOB9nVQcnd4u0rTVmk6gkapiy1R0dI/CVHBRu9YBwOXdipNtdwTOtkSYQUmQwh3GeW8kH51HF5e1/rO2mxvabassaSUolS3JIXhGcndA7h+edSZBgtwoMeI1lTbDSW0kniQkYHwoPZSsE4rzy50SGnemSmI6e11wJHvoPTSubma90nDJD+obfkcwh4LP8ua0U3bHoyNvBE96QodTMZWD4nAoOw1Ddo1issu6TFYZjNlZ/WPUB3k4FQG1qXaNtGmuIsa3I0dpQ3kxF9C212byzxJ4cs+FeLXW0Ofr+bGssFkQ7c5JQlttSsrdUThJWernnHxqcVqsezrSAJSmPCiIxuj7Tzh+KifzgUHH7I7nq6NeJ+nNVRZrvQp6ZMp87xbzwxvfeSerGeRqWM9VVf1Nte1ReXCmHIFri54NRT6Xis8T4YFayybSNWWmYl5q8SX0b4UtmSrpErHZ6WcZ7sUFq7jIVEgyJKGHH1MtKWGW/tLIGcDvNaDSRiX9LGqZFjct11daVHUJAPSJQFcuIHA47BW00zeo2orFDu8PIalN7wSTxSc4Uk94II8K2eBQZrGKzSgrntL2malTqS52m3TTBhxnSynoAA4rHAkr58+zFfOybItWakU3OvkxMVtwb3SSnS88QewD5kVodsUFcHaJd0qb3UvLS8j9YKSOPtzVkdCy/PtGWSSrG85Ba3sdu6AaDgY2wSwIA86ulydUDx3OjQD/KfjW4j7GNFsklcOS9wx9ZJV8sVIdKCKL9so0ZZmk3pb8uBEgK6d8B4q30p4hIzxBJxy49VRFtE1zN1pc+kc3mbewSIsXP2R+JXao+7l6+z8oDVjsm7N6ajOARooS7J3T9t08QD3AYPrPdUPHiTQYrI51isp50FjPJ2mPSNHSo7nFqLMUlo9gUkKI9pPtqVqjfYJa12/QaJDgIM6Qt9II+7wSPbu5qSKBSlKCD/KOsmUWq+Np5ExXjjt9JH91bvYDqdNy04uxvrHnVuP1YxgqZUeB8CSPZXe6usMbUun5lqlAbr6DuLx+jWPsqHqNVTgTrzonUji4yzGuEJxTLiSDhWDxSR1pOPnQWi17PvVt01IkabhKl3EKSltCUb+6CRlW718KiVeo9sb6cItshrvEBA+IqStnuv7ZrOGAgiPcmk5fiKPHvUntT8OuuslEpivKSCSG1EAdfCgpZc5UqbPkybg4pyW66pby1YyVk8eXfXlr6PKWt1anM76lEqz25r8YJ5UGK6TQWk5Wr9QM29jfQwPTkvgfom+s+s8hWNGaNu+r7gI1tYwykjppS/wBGyO/tPdzq0GjNJW3SNqTCtreVHBefWBvvK7SezsHVQbe3Q2LdBYhREdHHjthttPYkDAr00pQKUpQYNQjt/wBGlaUapt7ZJSA1OSkdX3XPkfDsNTfXwmRWZsZ6LKaS6w8gocbUOCkkYINBS623CXbJzM23vrjyWFbzbrZwUn/HdVmtl20NnWcJUaUgM3eMgKebSPQcTnG+nu5cOqoQ2n6GkaOu+GUrXapCiYr/ADx2oUe0e8ce2tLpLUs3Sd3+k7eG1PhpbW64Mp9Icz24OD4UHfau2Paif1TLdsrDD1vlPrdQ4Xko6IKOd1QPHhnhgHhW50rsJCFpf1RP3sH/AE0M4B9azx9gqNLptA1XdciXfpe6TndaV0QHgnFeqxbTdV2aQ2tF1dlNI4FiUekQoY7+PsNBaS02uDZ4LUK2Rm40ZoYS22MD195769tRDs12vLv9zTaNQssMSn1YjPs5ShZ/AQTwPYevlUujlQZpSlApSlApSlBr71bbfdLY/DuzLb0NxP1iXRwwOOc9RHPNU0nmMZ0gwQ4IpcV0IcOVbmeGT24q1O128Ks2gbm80cPPpEds5xgrOCfBOTVTzQYrI51iut2Z6WOrdUxoTn+jaHTSiP8AbHV4nA8aDmProrqVDpGnU7q0nilQ5EEe4g1aLZLrYausIRLUPpSGAiSM8XBjg4PX19+aztE2dW7V1uBZQ3EucdvdjvpGBgckKHWn4e4wBa5t62c6vQt6OpqVFVuvMKPovNnmM9YPUe2gtzStVpq/QNR2hi52x3fYeHI/aQoc0qHURW1oFKUoFKUoIW8pK5blts1sSeLry31epICR/UfZUC1LHlGyuk1ZAij/AKMIKP7yj/ionoFTj5NUEk3y4KHD6phB/iUr+2oOqfvJsltKst4hjPTNyUOq/ZUnA96DQTLXJbQNDwNZ2zoX8MzmgTGlgZLZ7D2pPWK62sZoKuabvt82Wardh3COoNFQTLi59F1PU4g+8HwPdZazXSHerbHuNufS9FfTvIWn4EdR7R1Vo9e6KtesLYWp2GJLIJYmJA3mu49qe0VBmzfWkrRGonLbIeTKtTsjong2vKEqzjpUH85FBZ2lflBBGRyr9UClKUFcfKKjFvWUSRww9BSPFKlf5FRVU/eUXYHJNsgX1nJTEUWXx2JWRuq9ox+9UA0Cu22U6xTo/UYelZ+jpSQ1KwMlI6lADsPuJriaUE1q2q6u1TqBVs0XBjoSoq6LpEgrKB95RUQB2+OONbxFu2yO8F3e2NA8zhGR7EVD+npN40ZOtGpWGFdA8SWz9x9IO6tsnqPD4GrO6O1batW2tM21u5UMB5hXBbKuwj58jQR47sy1pfDu6k1o50JPpNMhSkqH7OUj3V02ldlGmNPONSPN1z5jZ3kvSzvbpzkEJ5DHbjNd5SgwBis0pQKUpQeC/QIl0s8yDcEhUV9pSXR3Y5+HPwqllXdlth2K82eSkKT7RVIhknhxNAxWUZ3hgZOeAqSdpGzqDpHTNrucWVKdflOIbdQ7u7qSUFRxgdorgbMyJF5gsniHJLaPaoCgtHZtERDs8haZvjSHwhj6wo+44cneQe0EnBqLLls21jom7i46Ofelt5KULYwHAD91xB4KHtHqqwo7KzQcZs3uWr7hDlf8Y21uIttSQwsJ3FOc97eTk8uGDwrs6UoFKUoFKUoMKGUkdoqmtltpf1bBtmCoruDbB/8AIBVyjVbtCWtKtuDrKuUWZJdA9W9j4ig73yiWCrRENSOTM9B8NxY+dQls/YEnW9jaUAQZrZ9is/KrI7XbaLls9vCMZUw15wnu3DvH3A1XTZqca/sX/eIoLdis1gVmgUpSgUpSgUpSgVArJRZfKLcDuUokvYSTwBLrQI/mOPXU9VX/AG8oVaNe2a9NA7xaQ5w/E0vPzFBPb7SJDC2XUBbbiSlaT1g8CKqTqS2y9Da3eYYUUOQZAejLP3kZ3kHv4cD41bSFIRMiMSmSC2+2lxBHWCMj41EvlDaa87tUbUMZH1sI9FIx1tqI3T4K/qoJSsVzYvNnh3KMcsymUuJ7sjlXvqH/ACeNQiTZpdgfWOmhr6VgHmWlc/Yr+qpgoFKUoFKUoFKV+VrS2kqWpKUjmVHAFB+qg/ylwN3T573/AOypEve0fSdkymXeY63Rw6KPl1We/dzjxxUEbWNfMa3lwxCiLYiQgvcU6RvuFWMnA4AeiKCetl8nzvZ/YnMglMRDf8Ho/KuguUKPcYEiFMbDkeQ2ptxJ60kYNcfsU/5b2rBz+l/9iq7g8qCqtlkSdnO0tLUhR3YknoHzy32FY4/wkK8KtUkhSQUnII4GoG8ouwhqdb7+yBuvp82fP6wBKD4jeHgKlvQVyVdtGWaatW845EbDiu1YGFe8Gg39KUoFKUoId2tbSr9pu6qtFrhJipU2FInup3ukyOO4CMcCccc8qheXcb7qeehqTKm3KS8vDbRWpZJ7Ep5DwFW01Hp216ktyoN3ipfZJykn7SD2pPMGvBpTQ2n9Kb67TCAfXkKkOnfcx2BR5DhyFBEWk9h1wmoS/qWV5g0RnzZjC3fE8k++pHtOyPRtu3VKthmOAY35Tql5/d4J91dpLkx4TCn5T7TDKftOOrCUjxNcHftselLSro477tyd7IaQUj94kD2ZoO9ixmYjDceM0hpltIShtCQEpA5ADqFfaoQnbfwP9BYCe9+Rj3AVpBty1bJcLcS22sqOSlKGHVqx/H8qCStuUIzNnk1aRlUZ1t4eCsH3KNbbZc0Gdn1iSOuIlXt4/Oq/6o2o6k1JaXrVcfNER3VAuBlopUcHOMknrFTJsM1Eb1o1uG6gIethEc7vJSMZSfXjgfVQSNSlKBSlKBSlKDRa005H1Vp6TaZJ3OkG805/trH2VfnqqtMfZpq6Rc/MU2Z9KukKC856LQAOCrePV+RSlBM2jdjljszSXb0E3Wbjj0icMo/ZT1+s+wVIMG1wbc10cCHGjI/Cy0lA91KUCZa7fORuTYMWQnlh1lKviK+VnsdrsjbrdogsQ0Or33EsoCQpXbSlBsaUpQKUpQf/2Q=="/>
+          <p:cNvSpPr>
+            <a:spLocks noChangeAspect="1" noChangeArrowheads="1"/>
+          </p:cNvSpPr>
+          <p:nvPr/>
+        </p:nvSpPr>
+        <p:spPr bwMode="auto">
+          <a:xfrm>
+            <a:off x="155575" y="-1905000"/>
+            <a:ext cx="1657350" cy="3971925"/>
+          </a:xfrm>
+          <a:prstGeom prst="rect">
+            <a:avLst/>
+          </a:prstGeom>
+          <a:noFill/>
+          <a:extLst>
+            <a:ext uri="{909E8E84-426E-40DD-AFC4-6F175D3DCCD1}">
+              <a14:hiddenFill xmlns:a14="http://schemas.microsoft.com/office/drawing/2010/main">
+                <a:solidFill>
+                  <a:srgbClr val="FFFFFF"/>
+                </a:solidFill>
+              </a14:hiddenFill>
+            </a:ext>
+          </a:extLst>
+        </p:spPr>
+        <p:txBody>
+          <a:bodyPr vert="horz" wrap="square" lIns="91440" tIns="45720" rIns="91440" bIns="45720" numCol="1" anchor="t" anchorCtr="0" compatLnSpc="1">
+            <a:prstTxWarp prst="textNoShape">
+              <a:avLst/>
+            </a:prstTxWarp>
+          </a:bodyPr>
+          <a:lstStyle/>
+          <a:p>
+            <a:endParaRPr lang="en-US"/>
+          </a:p>
+        </p:txBody>
+      </p:sp>
+      <p:pic>
+        <p:nvPicPr>
+          <p:cNvPr id="2051" name="Picture 3"/>
+          <p:cNvPicPr>
+            <a:picLocks noGrp="1" noChangeAspect="1" noChangeArrowheads="1"/>
+          </p:cNvPicPr>
+          <p:nvPr>
+            <p:ph idx="1"/>
+          </p:nvPr>
+        </p:nvPicPr>
+        <p:blipFill>
+          <a:blip r:embed="rId2" cstate="print">
+            <a:extLst>
+              <a:ext uri="{28A0092B-C50C-407E-A947-70E740481C1C}">
+                <a14:useLocalDpi xmlns:a14="http://schemas.microsoft.com/office/drawing/2010/main" val="0"/>
+              </a:ext>
+            </a:extLst>
+          </a:blip>
+          <a:srcRect/>
+          <a:stretch>
+            <a:fillRect/>
+          </a:stretch>
+        </p:blipFill>
+        <p:spPr bwMode="auto">
+          <a:xfrm>
+            <a:off x="3782488" y="1600200"/>
+            <a:ext cx="1652050" cy="3959225"/>
+          </a:xfrm>
+          <a:prstGeom prst="rect">
+            <a:avLst/>
+          </a:prstGeom>
+          <a:noFill/>
+          <a:ln>
+            <a:noFill/>
+          </a:ln>
+          <a:effectLst/>
+          <a:extLst>
+            <a:ext uri="{909E8E84-426E-40DD-AFC4-6F175D3DCCD1}">
+              <a14:hiddenFill xmlns:a14="http://schemas.microsoft.com/office/drawing/2010/main">
+                <a:solidFill>
+                  <a:schemeClr val="accent1"/>
+                </a:solidFill>
+              </a14:hiddenFill>
+            </a:ext>
+            <a:ext uri="{91240B29-F687-4F45-9708-019B960494DF}">
+              <a14:hiddenLine xmlns:a14="http://schemas.microsoft.com/office/drawing/2010/main" w="9525">
+                <a:solidFill>
+                  <a:schemeClr val="tx1"/>
+                </a:solidFill>
+                <a:miter lim="800000"/>
+                <a:headEnd/>
+                <a:tailEnd/>
+              </a14:hiddenLine>
+            </a:ext>
+            <a:ext uri="{AF507438-7753-43E0-B8FC-AC1667EBCBE1}">
+              <a14:hiddenEffects xmlns:a14="http://schemas.microsoft.com/office/drawing/2010/main">
+                <a:effectLst>
+                  <a:outerShdw dist="35921" dir="2700000" algn="ctr" rotWithShape="0">
+                    <a:schemeClr val="bg2"/>
+                  </a:outerShdw>
+                </a:effectLst>
+              </a14:hiddenEffects>
+            </a:ext>
+          </a:extLst>
+        </p:spPr>
+      </p:pic>
+    </p:spTree>
+    <p:extLst>
+      <p:ext uri="{BB962C8B-B14F-4D97-AF65-F5344CB8AC3E}">
+        <p14:creationId xmlns:p14="http://schemas.microsoft.com/office/powerpoint/2010/main" val="2520379375"/>
       </p:ext>
     </p:extLst>
   </p:cSld>
@@ -13052,7 +14369,7 @@
     </p:spTree>
     <p:extLst>
       <p:ext uri="{BB962C8B-B14F-4D97-AF65-F5344CB8AC3E}">
-        <p14:creationId xmlns:p14="http://schemas.microsoft.com/office/powerpoint/2010/main" xmlns="" val="3891151546"/>
+        <p14:creationId xmlns:p14="http://schemas.microsoft.com/office/powerpoint/2010/main" val="3891151546"/>
       </p:ext>
     </p:extLst>
   </p:cSld>
@@ -13164,15 +14481,7 @@
             <a:pPr lvl="1"/>
             <a:r>
               <a:rPr lang="nl-NL" dirty="0" err="1" smtClean="0"/>
-              <a:t>p</a:t>
-            </a:r>
-            <a:r>
-              <a:rPr lang="nl-NL" dirty="0" err="1" smtClean="0"/>
-              <a:t>otential</a:t>
-            </a:r>
-            <a:r>
-              <a:rPr lang="nl-NL" dirty="0" err="1" smtClean="0"/>
-              <a:t>FaceFace</a:t>
+              <a:t>potentialFaceFace</a:t>
             </a:r>
             <a:endParaRPr lang="nl-NL" dirty="0" smtClean="0"/>
           </a:p>
@@ -13205,7 +14514,6 @@
               <a:rPr lang="nl-NL" dirty="0" smtClean="0"/>
               <a:t>Output</a:t>
             </a:r>
-            <a:endParaRPr lang="nl-NL" dirty="0" smtClean="0"/>
           </a:p>
           <a:p>
             <a:pPr lvl="1"/>
@@ -13343,7 +14651,7 @@
     </p:spTree>
     <p:extLst>
       <p:ext uri="{BB962C8B-B14F-4D97-AF65-F5344CB8AC3E}">
-        <p14:creationId xmlns:p14="http://schemas.microsoft.com/office/powerpoint/2010/main" xmlns="" val="1322811030"/>
+        <p14:creationId xmlns:p14="http://schemas.microsoft.com/office/powerpoint/2010/main" val="1322811030"/>
       </p:ext>
     </p:extLst>
   </p:cSld>
@@ -13811,15 +15119,7 @@
           <a:p>
             <a:r>
               <a:rPr lang="en-US" dirty="0" smtClean="0"/>
-              <a:t>2| 3, 4, 5			2| 1, 4		</a:t>
-            </a:r>
-            <a:r>
-              <a:rPr lang="en-US" dirty="0" smtClean="0"/>
-              <a:t> </a:t>
-            </a:r>
-            <a:r>
-              <a:rPr lang="en-US" dirty="0" smtClean="0"/>
-              <a:t>   store at A</a:t>
+              <a:t>2| 3, 4, 5			2| 1, 4		    store at A</a:t>
             </a:r>
           </a:p>
           <a:p>
@@ -13846,11 +15146,7 @@
             </a:pPr>
             <a:r>
               <a:rPr lang="en-US" dirty="0" smtClean="0"/>
-              <a:t>	</a:t>
-            </a:r>
-            <a:r>
-              <a:rPr lang="en-US" dirty="0" smtClean="0"/>
-              <a:t>						(assuming A&lt;B)</a:t>
+              <a:t>							(assuming A&lt;B)</a:t>
             </a:r>
             <a:endParaRPr lang="en-US" dirty="0"/>
           </a:p>
@@ -14064,7 +15360,6 @@
               <a:rPr lang="en-US" dirty="0" smtClean="0"/>
               <a:t>Bounding Boxes (collision for faces + need mapping)</a:t>
             </a:r>
-            <a:endParaRPr lang="en-US" dirty="0" smtClean="0"/>
           </a:p>
           <a:p>
             <a:pPr lvl="1"/>

--- a/presentation/presentation2.0.pptx
+++ b/presentation/presentation2.0.pptx
@@ -7,7 +7,7 @@
     <p:sldMasterId id="2147483656" r:id="rId3"/>
   </p:sldMasterIdLst>
   <p:notesMasterIdLst>
-    <p:notesMasterId r:id="rId25"/>
+    <p:notesMasterId r:id="rId24"/>
   </p:notesMasterIdLst>
   <p:sldIdLst>
     <p:sldId id="256" r:id="rId4"/>
@@ -29,8 +29,7 @@
     <p:sldId id="276" r:id="rId20"/>
     <p:sldId id="277" r:id="rId21"/>
     <p:sldId id="272" r:id="rId22"/>
-    <p:sldId id="265" r:id="rId23"/>
-    <p:sldId id="264" r:id="rId24"/>
+    <p:sldId id="264" r:id="rId23"/>
   </p:sldIdLst>
   <p:sldSz cx="9144000" cy="6858000" type="screen4x3"/>
   <p:notesSz cx="6858000" cy="9144000"/>
@@ -161,7 +160,7 @@
   </p:defaultTextStyle>
   <p:extLst>
     <p:ext uri="{521415D9-36F7-43E2-AB2F-B90AF26B5E84}">
-      <p14:sectionLst xmlns:p14="http://schemas.microsoft.com/office/powerpoint/2010/main">
+      <p14:sectionLst xmlns:p14="http://schemas.microsoft.com/office/powerpoint/2010/main" xmlns="">
         <p14:section name="Default Section" id="{71789B04-11C9-41C3-9DEC-D783814861A0}">
           <p14:sldIdLst>
             <p14:sldId id="256"/>
@@ -258,14 +257,14 @@
           <a:effectLst/>
           <a:extLst>
             <a:ext uri="{909E8E84-426E-40DD-AFC4-6F175D3DCCD1}">
-              <a14:hiddenFill xmlns:a14="http://schemas.microsoft.com/office/drawing/2010/main">
+              <a14:hiddenFill xmlns:a14="http://schemas.microsoft.com/office/drawing/2010/main" xmlns="">
                 <a:solidFill>
                   <a:schemeClr val="accent1"/>
                 </a:solidFill>
               </a14:hiddenFill>
             </a:ext>
             <a:ext uri="{91240B29-F687-4F45-9708-019B960494DF}">
-              <a14:hiddenLine xmlns:a14="http://schemas.microsoft.com/office/drawing/2010/main" w="9525">
+              <a14:hiddenLine xmlns:a14="http://schemas.microsoft.com/office/drawing/2010/main" xmlns="" w="9525">
                 <a:solidFill>
                   <a:schemeClr val="tx1"/>
                 </a:solidFill>
@@ -275,7 +274,7 @@
               </a14:hiddenLine>
             </a:ext>
             <a:ext uri="{AF507438-7753-43E0-B8FC-AC1667EBCBE1}">
-              <a14:hiddenEffects xmlns:a14="http://schemas.microsoft.com/office/drawing/2010/main">
+              <a14:hiddenEffects xmlns:a14="http://schemas.microsoft.com/office/drawing/2010/main" xmlns="">
                 <a:effectLst>
                   <a:outerShdw dist="35921" dir="2700000" algn="ctr" rotWithShape="0">
                     <a:schemeClr val="bg2"/>
@@ -326,14 +325,14 @@
           <a:effectLst/>
           <a:extLst>
             <a:ext uri="{909E8E84-426E-40DD-AFC4-6F175D3DCCD1}">
-              <a14:hiddenFill xmlns:a14="http://schemas.microsoft.com/office/drawing/2010/main">
+              <a14:hiddenFill xmlns:a14="http://schemas.microsoft.com/office/drawing/2010/main" xmlns="">
                 <a:solidFill>
                   <a:schemeClr val="accent1"/>
                 </a:solidFill>
               </a14:hiddenFill>
             </a:ext>
             <a:ext uri="{91240B29-F687-4F45-9708-019B960494DF}">
-              <a14:hiddenLine xmlns:a14="http://schemas.microsoft.com/office/drawing/2010/main" w="9525">
+              <a14:hiddenLine xmlns:a14="http://schemas.microsoft.com/office/drawing/2010/main" xmlns="" w="9525">
                 <a:solidFill>
                   <a:schemeClr val="tx1"/>
                 </a:solidFill>
@@ -343,7 +342,7 @@
               </a14:hiddenLine>
             </a:ext>
             <a:ext uri="{AF507438-7753-43E0-B8FC-AC1667EBCBE1}">
-              <a14:hiddenEffects xmlns:a14="http://schemas.microsoft.com/office/drawing/2010/main">
+              <a14:hiddenEffects xmlns:a14="http://schemas.microsoft.com/office/drawing/2010/main" xmlns="">
                 <a:effectLst>
                   <a:outerShdw dist="35921" dir="2700000" algn="ctr" rotWithShape="0">
                     <a:schemeClr val="bg2"/>
@@ -399,7 +398,7 @@
           <a:effectLst/>
           <a:extLst>
             <a:ext uri="{AF507438-7753-43E0-B8FC-AC1667EBCBE1}">
-              <a14:hiddenEffects xmlns:a14="http://schemas.microsoft.com/office/drawing/2010/main">
+              <a14:hiddenEffects xmlns:a14="http://schemas.microsoft.com/office/drawing/2010/main" xmlns="">
                 <a:effectLst>
                   <a:outerShdw dist="35921" dir="2700000" algn="ctr" rotWithShape="0">
                     <a:srgbClr val="808080"/>
@@ -408,7 +407,7 @@
               </a14:hiddenEffects>
             </a:ext>
             <a:ext uri="{53640926-AAD7-44D8-BBD7-CCE9431645EC}">
-              <a14:shadowObscured xmlns:a14="http://schemas.microsoft.com/office/drawing/2010/main" val="1"/>
+              <a14:shadowObscured xmlns:a14="http://schemas.microsoft.com/office/drawing/2010/main" xmlns="" val="1"/>
             </a:ext>
           </a:extLst>
         </p:spPr>
@@ -438,14 +437,14 @@
           <a:effectLst/>
           <a:extLst>
             <a:ext uri="{909E8E84-426E-40DD-AFC4-6F175D3DCCD1}">
-              <a14:hiddenFill xmlns:a14="http://schemas.microsoft.com/office/drawing/2010/main">
+              <a14:hiddenFill xmlns:a14="http://schemas.microsoft.com/office/drawing/2010/main" xmlns="">
                 <a:solidFill>
                   <a:schemeClr val="accent1"/>
                 </a:solidFill>
               </a14:hiddenFill>
             </a:ext>
             <a:ext uri="{91240B29-F687-4F45-9708-019B960494DF}">
-              <a14:hiddenLine xmlns:a14="http://schemas.microsoft.com/office/drawing/2010/main" w="9525">
+              <a14:hiddenLine xmlns:a14="http://schemas.microsoft.com/office/drawing/2010/main" xmlns="" w="9525">
                 <a:solidFill>
                   <a:schemeClr val="tx1"/>
                 </a:solidFill>
@@ -455,7 +454,7 @@
               </a14:hiddenLine>
             </a:ext>
             <a:ext uri="{AF507438-7753-43E0-B8FC-AC1667EBCBE1}">
-              <a14:hiddenEffects xmlns:a14="http://schemas.microsoft.com/office/drawing/2010/main">
+              <a14:hiddenEffects xmlns:a14="http://schemas.microsoft.com/office/drawing/2010/main" xmlns="">
                 <a:effectLst>
                   <a:outerShdw dist="35921" dir="2700000" algn="ctr" rotWithShape="0">
                     <a:schemeClr val="bg2"/>
@@ -534,14 +533,14 @@
           <a:effectLst/>
           <a:extLst>
             <a:ext uri="{909E8E84-426E-40DD-AFC4-6F175D3DCCD1}">
-              <a14:hiddenFill xmlns:a14="http://schemas.microsoft.com/office/drawing/2010/main">
+              <a14:hiddenFill xmlns:a14="http://schemas.microsoft.com/office/drawing/2010/main" xmlns="">
                 <a:solidFill>
                   <a:schemeClr val="accent1"/>
                 </a:solidFill>
               </a14:hiddenFill>
             </a:ext>
             <a:ext uri="{91240B29-F687-4F45-9708-019B960494DF}">
-              <a14:hiddenLine xmlns:a14="http://schemas.microsoft.com/office/drawing/2010/main" w="9525">
+              <a14:hiddenLine xmlns:a14="http://schemas.microsoft.com/office/drawing/2010/main" xmlns="" w="9525">
                 <a:solidFill>
                   <a:schemeClr val="tx1"/>
                 </a:solidFill>
@@ -551,7 +550,7 @@
               </a14:hiddenLine>
             </a:ext>
             <a:ext uri="{AF507438-7753-43E0-B8FC-AC1667EBCBE1}">
-              <a14:hiddenEffects xmlns:a14="http://schemas.microsoft.com/office/drawing/2010/main">
+              <a14:hiddenEffects xmlns:a14="http://schemas.microsoft.com/office/drawing/2010/main" xmlns="">
                 <a:effectLst>
                   <a:outerShdw dist="35921" dir="2700000" algn="ctr" rotWithShape="0">
                     <a:schemeClr val="bg2"/>
@@ -602,14 +601,14 @@
           <a:effectLst/>
           <a:extLst>
             <a:ext uri="{909E8E84-426E-40DD-AFC4-6F175D3DCCD1}">
-              <a14:hiddenFill xmlns:a14="http://schemas.microsoft.com/office/drawing/2010/main">
+              <a14:hiddenFill xmlns:a14="http://schemas.microsoft.com/office/drawing/2010/main" xmlns="">
                 <a:solidFill>
                   <a:schemeClr val="accent1"/>
                 </a:solidFill>
               </a14:hiddenFill>
             </a:ext>
             <a:ext uri="{91240B29-F687-4F45-9708-019B960494DF}">
-              <a14:hiddenLine xmlns:a14="http://schemas.microsoft.com/office/drawing/2010/main" w="9525">
+              <a14:hiddenLine xmlns:a14="http://schemas.microsoft.com/office/drawing/2010/main" xmlns="" w="9525">
                 <a:solidFill>
                   <a:schemeClr val="tx1"/>
                 </a:solidFill>
@@ -619,7 +618,7 @@
               </a14:hiddenLine>
             </a:ext>
             <a:ext uri="{AF507438-7753-43E0-B8FC-AC1667EBCBE1}">
-              <a14:hiddenEffects xmlns:a14="http://schemas.microsoft.com/office/drawing/2010/main">
+              <a14:hiddenEffects xmlns:a14="http://schemas.microsoft.com/office/drawing/2010/main" xmlns="">
                 <a:effectLst>
                   <a:outerShdw dist="35921" dir="2700000" algn="ctr" rotWithShape="0">
                     <a:schemeClr val="bg2"/>
@@ -653,7 +652,7 @@
     </p:spTree>
     <p:extLst>
       <p:ext uri="{BB962C8B-B14F-4D97-AF65-F5344CB8AC3E}">
-        <p14:creationId xmlns:p14="http://schemas.microsoft.com/office/powerpoint/2010/main" val="1953554514"/>
+        <p14:creationId xmlns:p14="http://schemas.microsoft.com/office/powerpoint/2010/main" xmlns="" val="1953554514"/>
       </p:ext>
     </p:extLst>
   </p:cSld>
@@ -1074,7 +1073,7 @@
     </p:spTree>
     <p:extLst>
       <p:ext uri="{BB962C8B-B14F-4D97-AF65-F5344CB8AC3E}">
-        <p14:creationId xmlns:p14="http://schemas.microsoft.com/office/powerpoint/2010/main" val="2115042977"/>
+        <p14:creationId xmlns:p14="http://schemas.microsoft.com/office/powerpoint/2010/main" xmlns="" val="2115042977"/>
       </p:ext>
     </p:extLst>
   </p:cSld>
@@ -1276,7 +1275,7 @@
     </p:spTree>
     <p:extLst>
       <p:ext uri="{BB962C8B-B14F-4D97-AF65-F5344CB8AC3E}">
-        <p14:creationId xmlns:p14="http://schemas.microsoft.com/office/powerpoint/2010/main" val="3593635643"/>
+        <p14:creationId xmlns:p14="http://schemas.microsoft.com/office/powerpoint/2010/main" xmlns="" val="3593635643"/>
       </p:ext>
     </p:extLst>
   </p:cSld>
@@ -1315,7 +1314,7 @@
           <a:blip r:embed="rId2" cstate="print">
             <a:extLst>
               <a:ext uri="{28A0092B-C50C-407E-A947-70E740481C1C}">
-                <a14:useLocalDpi xmlns:a14="http://schemas.microsoft.com/office/drawing/2010/main" val="0"/>
+                <a14:useLocalDpi xmlns:a14="http://schemas.microsoft.com/office/drawing/2010/main" xmlns="" val="0"/>
               </a:ext>
             </a:extLst>
           </a:blip>
@@ -1335,7 +1334,7 @@
           <a:noFill/>
           <a:extLst>
             <a:ext uri="{909E8E84-426E-40DD-AFC4-6F175D3DCCD1}">
-              <a14:hiddenFill xmlns:a14="http://schemas.microsoft.com/office/drawing/2010/main">
+              <a14:hiddenFill xmlns:a14="http://schemas.microsoft.com/office/drawing/2010/main" xmlns="">
                 <a:solidFill>
                   <a:srgbClr val="FFFFFF"/>
                 </a:solidFill>
@@ -1356,7 +1355,7 @@
           <a:blip r:embed="rId3" cstate="print">
             <a:extLst>
               <a:ext uri="{28A0092B-C50C-407E-A947-70E740481C1C}">
-                <a14:useLocalDpi xmlns:a14="http://schemas.microsoft.com/office/drawing/2010/main" val="0"/>
+                <a14:useLocalDpi xmlns:a14="http://schemas.microsoft.com/office/drawing/2010/main" xmlns="" val="0"/>
               </a:ext>
             </a:extLst>
           </a:blip>
@@ -1376,7 +1375,7 @@
           <a:noFill/>
           <a:extLst>
             <a:ext uri="{909E8E84-426E-40DD-AFC4-6F175D3DCCD1}">
-              <a14:hiddenFill xmlns:a14="http://schemas.microsoft.com/office/drawing/2010/main">
+              <a14:hiddenFill xmlns:a14="http://schemas.microsoft.com/office/drawing/2010/main" xmlns="">
                 <a:solidFill>
                   <a:srgbClr val="FFFFFF"/>
                 </a:solidFill>
@@ -1645,7 +1644,7 @@
     </p:spTree>
     <p:extLst>
       <p:ext uri="{BB962C8B-B14F-4D97-AF65-F5344CB8AC3E}">
-        <p14:creationId xmlns:p14="http://schemas.microsoft.com/office/powerpoint/2010/main" val="3725975958"/>
+        <p14:creationId xmlns:p14="http://schemas.microsoft.com/office/powerpoint/2010/main" xmlns="" val="3725975958"/>
       </p:ext>
     </p:extLst>
   </p:cSld>
@@ -1859,7 +1858,7 @@
     </p:spTree>
     <p:extLst>
       <p:ext uri="{BB962C8B-B14F-4D97-AF65-F5344CB8AC3E}">
-        <p14:creationId xmlns:p14="http://schemas.microsoft.com/office/powerpoint/2010/main" val="2579298552"/>
+        <p14:creationId xmlns:p14="http://schemas.microsoft.com/office/powerpoint/2010/main" xmlns="" val="2579298552"/>
       </p:ext>
     </p:extLst>
   </p:cSld>
@@ -2169,7 +2168,7 @@
     </p:spTree>
     <p:extLst>
       <p:ext uri="{BB962C8B-B14F-4D97-AF65-F5344CB8AC3E}">
-        <p14:creationId xmlns:p14="http://schemas.microsoft.com/office/powerpoint/2010/main" val="2331762669"/>
+        <p14:creationId xmlns:p14="http://schemas.microsoft.com/office/powerpoint/2010/main" xmlns="" val="2331762669"/>
       </p:ext>
     </p:extLst>
   </p:cSld>
@@ -2618,7 +2617,7 @@
     </p:spTree>
     <p:extLst>
       <p:ext uri="{BB962C8B-B14F-4D97-AF65-F5344CB8AC3E}">
-        <p14:creationId xmlns:p14="http://schemas.microsoft.com/office/powerpoint/2010/main" val="2823705037"/>
+        <p14:creationId xmlns:p14="http://schemas.microsoft.com/office/powerpoint/2010/main" xmlns="" val="2823705037"/>
       </p:ext>
     </p:extLst>
   </p:cSld>
@@ -2758,7 +2757,7 @@
     </p:spTree>
     <p:extLst>
       <p:ext uri="{BB962C8B-B14F-4D97-AF65-F5344CB8AC3E}">
-        <p14:creationId xmlns:p14="http://schemas.microsoft.com/office/powerpoint/2010/main" val="902082003"/>
+        <p14:creationId xmlns:p14="http://schemas.microsoft.com/office/powerpoint/2010/main" xmlns="" val="902082003"/>
       </p:ext>
     </p:extLst>
   </p:cSld>
@@ -2875,7 +2874,7 @@
     </p:spTree>
     <p:extLst>
       <p:ext uri="{BB962C8B-B14F-4D97-AF65-F5344CB8AC3E}">
-        <p14:creationId xmlns:p14="http://schemas.microsoft.com/office/powerpoint/2010/main" val="454438569"/>
+        <p14:creationId xmlns:p14="http://schemas.microsoft.com/office/powerpoint/2010/main" xmlns="" val="454438569"/>
       </p:ext>
     </p:extLst>
   </p:cSld>
@@ -3174,7 +3173,7 @@
     </p:spTree>
     <p:extLst>
       <p:ext uri="{BB962C8B-B14F-4D97-AF65-F5344CB8AC3E}">
-        <p14:creationId xmlns:p14="http://schemas.microsoft.com/office/powerpoint/2010/main" val="3238251866"/>
+        <p14:creationId xmlns:p14="http://schemas.microsoft.com/office/powerpoint/2010/main" xmlns="" val="3238251866"/>
       </p:ext>
     </p:extLst>
   </p:cSld>
@@ -3366,7 +3365,7 @@
     </p:spTree>
     <p:extLst>
       <p:ext uri="{BB962C8B-B14F-4D97-AF65-F5344CB8AC3E}">
-        <p14:creationId xmlns:p14="http://schemas.microsoft.com/office/powerpoint/2010/main" val="644160068"/>
+        <p14:creationId xmlns:p14="http://schemas.microsoft.com/office/powerpoint/2010/main" xmlns="" val="644160068"/>
       </p:ext>
     </p:extLst>
   </p:cSld>
@@ -3641,7 +3640,7 @@
     </p:spTree>
     <p:extLst>
       <p:ext uri="{BB962C8B-B14F-4D97-AF65-F5344CB8AC3E}">
-        <p14:creationId xmlns:p14="http://schemas.microsoft.com/office/powerpoint/2010/main" val="2277390628"/>
+        <p14:creationId xmlns:p14="http://schemas.microsoft.com/office/powerpoint/2010/main" xmlns="" val="2277390628"/>
       </p:ext>
     </p:extLst>
   </p:cSld>
@@ -3833,7 +3832,7 @@
     </p:spTree>
     <p:extLst>
       <p:ext uri="{BB962C8B-B14F-4D97-AF65-F5344CB8AC3E}">
-        <p14:creationId xmlns:p14="http://schemas.microsoft.com/office/powerpoint/2010/main" val="2514542716"/>
+        <p14:creationId xmlns:p14="http://schemas.microsoft.com/office/powerpoint/2010/main" xmlns="" val="2514542716"/>
       </p:ext>
     </p:extLst>
   </p:cSld>
@@ -4035,7 +4034,7 @@
     </p:spTree>
     <p:extLst>
       <p:ext uri="{BB962C8B-B14F-4D97-AF65-F5344CB8AC3E}">
-        <p14:creationId xmlns:p14="http://schemas.microsoft.com/office/powerpoint/2010/main" val="510430010"/>
+        <p14:creationId xmlns:p14="http://schemas.microsoft.com/office/powerpoint/2010/main" xmlns="" val="510430010"/>
       </p:ext>
     </p:extLst>
   </p:cSld>
@@ -4334,7 +4333,7 @@
     </p:spTree>
     <p:extLst>
       <p:ext uri="{BB962C8B-B14F-4D97-AF65-F5344CB8AC3E}">
-        <p14:creationId xmlns:p14="http://schemas.microsoft.com/office/powerpoint/2010/main" val="785146755"/>
+        <p14:creationId xmlns:p14="http://schemas.microsoft.com/office/powerpoint/2010/main" xmlns="" val="785146755"/>
       </p:ext>
     </p:extLst>
   </p:cSld>
@@ -4548,7 +4547,7 @@
     </p:spTree>
     <p:extLst>
       <p:ext uri="{BB962C8B-B14F-4D97-AF65-F5344CB8AC3E}">
-        <p14:creationId xmlns:p14="http://schemas.microsoft.com/office/powerpoint/2010/main" val="2166623876"/>
+        <p14:creationId xmlns:p14="http://schemas.microsoft.com/office/powerpoint/2010/main" xmlns="" val="2166623876"/>
       </p:ext>
     </p:extLst>
   </p:cSld>
@@ -4858,7 +4857,7 @@
     </p:spTree>
     <p:extLst>
       <p:ext uri="{BB962C8B-B14F-4D97-AF65-F5344CB8AC3E}">
-        <p14:creationId xmlns:p14="http://schemas.microsoft.com/office/powerpoint/2010/main" val="736608874"/>
+        <p14:creationId xmlns:p14="http://schemas.microsoft.com/office/powerpoint/2010/main" xmlns="" val="736608874"/>
       </p:ext>
     </p:extLst>
   </p:cSld>
@@ -5307,7 +5306,7 @@
     </p:spTree>
     <p:extLst>
       <p:ext uri="{BB962C8B-B14F-4D97-AF65-F5344CB8AC3E}">
-        <p14:creationId xmlns:p14="http://schemas.microsoft.com/office/powerpoint/2010/main" val="2284628605"/>
+        <p14:creationId xmlns:p14="http://schemas.microsoft.com/office/powerpoint/2010/main" xmlns="" val="2284628605"/>
       </p:ext>
     </p:extLst>
   </p:cSld>
@@ -5447,7 +5446,7 @@
     </p:spTree>
     <p:extLst>
       <p:ext uri="{BB962C8B-B14F-4D97-AF65-F5344CB8AC3E}">
-        <p14:creationId xmlns:p14="http://schemas.microsoft.com/office/powerpoint/2010/main" val="1230267363"/>
+        <p14:creationId xmlns:p14="http://schemas.microsoft.com/office/powerpoint/2010/main" xmlns="" val="1230267363"/>
       </p:ext>
     </p:extLst>
   </p:cSld>
@@ -5564,7 +5563,7 @@
     </p:spTree>
     <p:extLst>
       <p:ext uri="{BB962C8B-B14F-4D97-AF65-F5344CB8AC3E}">
-        <p14:creationId xmlns:p14="http://schemas.microsoft.com/office/powerpoint/2010/main" val="1073760290"/>
+        <p14:creationId xmlns:p14="http://schemas.microsoft.com/office/powerpoint/2010/main" xmlns="" val="1073760290"/>
       </p:ext>
     </p:extLst>
   </p:cSld>
@@ -5778,7 +5777,7 @@
     </p:spTree>
     <p:extLst>
       <p:ext uri="{BB962C8B-B14F-4D97-AF65-F5344CB8AC3E}">
-        <p14:creationId xmlns:p14="http://schemas.microsoft.com/office/powerpoint/2010/main" val="3880213393"/>
+        <p14:creationId xmlns:p14="http://schemas.microsoft.com/office/powerpoint/2010/main" xmlns="" val="3880213393"/>
       </p:ext>
     </p:extLst>
   </p:cSld>
@@ -6077,7 +6076,7 @@
     </p:spTree>
     <p:extLst>
       <p:ext uri="{BB962C8B-B14F-4D97-AF65-F5344CB8AC3E}">
-        <p14:creationId xmlns:p14="http://schemas.microsoft.com/office/powerpoint/2010/main" val="2582652156"/>
+        <p14:creationId xmlns:p14="http://schemas.microsoft.com/office/powerpoint/2010/main" xmlns="" val="2582652156"/>
       </p:ext>
     </p:extLst>
   </p:cSld>
@@ -6352,7 +6351,7 @@
     </p:spTree>
     <p:extLst>
       <p:ext uri="{BB962C8B-B14F-4D97-AF65-F5344CB8AC3E}">
-        <p14:creationId xmlns:p14="http://schemas.microsoft.com/office/powerpoint/2010/main" val="2073530966"/>
+        <p14:creationId xmlns:p14="http://schemas.microsoft.com/office/powerpoint/2010/main" xmlns="" val="2073530966"/>
       </p:ext>
     </p:extLst>
   </p:cSld>
@@ -6544,7 +6543,7 @@
     </p:spTree>
     <p:extLst>
       <p:ext uri="{BB962C8B-B14F-4D97-AF65-F5344CB8AC3E}">
-        <p14:creationId xmlns:p14="http://schemas.microsoft.com/office/powerpoint/2010/main" val="2545962705"/>
+        <p14:creationId xmlns:p14="http://schemas.microsoft.com/office/powerpoint/2010/main" xmlns="" val="2545962705"/>
       </p:ext>
     </p:extLst>
   </p:cSld>
@@ -6746,7 +6745,7 @@
     </p:spTree>
     <p:extLst>
       <p:ext uri="{BB962C8B-B14F-4D97-AF65-F5344CB8AC3E}">
-        <p14:creationId xmlns:p14="http://schemas.microsoft.com/office/powerpoint/2010/main" val="226266198"/>
+        <p14:creationId xmlns:p14="http://schemas.microsoft.com/office/powerpoint/2010/main" xmlns="" val="226266198"/>
       </p:ext>
     </p:extLst>
   </p:cSld>
@@ -7056,7 +7055,7 @@
     </p:spTree>
     <p:extLst>
       <p:ext uri="{BB962C8B-B14F-4D97-AF65-F5344CB8AC3E}">
-        <p14:creationId xmlns:p14="http://schemas.microsoft.com/office/powerpoint/2010/main" val="3309487713"/>
+        <p14:creationId xmlns:p14="http://schemas.microsoft.com/office/powerpoint/2010/main" xmlns="" val="3309487713"/>
       </p:ext>
     </p:extLst>
   </p:cSld>
@@ -7505,7 +7504,7 @@
     </p:spTree>
     <p:extLst>
       <p:ext uri="{BB962C8B-B14F-4D97-AF65-F5344CB8AC3E}">
-        <p14:creationId xmlns:p14="http://schemas.microsoft.com/office/powerpoint/2010/main" val="3062998403"/>
+        <p14:creationId xmlns:p14="http://schemas.microsoft.com/office/powerpoint/2010/main" xmlns="" val="3062998403"/>
       </p:ext>
     </p:extLst>
   </p:cSld>
@@ -7645,7 +7644,7 @@
     </p:spTree>
     <p:extLst>
       <p:ext uri="{BB962C8B-B14F-4D97-AF65-F5344CB8AC3E}">
-        <p14:creationId xmlns:p14="http://schemas.microsoft.com/office/powerpoint/2010/main" val="4287964921"/>
+        <p14:creationId xmlns:p14="http://schemas.microsoft.com/office/powerpoint/2010/main" xmlns="" val="4287964921"/>
       </p:ext>
     </p:extLst>
   </p:cSld>
@@ -7762,7 +7761,7 @@
     </p:spTree>
     <p:extLst>
       <p:ext uri="{BB962C8B-B14F-4D97-AF65-F5344CB8AC3E}">
-        <p14:creationId xmlns:p14="http://schemas.microsoft.com/office/powerpoint/2010/main" val="4240990639"/>
+        <p14:creationId xmlns:p14="http://schemas.microsoft.com/office/powerpoint/2010/main" xmlns="" val="4240990639"/>
       </p:ext>
     </p:extLst>
   </p:cSld>
@@ -8061,7 +8060,7 @@
     </p:spTree>
     <p:extLst>
       <p:ext uri="{BB962C8B-B14F-4D97-AF65-F5344CB8AC3E}">
-        <p14:creationId xmlns:p14="http://schemas.microsoft.com/office/powerpoint/2010/main" val="4056290413"/>
+        <p14:creationId xmlns:p14="http://schemas.microsoft.com/office/powerpoint/2010/main" xmlns="" val="4056290413"/>
       </p:ext>
     </p:extLst>
   </p:cSld>
@@ -8340,7 +8339,7 @@
     </p:spTree>
     <p:extLst>
       <p:ext uri="{BB962C8B-B14F-4D97-AF65-F5344CB8AC3E}">
-        <p14:creationId xmlns:p14="http://schemas.microsoft.com/office/powerpoint/2010/main" val="100683316"/>
+        <p14:creationId xmlns:p14="http://schemas.microsoft.com/office/powerpoint/2010/main" xmlns="" val="100683316"/>
       </p:ext>
     </p:extLst>
   </p:cSld>
@@ -8387,7 +8386,7 @@
           <a:blip r:embed="rId13" cstate="print">
             <a:extLst>
               <a:ext uri="{28A0092B-C50C-407E-A947-70E740481C1C}">
-                <a14:useLocalDpi xmlns:a14="http://schemas.microsoft.com/office/drawing/2010/main" val="0"/>
+                <a14:useLocalDpi xmlns:a14="http://schemas.microsoft.com/office/drawing/2010/main" xmlns="" val="0"/>
               </a:ext>
             </a:extLst>
           </a:blip>
@@ -8407,7 +8406,7 @@
           <a:noFill/>
           <a:extLst>
             <a:ext uri="{909E8E84-426E-40DD-AFC4-6F175D3DCCD1}">
-              <a14:hiddenFill xmlns:a14="http://schemas.microsoft.com/office/drawing/2010/main">
+              <a14:hiddenFill xmlns:a14="http://schemas.microsoft.com/office/drawing/2010/main" xmlns="">
                 <a:solidFill>
                   <a:srgbClr val="FFFFFF"/>
                 </a:solidFill>
@@ -8441,14 +8440,14 @@
           <a:effectLst/>
           <a:extLst>
             <a:ext uri="{909E8E84-426E-40DD-AFC4-6F175D3DCCD1}">
-              <a14:hiddenFill xmlns:a14="http://schemas.microsoft.com/office/drawing/2010/main">
+              <a14:hiddenFill xmlns:a14="http://schemas.microsoft.com/office/drawing/2010/main" xmlns="">
                 <a:solidFill>
                   <a:schemeClr val="accent1"/>
                 </a:solidFill>
               </a14:hiddenFill>
             </a:ext>
             <a:ext uri="{91240B29-F687-4F45-9708-019B960494DF}">
-              <a14:hiddenLine xmlns:a14="http://schemas.microsoft.com/office/drawing/2010/main" w="9525">
+              <a14:hiddenLine xmlns:a14="http://schemas.microsoft.com/office/drawing/2010/main" xmlns="" w="9525">
                 <a:solidFill>
                   <a:schemeClr val="tx1"/>
                 </a:solidFill>
@@ -8458,7 +8457,7 @@
               </a14:hiddenLine>
             </a:ext>
             <a:ext uri="{AF507438-7753-43E0-B8FC-AC1667EBCBE1}">
-              <a14:hiddenEffects xmlns:a14="http://schemas.microsoft.com/office/drawing/2010/main">
+              <a14:hiddenEffects xmlns:a14="http://schemas.microsoft.com/office/drawing/2010/main" xmlns="">
                 <a:effectLst>
                   <a:outerShdw dist="35921" dir="2700000" algn="ctr" rotWithShape="0">
                     <a:schemeClr val="bg2"/>
@@ -8510,14 +8509,14 @@
           <a:effectLst/>
           <a:extLst>
             <a:ext uri="{909E8E84-426E-40DD-AFC4-6F175D3DCCD1}">
-              <a14:hiddenFill xmlns:a14="http://schemas.microsoft.com/office/drawing/2010/main">
+              <a14:hiddenFill xmlns:a14="http://schemas.microsoft.com/office/drawing/2010/main" xmlns="">
                 <a:solidFill>
                   <a:schemeClr val="accent1"/>
                 </a:solidFill>
               </a14:hiddenFill>
             </a:ext>
             <a:ext uri="{91240B29-F687-4F45-9708-019B960494DF}">
-              <a14:hiddenLine xmlns:a14="http://schemas.microsoft.com/office/drawing/2010/main" w="9525">
+              <a14:hiddenLine xmlns:a14="http://schemas.microsoft.com/office/drawing/2010/main" xmlns="" w="9525">
                 <a:solidFill>
                   <a:schemeClr val="tx1"/>
                 </a:solidFill>
@@ -8527,7 +8526,7 @@
               </a14:hiddenLine>
             </a:ext>
             <a:ext uri="{AF507438-7753-43E0-B8FC-AC1667EBCBE1}">
-              <a14:hiddenEffects xmlns:a14="http://schemas.microsoft.com/office/drawing/2010/main">
+              <a14:hiddenEffects xmlns:a14="http://schemas.microsoft.com/office/drawing/2010/main" xmlns="">
                 <a:effectLst>
                   <a:outerShdw dist="35921" dir="2700000" algn="ctr" rotWithShape="0">
                     <a:schemeClr val="bg2"/>
@@ -8569,7 +8568,7 @@
           <a:blip r:embed="rId14" cstate="print">
             <a:extLst>
               <a:ext uri="{28A0092B-C50C-407E-A947-70E740481C1C}">
-                <a14:useLocalDpi xmlns:a14="http://schemas.microsoft.com/office/drawing/2010/main" val="0"/>
+                <a14:useLocalDpi xmlns:a14="http://schemas.microsoft.com/office/drawing/2010/main" xmlns="" val="0"/>
               </a:ext>
             </a:extLst>
           </a:blip>
@@ -8589,7 +8588,7 @@
           <a:noFill/>
           <a:extLst>
             <a:ext uri="{909E8E84-426E-40DD-AFC4-6F175D3DCCD1}">
-              <a14:hiddenFill xmlns:a14="http://schemas.microsoft.com/office/drawing/2010/main">
+              <a14:hiddenFill xmlns:a14="http://schemas.microsoft.com/office/drawing/2010/main" xmlns="">
                 <a:solidFill>
                   <a:srgbClr val="FFFFFF"/>
                 </a:solidFill>
@@ -8623,14 +8622,14 @@
           <a:effectLst/>
           <a:extLst>
             <a:ext uri="{909E8E84-426E-40DD-AFC4-6F175D3DCCD1}">
-              <a14:hiddenFill xmlns:a14="http://schemas.microsoft.com/office/drawing/2010/main">
+              <a14:hiddenFill xmlns:a14="http://schemas.microsoft.com/office/drawing/2010/main" xmlns="">
                 <a:solidFill>
                   <a:schemeClr val="accent1"/>
                 </a:solidFill>
               </a14:hiddenFill>
             </a:ext>
             <a:ext uri="{91240B29-F687-4F45-9708-019B960494DF}">
-              <a14:hiddenLine xmlns:a14="http://schemas.microsoft.com/office/drawing/2010/main" w="9525">
+              <a14:hiddenLine xmlns:a14="http://schemas.microsoft.com/office/drawing/2010/main" xmlns="" w="9525">
                 <a:solidFill>
                   <a:schemeClr val="tx1"/>
                 </a:solidFill>
@@ -8640,7 +8639,7 @@
               </a14:hiddenLine>
             </a:ext>
             <a:ext uri="{AF507438-7753-43E0-B8FC-AC1667EBCBE1}">
-              <a14:hiddenEffects xmlns:a14="http://schemas.microsoft.com/office/drawing/2010/main">
+              <a14:hiddenEffects xmlns:a14="http://schemas.microsoft.com/office/drawing/2010/main" xmlns="">
                 <a:effectLst>
                   <a:outerShdw dist="35921" dir="2700000" algn="ctr" rotWithShape="0">
                     <a:schemeClr val="bg2"/>
@@ -8691,7 +8690,7 @@
           <a:blip r:embed="rId15" cstate="print">
             <a:extLst>
               <a:ext uri="{28A0092B-C50C-407E-A947-70E740481C1C}">
-                <a14:useLocalDpi xmlns:a14="http://schemas.microsoft.com/office/drawing/2010/main" val="0"/>
+                <a14:useLocalDpi xmlns:a14="http://schemas.microsoft.com/office/drawing/2010/main" xmlns="" val="0"/>
               </a:ext>
             </a:extLst>
           </a:blip>
@@ -8711,7 +8710,7 @@
           <a:noFill/>
           <a:extLst>
             <a:ext uri="{909E8E84-426E-40DD-AFC4-6F175D3DCCD1}">
-              <a14:hiddenFill xmlns:a14="http://schemas.microsoft.com/office/drawing/2010/main">
+              <a14:hiddenFill xmlns:a14="http://schemas.microsoft.com/office/drawing/2010/main" xmlns="">
                 <a:solidFill>
                   <a:srgbClr val="FFFFFF"/>
                 </a:solidFill>
@@ -8745,14 +8744,14 @@
           <a:effectLst/>
           <a:extLst>
             <a:ext uri="{909E8E84-426E-40DD-AFC4-6F175D3DCCD1}">
-              <a14:hiddenFill xmlns:a14="http://schemas.microsoft.com/office/drawing/2010/main">
+              <a14:hiddenFill xmlns:a14="http://schemas.microsoft.com/office/drawing/2010/main" xmlns="">
                 <a:solidFill>
                   <a:schemeClr val="accent1"/>
                 </a:solidFill>
               </a14:hiddenFill>
             </a:ext>
             <a:ext uri="{91240B29-F687-4F45-9708-019B960494DF}">
-              <a14:hiddenLine xmlns:a14="http://schemas.microsoft.com/office/drawing/2010/main" w="9525">
+              <a14:hiddenLine xmlns:a14="http://schemas.microsoft.com/office/drawing/2010/main" xmlns="" w="9525">
                 <a:solidFill>
                   <a:schemeClr val="tx1"/>
                 </a:solidFill>
@@ -8762,7 +8761,7 @@
               </a14:hiddenLine>
             </a:ext>
             <a:ext uri="{AF507438-7753-43E0-B8FC-AC1667EBCBE1}">
-              <a14:hiddenEffects xmlns:a14="http://schemas.microsoft.com/office/drawing/2010/main">
+              <a14:hiddenEffects xmlns:a14="http://schemas.microsoft.com/office/drawing/2010/main" xmlns="">
                 <a:effectLst>
                   <a:outerShdw dist="35921" dir="2700000" algn="ctr" rotWithShape="0">
                     <a:schemeClr val="bg2"/>
@@ -8822,14 +8821,14 @@
           <a:effectLst/>
           <a:extLst>
             <a:ext uri="{909E8E84-426E-40DD-AFC4-6F175D3DCCD1}">
-              <a14:hiddenFill xmlns:a14="http://schemas.microsoft.com/office/drawing/2010/main">
+              <a14:hiddenFill xmlns:a14="http://schemas.microsoft.com/office/drawing/2010/main" xmlns="">
                 <a:solidFill>
                   <a:schemeClr val="accent1"/>
                 </a:solidFill>
               </a14:hiddenFill>
             </a:ext>
             <a:ext uri="{91240B29-F687-4F45-9708-019B960494DF}">
-              <a14:hiddenLine xmlns:a14="http://schemas.microsoft.com/office/drawing/2010/main" w="9525">
+              <a14:hiddenLine xmlns:a14="http://schemas.microsoft.com/office/drawing/2010/main" xmlns="" w="9525">
                 <a:solidFill>
                   <a:schemeClr val="tx1"/>
                 </a:solidFill>
@@ -8839,7 +8838,7 @@
               </a14:hiddenLine>
             </a:ext>
             <a:ext uri="{AF507438-7753-43E0-B8FC-AC1667EBCBE1}">
-              <a14:hiddenEffects xmlns:a14="http://schemas.microsoft.com/office/drawing/2010/main">
+              <a14:hiddenEffects xmlns:a14="http://schemas.microsoft.com/office/drawing/2010/main" xmlns="">
                 <a:effectLst>
                   <a:outerShdw dist="35921" dir="2700000" algn="ctr" rotWithShape="0">
                     <a:schemeClr val="bg2"/>
@@ -9351,7 +9350,7 @@
           <a:blip r:embed="rId13" cstate="print">
             <a:extLst>
               <a:ext uri="{28A0092B-C50C-407E-A947-70E740481C1C}">
-                <a14:useLocalDpi xmlns:a14="http://schemas.microsoft.com/office/drawing/2010/main" val="0"/>
+                <a14:useLocalDpi xmlns:a14="http://schemas.microsoft.com/office/drawing/2010/main" xmlns="" val="0"/>
               </a:ext>
             </a:extLst>
           </a:blip>
@@ -9371,7 +9370,7 @@
           <a:noFill/>
           <a:extLst>
             <a:ext uri="{909E8E84-426E-40DD-AFC4-6F175D3DCCD1}">
-              <a14:hiddenFill xmlns:a14="http://schemas.microsoft.com/office/drawing/2010/main">
+              <a14:hiddenFill xmlns:a14="http://schemas.microsoft.com/office/drawing/2010/main" xmlns="">
                 <a:solidFill>
                   <a:srgbClr val="FFFFFF"/>
                 </a:solidFill>
@@ -9392,7 +9391,7 @@
           <a:blip r:embed="rId14" cstate="print">
             <a:extLst>
               <a:ext uri="{28A0092B-C50C-407E-A947-70E740481C1C}">
-                <a14:useLocalDpi xmlns:a14="http://schemas.microsoft.com/office/drawing/2010/main" val="0"/>
+                <a14:useLocalDpi xmlns:a14="http://schemas.microsoft.com/office/drawing/2010/main" xmlns="" val="0"/>
               </a:ext>
             </a:extLst>
           </a:blip>
@@ -9412,7 +9411,7 @@
           <a:noFill/>
           <a:extLst>
             <a:ext uri="{909E8E84-426E-40DD-AFC4-6F175D3DCCD1}">
-              <a14:hiddenFill xmlns:a14="http://schemas.microsoft.com/office/drawing/2010/main">
+              <a14:hiddenFill xmlns:a14="http://schemas.microsoft.com/office/drawing/2010/main" xmlns="">
                 <a:solidFill>
                   <a:srgbClr val="FFFFFF"/>
                 </a:solidFill>
@@ -9446,14 +9445,14 @@
           <a:effectLst/>
           <a:extLst>
             <a:ext uri="{909E8E84-426E-40DD-AFC4-6F175D3DCCD1}">
-              <a14:hiddenFill xmlns:a14="http://schemas.microsoft.com/office/drawing/2010/main">
+              <a14:hiddenFill xmlns:a14="http://schemas.microsoft.com/office/drawing/2010/main" xmlns="">
                 <a:solidFill>
                   <a:schemeClr val="accent1"/>
                 </a:solidFill>
               </a14:hiddenFill>
             </a:ext>
             <a:ext uri="{91240B29-F687-4F45-9708-019B960494DF}">
-              <a14:hiddenLine xmlns:a14="http://schemas.microsoft.com/office/drawing/2010/main" w="9525">
+              <a14:hiddenLine xmlns:a14="http://schemas.microsoft.com/office/drawing/2010/main" xmlns="" w="9525">
                 <a:solidFill>
                   <a:schemeClr val="tx1"/>
                 </a:solidFill>
@@ -9463,7 +9462,7 @@
               </a14:hiddenLine>
             </a:ext>
             <a:ext uri="{AF507438-7753-43E0-B8FC-AC1667EBCBE1}">
-              <a14:hiddenEffects xmlns:a14="http://schemas.microsoft.com/office/drawing/2010/main">
+              <a14:hiddenEffects xmlns:a14="http://schemas.microsoft.com/office/drawing/2010/main" xmlns="">
                 <a:effectLst>
                   <a:outerShdw dist="35921" dir="2700000" algn="ctr" rotWithShape="0">
                     <a:schemeClr val="bg2"/>
@@ -9514,14 +9513,14 @@
           <a:effectLst/>
           <a:extLst>
             <a:ext uri="{909E8E84-426E-40DD-AFC4-6F175D3DCCD1}">
-              <a14:hiddenFill xmlns:a14="http://schemas.microsoft.com/office/drawing/2010/main">
+              <a14:hiddenFill xmlns:a14="http://schemas.microsoft.com/office/drawing/2010/main" xmlns="">
                 <a:solidFill>
                   <a:schemeClr val="accent1"/>
                 </a:solidFill>
               </a14:hiddenFill>
             </a:ext>
             <a:ext uri="{91240B29-F687-4F45-9708-019B960494DF}">
-              <a14:hiddenLine xmlns:a14="http://schemas.microsoft.com/office/drawing/2010/main" w="9525">
+              <a14:hiddenLine xmlns:a14="http://schemas.microsoft.com/office/drawing/2010/main" xmlns="" w="9525">
                 <a:solidFill>
                   <a:schemeClr val="tx1"/>
                 </a:solidFill>
@@ -9531,7 +9530,7 @@
               </a14:hiddenLine>
             </a:ext>
             <a:ext uri="{AF507438-7753-43E0-B8FC-AC1667EBCBE1}">
-              <a14:hiddenEffects xmlns:a14="http://schemas.microsoft.com/office/drawing/2010/main">
+              <a14:hiddenEffects xmlns:a14="http://schemas.microsoft.com/office/drawing/2010/main" xmlns="">
                 <a:effectLst>
                   <a:outerShdw dist="35921" dir="2700000" algn="ctr" rotWithShape="0">
                     <a:schemeClr val="bg2"/>
@@ -9586,14 +9585,14 @@
           <a:effectLst/>
           <a:extLst>
             <a:ext uri="{909E8E84-426E-40DD-AFC4-6F175D3DCCD1}">
-              <a14:hiddenFill xmlns:a14="http://schemas.microsoft.com/office/drawing/2010/main">
+              <a14:hiddenFill xmlns:a14="http://schemas.microsoft.com/office/drawing/2010/main" xmlns="">
                 <a:solidFill>
                   <a:schemeClr val="accent1"/>
                 </a:solidFill>
               </a14:hiddenFill>
             </a:ext>
             <a:ext uri="{91240B29-F687-4F45-9708-019B960494DF}">
-              <a14:hiddenLine xmlns:a14="http://schemas.microsoft.com/office/drawing/2010/main" w="9525">
+              <a14:hiddenLine xmlns:a14="http://schemas.microsoft.com/office/drawing/2010/main" xmlns="" w="9525">
                 <a:solidFill>
                   <a:schemeClr val="tx1"/>
                 </a:solidFill>
@@ -9603,7 +9602,7 @@
               </a14:hiddenLine>
             </a:ext>
             <a:ext uri="{AF507438-7753-43E0-B8FC-AC1667EBCBE1}">
-              <a14:hiddenEffects xmlns:a14="http://schemas.microsoft.com/office/drawing/2010/main">
+              <a14:hiddenEffects xmlns:a14="http://schemas.microsoft.com/office/drawing/2010/main" xmlns="">
                 <a:effectLst>
                   <a:outerShdw dist="35921" dir="2700000" algn="ctr" rotWithShape="0">
                     <a:schemeClr val="bg2"/>
@@ -9654,7 +9653,7 @@
           <a:blip r:embed="rId15" cstate="print">
             <a:extLst>
               <a:ext uri="{28A0092B-C50C-407E-A947-70E740481C1C}">
-                <a14:useLocalDpi xmlns:a14="http://schemas.microsoft.com/office/drawing/2010/main" val="0"/>
+                <a14:useLocalDpi xmlns:a14="http://schemas.microsoft.com/office/drawing/2010/main" xmlns="" val="0"/>
               </a:ext>
             </a:extLst>
           </a:blip>
@@ -9674,7 +9673,7 @@
           <a:noFill/>
           <a:extLst>
             <a:ext uri="{909E8E84-426E-40DD-AFC4-6F175D3DCCD1}">
-              <a14:hiddenFill xmlns:a14="http://schemas.microsoft.com/office/drawing/2010/main">
+              <a14:hiddenFill xmlns:a14="http://schemas.microsoft.com/office/drawing/2010/main" xmlns="">
                 <a:solidFill>
                   <a:srgbClr val="FFFFFF"/>
                 </a:solidFill>
@@ -9708,14 +9707,14 @@
           <a:effectLst/>
           <a:extLst>
             <a:ext uri="{909E8E84-426E-40DD-AFC4-6F175D3DCCD1}">
-              <a14:hiddenFill xmlns:a14="http://schemas.microsoft.com/office/drawing/2010/main">
+              <a14:hiddenFill xmlns:a14="http://schemas.microsoft.com/office/drawing/2010/main" xmlns="">
                 <a:solidFill>
                   <a:schemeClr val="accent1"/>
                 </a:solidFill>
               </a14:hiddenFill>
             </a:ext>
             <a:ext uri="{91240B29-F687-4F45-9708-019B960494DF}">
-              <a14:hiddenLine xmlns:a14="http://schemas.microsoft.com/office/drawing/2010/main" w="9525">
+              <a14:hiddenLine xmlns:a14="http://schemas.microsoft.com/office/drawing/2010/main" xmlns="" w="9525">
                 <a:solidFill>
                   <a:schemeClr val="tx1"/>
                 </a:solidFill>
@@ -9725,7 +9724,7 @@
               </a14:hiddenLine>
             </a:ext>
             <a:ext uri="{AF507438-7753-43E0-B8FC-AC1667EBCBE1}">
-              <a14:hiddenEffects xmlns:a14="http://schemas.microsoft.com/office/drawing/2010/main">
+              <a14:hiddenEffects xmlns:a14="http://schemas.microsoft.com/office/drawing/2010/main" xmlns="">
                 <a:effectLst>
                   <a:outerShdw dist="35921" dir="2700000" algn="ctr" rotWithShape="0">
                     <a:schemeClr val="bg2"/>
@@ -9785,14 +9784,14 @@
           <a:effectLst/>
           <a:extLst>
             <a:ext uri="{909E8E84-426E-40DD-AFC4-6F175D3DCCD1}">
-              <a14:hiddenFill xmlns:a14="http://schemas.microsoft.com/office/drawing/2010/main">
+              <a14:hiddenFill xmlns:a14="http://schemas.microsoft.com/office/drawing/2010/main" xmlns="">
                 <a:solidFill>
                   <a:schemeClr val="accent1"/>
                 </a:solidFill>
               </a14:hiddenFill>
             </a:ext>
             <a:ext uri="{91240B29-F687-4F45-9708-019B960494DF}">
-              <a14:hiddenLine xmlns:a14="http://schemas.microsoft.com/office/drawing/2010/main" w="9525">
+              <a14:hiddenLine xmlns:a14="http://schemas.microsoft.com/office/drawing/2010/main" xmlns="" w="9525">
                 <a:solidFill>
                   <a:schemeClr val="tx1"/>
                 </a:solidFill>
@@ -9802,7 +9801,7 @@
               </a14:hiddenLine>
             </a:ext>
             <a:ext uri="{AF507438-7753-43E0-B8FC-AC1667EBCBE1}">
-              <a14:hiddenEffects xmlns:a14="http://schemas.microsoft.com/office/drawing/2010/main">
+              <a14:hiddenEffects xmlns:a14="http://schemas.microsoft.com/office/drawing/2010/main" xmlns="">
                 <a:effectLst>
                   <a:outerShdw dist="35921" dir="2700000" algn="ctr" rotWithShape="0">
                     <a:schemeClr val="bg2"/>
@@ -10313,7 +10312,7 @@
           <a:blip r:embed="rId13" cstate="print">
             <a:extLst>
               <a:ext uri="{28A0092B-C50C-407E-A947-70E740481C1C}">
-                <a14:useLocalDpi xmlns:a14="http://schemas.microsoft.com/office/drawing/2010/main" val="0"/>
+                <a14:useLocalDpi xmlns:a14="http://schemas.microsoft.com/office/drawing/2010/main" xmlns="" val="0"/>
               </a:ext>
             </a:extLst>
           </a:blip>
@@ -10333,7 +10332,7 @@
           <a:noFill/>
           <a:extLst>
             <a:ext uri="{909E8E84-426E-40DD-AFC4-6F175D3DCCD1}">
-              <a14:hiddenFill xmlns:a14="http://schemas.microsoft.com/office/drawing/2010/main">
+              <a14:hiddenFill xmlns:a14="http://schemas.microsoft.com/office/drawing/2010/main" xmlns="">
                 <a:solidFill>
                   <a:srgbClr val="FFFFFF"/>
                 </a:solidFill>
@@ -10354,7 +10353,7 @@
           <a:blip r:embed="rId14" cstate="print">
             <a:extLst>
               <a:ext uri="{28A0092B-C50C-407E-A947-70E740481C1C}">
-                <a14:useLocalDpi xmlns:a14="http://schemas.microsoft.com/office/drawing/2010/main" val="0"/>
+                <a14:useLocalDpi xmlns:a14="http://schemas.microsoft.com/office/drawing/2010/main" xmlns="" val="0"/>
               </a:ext>
             </a:extLst>
           </a:blip>
@@ -10374,7 +10373,7 @@
           <a:noFill/>
           <a:extLst>
             <a:ext uri="{909E8E84-426E-40DD-AFC4-6F175D3DCCD1}">
-              <a14:hiddenFill xmlns:a14="http://schemas.microsoft.com/office/drawing/2010/main">
+              <a14:hiddenFill xmlns:a14="http://schemas.microsoft.com/office/drawing/2010/main" xmlns="">
                 <a:solidFill>
                   <a:srgbClr val="FFFFFF"/>
                 </a:solidFill>
@@ -10408,14 +10407,14 @@
           <a:effectLst/>
           <a:extLst>
             <a:ext uri="{909E8E84-426E-40DD-AFC4-6F175D3DCCD1}">
-              <a14:hiddenFill xmlns:a14="http://schemas.microsoft.com/office/drawing/2010/main">
+              <a14:hiddenFill xmlns:a14="http://schemas.microsoft.com/office/drawing/2010/main" xmlns="">
                 <a:solidFill>
                   <a:schemeClr val="accent1"/>
                 </a:solidFill>
               </a14:hiddenFill>
             </a:ext>
             <a:ext uri="{91240B29-F687-4F45-9708-019B960494DF}">
-              <a14:hiddenLine xmlns:a14="http://schemas.microsoft.com/office/drawing/2010/main" w="9525">
+              <a14:hiddenLine xmlns:a14="http://schemas.microsoft.com/office/drawing/2010/main" xmlns="" w="9525">
                 <a:solidFill>
                   <a:schemeClr val="tx1"/>
                 </a:solidFill>
@@ -10425,7 +10424,7 @@
               </a14:hiddenLine>
             </a:ext>
             <a:ext uri="{AF507438-7753-43E0-B8FC-AC1667EBCBE1}">
-              <a14:hiddenEffects xmlns:a14="http://schemas.microsoft.com/office/drawing/2010/main">
+              <a14:hiddenEffects xmlns:a14="http://schemas.microsoft.com/office/drawing/2010/main" xmlns="">
                 <a:effectLst>
                   <a:outerShdw dist="35921" dir="2700000" algn="ctr" rotWithShape="0">
                     <a:schemeClr val="bg2"/>
@@ -10476,14 +10475,14 @@
           <a:effectLst/>
           <a:extLst>
             <a:ext uri="{909E8E84-426E-40DD-AFC4-6F175D3DCCD1}">
-              <a14:hiddenFill xmlns:a14="http://schemas.microsoft.com/office/drawing/2010/main">
+              <a14:hiddenFill xmlns:a14="http://schemas.microsoft.com/office/drawing/2010/main" xmlns="">
                 <a:solidFill>
                   <a:schemeClr val="accent1"/>
                 </a:solidFill>
               </a14:hiddenFill>
             </a:ext>
             <a:ext uri="{91240B29-F687-4F45-9708-019B960494DF}">
-              <a14:hiddenLine xmlns:a14="http://schemas.microsoft.com/office/drawing/2010/main" w="9525">
+              <a14:hiddenLine xmlns:a14="http://schemas.microsoft.com/office/drawing/2010/main" xmlns="" w="9525">
                 <a:solidFill>
                   <a:schemeClr val="tx1"/>
                 </a:solidFill>
@@ -10493,7 +10492,7 @@
               </a14:hiddenLine>
             </a:ext>
             <a:ext uri="{AF507438-7753-43E0-B8FC-AC1667EBCBE1}">
-              <a14:hiddenEffects xmlns:a14="http://schemas.microsoft.com/office/drawing/2010/main">
+              <a14:hiddenEffects xmlns:a14="http://schemas.microsoft.com/office/drawing/2010/main" xmlns="">
                 <a:effectLst>
                   <a:outerShdw dist="35921" dir="2700000" algn="ctr" rotWithShape="0">
                     <a:schemeClr val="bg2"/>
@@ -10548,14 +10547,14 @@
           <a:effectLst/>
           <a:extLst>
             <a:ext uri="{909E8E84-426E-40DD-AFC4-6F175D3DCCD1}">
-              <a14:hiddenFill xmlns:a14="http://schemas.microsoft.com/office/drawing/2010/main">
+              <a14:hiddenFill xmlns:a14="http://schemas.microsoft.com/office/drawing/2010/main" xmlns="">
                 <a:solidFill>
                   <a:schemeClr val="accent1"/>
                 </a:solidFill>
               </a14:hiddenFill>
             </a:ext>
             <a:ext uri="{91240B29-F687-4F45-9708-019B960494DF}">
-              <a14:hiddenLine xmlns:a14="http://schemas.microsoft.com/office/drawing/2010/main" w="9525">
+              <a14:hiddenLine xmlns:a14="http://schemas.microsoft.com/office/drawing/2010/main" xmlns="" w="9525">
                 <a:solidFill>
                   <a:schemeClr val="tx1"/>
                 </a:solidFill>
@@ -10565,7 +10564,7 @@
               </a14:hiddenLine>
             </a:ext>
             <a:ext uri="{AF507438-7753-43E0-B8FC-AC1667EBCBE1}">
-              <a14:hiddenEffects xmlns:a14="http://schemas.microsoft.com/office/drawing/2010/main">
+              <a14:hiddenEffects xmlns:a14="http://schemas.microsoft.com/office/drawing/2010/main" xmlns="">
                 <a:effectLst>
                   <a:outerShdw dist="35921" dir="2700000" algn="ctr" rotWithShape="0">
                     <a:schemeClr val="bg2"/>
@@ -10616,7 +10615,7 @@
           <a:blip r:embed="rId15" cstate="print">
             <a:extLst>
               <a:ext uri="{28A0092B-C50C-407E-A947-70E740481C1C}">
-                <a14:useLocalDpi xmlns:a14="http://schemas.microsoft.com/office/drawing/2010/main" val="0"/>
+                <a14:useLocalDpi xmlns:a14="http://schemas.microsoft.com/office/drawing/2010/main" xmlns="" val="0"/>
               </a:ext>
             </a:extLst>
           </a:blip>
@@ -10636,7 +10635,7 @@
           <a:noFill/>
           <a:extLst>
             <a:ext uri="{909E8E84-426E-40DD-AFC4-6F175D3DCCD1}">
-              <a14:hiddenFill xmlns:a14="http://schemas.microsoft.com/office/drawing/2010/main">
+              <a14:hiddenFill xmlns:a14="http://schemas.microsoft.com/office/drawing/2010/main" xmlns="">
                 <a:solidFill>
                   <a:srgbClr val="FFFFFF"/>
                 </a:solidFill>
@@ -10670,14 +10669,14 @@
           <a:effectLst/>
           <a:extLst>
             <a:ext uri="{909E8E84-426E-40DD-AFC4-6F175D3DCCD1}">
-              <a14:hiddenFill xmlns:a14="http://schemas.microsoft.com/office/drawing/2010/main">
+              <a14:hiddenFill xmlns:a14="http://schemas.microsoft.com/office/drawing/2010/main" xmlns="">
                 <a:solidFill>
                   <a:schemeClr val="accent1"/>
                 </a:solidFill>
               </a14:hiddenFill>
             </a:ext>
             <a:ext uri="{91240B29-F687-4F45-9708-019B960494DF}">
-              <a14:hiddenLine xmlns:a14="http://schemas.microsoft.com/office/drawing/2010/main" w="9525">
+              <a14:hiddenLine xmlns:a14="http://schemas.microsoft.com/office/drawing/2010/main" xmlns="" w="9525">
                 <a:solidFill>
                   <a:schemeClr val="tx1"/>
                 </a:solidFill>
@@ -10687,7 +10686,7 @@
               </a14:hiddenLine>
             </a:ext>
             <a:ext uri="{AF507438-7753-43E0-B8FC-AC1667EBCBE1}">
-              <a14:hiddenEffects xmlns:a14="http://schemas.microsoft.com/office/drawing/2010/main">
+              <a14:hiddenEffects xmlns:a14="http://schemas.microsoft.com/office/drawing/2010/main" xmlns="">
                 <a:effectLst>
                   <a:outerShdw dist="35921" dir="2700000" algn="ctr" rotWithShape="0">
                     <a:schemeClr val="bg2"/>
@@ -10747,14 +10746,14 @@
           <a:effectLst/>
           <a:extLst>
             <a:ext uri="{909E8E84-426E-40DD-AFC4-6F175D3DCCD1}">
-              <a14:hiddenFill xmlns:a14="http://schemas.microsoft.com/office/drawing/2010/main">
+              <a14:hiddenFill xmlns:a14="http://schemas.microsoft.com/office/drawing/2010/main" xmlns="">
                 <a:solidFill>
                   <a:schemeClr val="accent1"/>
                 </a:solidFill>
               </a14:hiddenFill>
             </a:ext>
             <a:ext uri="{91240B29-F687-4F45-9708-019B960494DF}">
-              <a14:hiddenLine xmlns:a14="http://schemas.microsoft.com/office/drawing/2010/main" w="9525">
+              <a14:hiddenLine xmlns:a14="http://schemas.microsoft.com/office/drawing/2010/main" xmlns="" w="9525">
                 <a:solidFill>
                   <a:schemeClr val="tx1"/>
                 </a:solidFill>
@@ -10764,7 +10763,7 @@
               </a14:hiddenLine>
             </a:ext>
             <a:ext uri="{AF507438-7753-43E0-B8FC-AC1667EBCBE1}">
-              <a14:hiddenEffects xmlns:a14="http://schemas.microsoft.com/office/drawing/2010/main">
+              <a14:hiddenEffects xmlns:a14="http://schemas.microsoft.com/office/drawing/2010/main" xmlns="">
                 <a:effectLst>
                   <a:outerShdw dist="35921" dir="2700000" algn="ctr" rotWithShape="0">
                     <a:schemeClr val="bg2"/>
@@ -11343,7 +11342,7 @@
     </p:spTree>
     <p:extLst>
       <p:ext uri="{BB962C8B-B14F-4D97-AF65-F5344CB8AC3E}">
-        <p14:creationId xmlns:p14="http://schemas.microsoft.com/office/powerpoint/2010/main" val="2480668044"/>
+        <p14:creationId xmlns:p14="http://schemas.microsoft.com/office/powerpoint/2010/main" xmlns="" val="2480668044"/>
       </p:ext>
     </p:extLst>
   </p:cSld>
@@ -11534,7 +11533,7 @@
     </p:spTree>
     <p:extLst>
       <p:ext uri="{BB962C8B-B14F-4D97-AF65-F5344CB8AC3E}">
-        <p14:creationId xmlns:p14="http://schemas.microsoft.com/office/powerpoint/2010/main" val="3504255483"/>
+        <p14:creationId xmlns:p14="http://schemas.microsoft.com/office/powerpoint/2010/main" xmlns="" val="3504255483"/>
       </p:ext>
     </p:extLst>
   </p:cSld>
@@ -11627,21 +11626,13 @@
             </a:r>
             <a:r>
               <a:rPr lang="nl-NL" dirty="0" smtClean="0"/>
-              <a:t>s </a:t>
-            </a:r>
+              <a:t>s since unix epoch</a:t>
+            </a:r>
+          </a:p>
+          <a:p>
             <a:r>
               <a:rPr lang="nl-NL" dirty="0" smtClean="0"/>
-              <a:t>since unix epoch</a:t>
-            </a:r>
-          </a:p>
-          <a:p>
-            <a:r>
-              <a:rPr lang="nl-NL" dirty="0" smtClean="0"/>
-              <a:t>Measure before and </a:t>
-            </a:r>
-            <a:r>
-              <a:rPr lang="nl-NL" dirty="0" smtClean="0"/>
-              <a:t>after</a:t>
+              <a:t>Measure before and after</a:t>
             </a:r>
           </a:p>
           <a:p>
@@ -11731,7 +11722,7 @@
     </p:spTree>
     <p:extLst>
       <p:ext uri="{BB962C8B-B14F-4D97-AF65-F5344CB8AC3E}">
-        <p14:creationId xmlns:p14="http://schemas.microsoft.com/office/powerpoint/2010/main" val="3649998688"/>
+        <p14:creationId xmlns:p14="http://schemas.microsoft.com/office/powerpoint/2010/main" xmlns="" val="3649998688"/>
       </p:ext>
     </p:extLst>
   </p:cSld>
@@ -11921,7 +11912,7 @@
     </p:spTree>
     <p:extLst>
       <p:ext uri="{BB962C8B-B14F-4D97-AF65-F5344CB8AC3E}">
-        <p14:creationId xmlns:p14="http://schemas.microsoft.com/office/powerpoint/2010/main" val="844478232"/>
+        <p14:creationId xmlns:p14="http://schemas.microsoft.com/office/powerpoint/2010/main" xmlns="" val="844478232"/>
       </p:ext>
     </p:extLst>
   </p:cSld>
@@ -11982,10 +11973,10 @@
           </p:nvPr>
         </p:nvPicPr>
         <p:blipFill>
-          <a:blip r:embed="rId2">
+          <a:blip r:embed="rId2" cstate="print">
             <a:extLst>
               <a:ext uri="{28A0092B-C50C-407E-A947-70E740481C1C}">
-                <a14:useLocalDpi xmlns:a14="http://schemas.microsoft.com/office/drawing/2010/main" val="0"/>
+                <a14:useLocalDpi xmlns:a14="http://schemas.microsoft.com/office/drawing/2010/main" xmlns="" val="0"/>
               </a:ext>
             </a:extLst>
           </a:blip>
@@ -12086,10 +12077,10 @@
           </p:nvPr>
         </p:nvPicPr>
         <p:blipFill>
-          <a:blip r:embed="rId3">
+          <a:blip r:embed="rId3" cstate="print">
             <a:extLst>
               <a:ext uri="{28A0092B-C50C-407E-A947-70E740481C1C}">
-                <a14:useLocalDpi xmlns:a14="http://schemas.microsoft.com/office/drawing/2010/main" val="0"/>
+                <a14:useLocalDpi xmlns:a14="http://schemas.microsoft.com/office/drawing/2010/main" xmlns="" val="0"/>
               </a:ext>
             </a:extLst>
           </a:blip>
@@ -12107,7 +12098,7 @@
     </p:spTree>
     <p:extLst>
       <p:ext uri="{BB962C8B-B14F-4D97-AF65-F5344CB8AC3E}">
-        <p14:creationId xmlns:p14="http://schemas.microsoft.com/office/powerpoint/2010/main" val="193362717"/>
+        <p14:creationId xmlns:p14="http://schemas.microsoft.com/office/powerpoint/2010/main" xmlns="" val="193362717"/>
       </p:ext>
     </p:extLst>
   </p:cSld>
@@ -12168,10 +12159,10 @@
           </p:nvPr>
         </p:nvPicPr>
         <p:blipFill>
-          <a:blip r:embed="rId2">
+          <a:blip r:embed="rId2" cstate="print">
             <a:extLst>
               <a:ext uri="{28A0092B-C50C-407E-A947-70E740481C1C}">
-                <a14:useLocalDpi xmlns:a14="http://schemas.microsoft.com/office/drawing/2010/main" val="0"/>
+                <a14:useLocalDpi xmlns:a14="http://schemas.microsoft.com/office/drawing/2010/main" xmlns="" val="0"/>
               </a:ext>
             </a:extLst>
           </a:blip>
@@ -12272,10 +12263,10 @@
           </p:nvPr>
         </p:nvPicPr>
         <p:blipFill>
-          <a:blip r:embed="rId3">
+          <a:blip r:embed="rId3" cstate="print">
             <a:extLst>
               <a:ext uri="{28A0092B-C50C-407E-A947-70E740481C1C}">
-                <a14:useLocalDpi xmlns:a14="http://schemas.microsoft.com/office/drawing/2010/main" val="0"/>
+                <a14:useLocalDpi xmlns:a14="http://schemas.microsoft.com/office/drawing/2010/main" xmlns="" val="0"/>
               </a:ext>
             </a:extLst>
           </a:blip>
@@ -12293,7 +12284,7 @@
     </p:spTree>
     <p:extLst>
       <p:ext uri="{BB962C8B-B14F-4D97-AF65-F5344CB8AC3E}">
-        <p14:creationId xmlns:p14="http://schemas.microsoft.com/office/powerpoint/2010/main" val="3753177398"/>
+        <p14:creationId xmlns:p14="http://schemas.microsoft.com/office/powerpoint/2010/main" xmlns="" val="3753177398"/>
       </p:ext>
     </p:extLst>
   </p:cSld>
@@ -12354,10 +12345,10 @@
           </p:nvPr>
         </p:nvPicPr>
         <p:blipFill>
-          <a:blip r:embed="rId2">
+          <a:blip r:embed="rId2" cstate="print">
             <a:extLst>
               <a:ext uri="{28A0092B-C50C-407E-A947-70E740481C1C}">
-                <a14:useLocalDpi xmlns:a14="http://schemas.microsoft.com/office/drawing/2010/main" val="0"/>
+                <a14:useLocalDpi xmlns:a14="http://schemas.microsoft.com/office/drawing/2010/main" xmlns="" val="0"/>
               </a:ext>
             </a:extLst>
           </a:blip>
@@ -12458,10 +12449,10 @@
           </p:nvPr>
         </p:nvPicPr>
         <p:blipFill>
-          <a:blip r:embed="rId3">
+          <a:blip r:embed="rId3" cstate="print">
             <a:extLst>
               <a:ext uri="{28A0092B-C50C-407E-A947-70E740481C1C}">
-                <a14:useLocalDpi xmlns:a14="http://schemas.microsoft.com/office/drawing/2010/main" val="0"/>
+                <a14:useLocalDpi xmlns:a14="http://schemas.microsoft.com/office/drawing/2010/main" xmlns="" val="0"/>
               </a:ext>
             </a:extLst>
           </a:blip>
@@ -12479,7 +12470,7 @@
     </p:spTree>
     <p:extLst>
       <p:ext uri="{BB962C8B-B14F-4D97-AF65-F5344CB8AC3E}">
-        <p14:creationId xmlns:p14="http://schemas.microsoft.com/office/powerpoint/2010/main" val="159973409"/>
+        <p14:creationId xmlns:p14="http://schemas.microsoft.com/office/powerpoint/2010/main" xmlns="" val="159973409"/>
       </p:ext>
     </p:extLst>
   </p:cSld>
@@ -12540,10 +12531,10 @@
           </p:nvPr>
         </p:nvPicPr>
         <p:blipFill>
-          <a:blip r:embed="rId2">
+          <a:blip r:embed="rId2" cstate="print">
             <a:extLst>
               <a:ext uri="{28A0092B-C50C-407E-A947-70E740481C1C}">
-                <a14:useLocalDpi xmlns:a14="http://schemas.microsoft.com/office/drawing/2010/main" val="0"/>
+                <a14:useLocalDpi xmlns:a14="http://schemas.microsoft.com/office/drawing/2010/main" xmlns="" val="0"/>
               </a:ext>
             </a:extLst>
           </a:blip>
@@ -12569,10 +12560,10 @@
           </p:nvPr>
         </p:nvPicPr>
         <p:blipFill>
-          <a:blip r:embed="rId3">
+          <a:blip r:embed="rId3" cstate="print">
             <a:extLst>
               <a:ext uri="{28A0092B-C50C-407E-A947-70E740481C1C}">
-                <a14:useLocalDpi xmlns:a14="http://schemas.microsoft.com/office/drawing/2010/main" val="0"/>
+                <a14:useLocalDpi xmlns:a14="http://schemas.microsoft.com/office/drawing/2010/main" xmlns="" val="0"/>
               </a:ext>
             </a:extLst>
           </a:blip>
@@ -12665,7 +12656,7 @@
     </p:spTree>
     <p:extLst>
       <p:ext uri="{BB962C8B-B14F-4D97-AF65-F5344CB8AC3E}">
-        <p14:creationId xmlns:p14="http://schemas.microsoft.com/office/powerpoint/2010/main" val="2965906798"/>
+        <p14:creationId xmlns:p14="http://schemas.microsoft.com/office/powerpoint/2010/main" xmlns="" val="2965906798"/>
       </p:ext>
     </p:extLst>
   </p:cSld>
@@ -12726,10 +12717,10 @@
           </p:nvPr>
         </p:nvPicPr>
         <p:blipFill>
-          <a:blip r:embed="rId2">
+          <a:blip r:embed="rId2" cstate="print">
             <a:extLst>
               <a:ext uri="{28A0092B-C50C-407E-A947-70E740481C1C}">
-                <a14:useLocalDpi xmlns:a14="http://schemas.microsoft.com/office/drawing/2010/main" val="0"/>
+                <a14:useLocalDpi xmlns:a14="http://schemas.microsoft.com/office/drawing/2010/main" xmlns="" val="0"/>
               </a:ext>
             </a:extLst>
           </a:blip>
@@ -12755,10 +12746,10 @@
           </p:nvPr>
         </p:nvPicPr>
         <p:blipFill>
-          <a:blip r:embed="rId3">
+          <a:blip r:embed="rId3" cstate="print">
             <a:extLst>
               <a:ext uri="{28A0092B-C50C-407E-A947-70E740481C1C}">
-                <a14:useLocalDpi xmlns:a14="http://schemas.microsoft.com/office/drawing/2010/main" val="0"/>
+                <a14:useLocalDpi xmlns:a14="http://schemas.microsoft.com/office/drawing/2010/main" xmlns="" val="0"/>
               </a:ext>
             </a:extLst>
           </a:blip>
@@ -12851,7 +12842,7 @@
     </p:spTree>
     <p:extLst>
       <p:ext uri="{BB962C8B-B14F-4D97-AF65-F5344CB8AC3E}">
-        <p14:creationId xmlns:p14="http://schemas.microsoft.com/office/powerpoint/2010/main" val="1660339234"/>
+        <p14:creationId xmlns:p14="http://schemas.microsoft.com/office/powerpoint/2010/main" xmlns="" val="1660339234"/>
       </p:ext>
     </p:extLst>
   </p:cSld>
@@ -12912,10 +12903,10 @@
           </p:nvPr>
         </p:nvPicPr>
         <p:blipFill>
-          <a:blip r:embed="rId2">
+          <a:blip r:embed="rId2" cstate="print">
             <a:extLst>
               <a:ext uri="{28A0092B-C50C-407E-A947-70E740481C1C}">
-                <a14:useLocalDpi xmlns:a14="http://schemas.microsoft.com/office/drawing/2010/main" val="0"/>
+                <a14:useLocalDpi xmlns:a14="http://schemas.microsoft.com/office/drawing/2010/main" xmlns="" val="0"/>
               </a:ext>
             </a:extLst>
           </a:blip>
@@ -12941,10 +12932,10 @@
           </p:nvPr>
         </p:nvPicPr>
         <p:blipFill>
-          <a:blip r:embed="rId3">
+          <a:blip r:embed="rId3" cstate="print">
             <a:extLst>
               <a:ext uri="{28A0092B-C50C-407E-A947-70E740481C1C}">
-                <a14:useLocalDpi xmlns:a14="http://schemas.microsoft.com/office/drawing/2010/main" val="0"/>
+                <a14:useLocalDpi xmlns:a14="http://schemas.microsoft.com/office/drawing/2010/main" xmlns="" val="0"/>
               </a:ext>
             </a:extLst>
           </a:blip>
@@ -13037,7 +13028,7 @@
     </p:spTree>
     <p:extLst>
       <p:ext uri="{BB962C8B-B14F-4D97-AF65-F5344CB8AC3E}">
-        <p14:creationId xmlns:p14="http://schemas.microsoft.com/office/powerpoint/2010/main" val="2730050800"/>
+        <p14:creationId xmlns:p14="http://schemas.microsoft.com/office/powerpoint/2010/main" xmlns="" val="2730050800"/>
       </p:ext>
     </p:extLst>
   </p:cSld>
@@ -13098,10 +13089,10 @@
           </p:nvPr>
         </p:nvPicPr>
         <p:blipFill>
-          <a:blip r:embed="rId2">
+          <a:blip r:embed="rId2" cstate="print">
             <a:extLst>
               <a:ext uri="{28A0092B-C50C-407E-A947-70E740481C1C}">
-                <a14:useLocalDpi xmlns:a14="http://schemas.microsoft.com/office/drawing/2010/main" val="0"/>
+                <a14:useLocalDpi xmlns:a14="http://schemas.microsoft.com/office/drawing/2010/main" xmlns="" val="0"/>
               </a:ext>
             </a:extLst>
           </a:blip>
@@ -13127,10 +13118,10 @@
           </p:nvPr>
         </p:nvPicPr>
         <p:blipFill>
-          <a:blip r:embed="rId3">
+          <a:blip r:embed="rId3" cstate="print">
             <a:extLst>
               <a:ext uri="{28A0092B-C50C-407E-A947-70E740481C1C}">
-                <a14:useLocalDpi xmlns:a14="http://schemas.microsoft.com/office/drawing/2010/main" val="0"/>
+                <a14:useLocalDpi xmlns:a14="http://schemas.microsoft.com/office/drawing/2010/main" xmlns="" val="0"/>
               </a:ext>
             </a:extLst>
           </a:blip>
@@ -13223,7 +13214,7 @@
     </p:spTree>
     <p:extLst>
       <p:ext uri="{BB962C8B-B14F-4D97-AF65-F5344CB8AC3E}">
-        <p14:creationId xmlns:p14="http://schemas.microsoft.com/office/powerpoint/2010/main" val="619382673"/>
+        <p14:creationId xmlns:p14="http://schemas.microsoft.com/office/powerpoint/2010/main" xmlns="" val="619382673"/>
       </p:ext>
     </p:extLst>
   </p:cSld>
@@ -13482,7 +13473,7 @@
           <a:blip r:embed="rId2" cstate="print">
             <a:extLst>
               <a:ext uri="{28A0092B-C50C-407E-A947-70E740481C1C}">
-                <a14:useLocalDpi xmlns:a14="http://schemas.microsoft.com/office/drawing/2010/main" val="0"/>
+                <a14:useLocalDpi xmlns:a14="http://schemas.microsoft.com/office/drawing/2010/main" xmlns="" val="0"/>
               </a:ext>
             </a:extLst>
           </a:blip>
@@ -13506,14 +13497,14 @@
           <a:effectLst/>
           <a:extLst>
             <a:ext uri="{909E8E84-426E-40DD-AFC4-6F175D3DCCD1}">
-              <a14:hiddenFill xmlns:a14="http://schemas.microsoft.com/office/drawing/2010/main">
+              <a14:hiddenFill xmlns:a14="http://schemas.microsoft.com/office/drawing/2010/main" xmlns="">
                 <a:solidFill>
                   <a:schemeClr val="accent1"/>
                 </a:solidFill>
               </a14:hiddenFill>
             </a:ext>
             <a:ext uri="{91240B29-F687-4F45-9708-019B960494DF}">
-              <a14:hiddenLine xmlns:a14="http://schemas.microsoft.com/office/drawing/2010/main" w="9525">
+              <a14:hiddenLine xmlns:a14="http://schemas.microsoft.com/office/drawing/2010/main" xmlns="" w="9525">
                 <a:solidFill>
                   <a:schemeClr val="tx1"/>
                 </a:solidFill>
@@ -13523,7 +13514,7 @@
               </a14:hiddenLine>
             </a:ext>
             <a:ext uri="{AF507438-7753-43E0-B8FC-AC1667EBCBE1}">
-              <a14:hiddenEffects xmlns:a14="http://schemas.microsoft.com/office/drawing/2010/main">
+              <a14:hiddenEffects xmlns:a14="http://schemas.microsoft.com/office/drawing/2010/main" xmlns="">
                 <a:effectLst>
                   <a:outerShdw dist="35921" dir="2700000" algn="ctr" rotWithShape="0">
                     <a:schemeClr val="bg2"/>
@@ -13537,7 +13528,7 @@
     </p:spTree>
     <p:extLst>
       <p:ext uri="{BB962C8B-B14F-4D97-AF65-F5344CB8AC3E}">
-        <p14:creationId xmlns:p14="http://schemas.microsoft.com/office/powerpoint/2010/main" val="262833968"/>
+        <p14:creationId xmlns:p14="http://schemas.microsoft.com/office/powerpoint/2010/main" xmlns="" val="262833968"/>
       </p:ext>
     </p:extLst>
   </p:cSld>
@@ -13581,63 +13572,12 @@
           <a:p>
             <a:r>
               <a:rPr lang="nl-NL" dirty="0" err="1" smtClean="0"/>
-              <a:t>Progress</a:t>
-            </a:r>
-            <a:endParaRPr lang="en-US" dirty="0"/>
-          </a:p>
-        </p:txBody>
-      </p:sp>
-      <p:sp>
-        <p:nvSpPr>
-          <p:cNvPr id="3" name="Content Placeholder 2"/>
-          <p:cNvSpPr>
-            <a:spLocks noGrp="1"/>
-          </p:cNvSpPr>
-          <p:nvPr>
-            <p:ph idx="1"/>
-          </p:nvPr>
-        </p:nvSpPr>
-        <p:spPr/>
-        <p:txBody>
-          <a:bodyPr/>
-          <a:lstStyle/>
-          <a:p>
+              <a:t>Questions</a:t>
+            </a:r>
             <a:r>
               <a:rPr lang="nl-NL" dirty="0" smtClean="0"/>
-              <a:t>A lot of data</a:t>
-            </a:r>
-          </a:p>
-          <a:p>
-            <a:endParaRPr lang="nl-NL" dirty="0"/>
-          </a:p>
-          <a:p>
-            <a:r>
-              <a:rPr lang="nl-NL" dirty="0" smtClean="0"/>
-              <a:t>Access </a:t>
-            </a:r>
-            <a:r>
-              <a:rPr lang="nl-NL" dirty="0" err="1" smtClean="0"/>
-              <a:t>to</a:t>
-            </a:r>
-            <a:r>
-              <a:rPr lang="nl-NL" dirty="0" smtClean="0"/>
-              <a:t> a lot of </a:t>
-            </a:r>
-            <a:r>
-              <a:rPr lang="nl-NL" dirty="0" err="1" smtClean="0"/>
-              <a:t>objects</a:t>
-            </a:r>
-            <a:r>
-              <a:rPr lang="nl-NL" dirty="0" smtClean="0"/>
-              <a:t> of host </a:t>
-            </a:r>
-            <a:r>
-              <a:rPr lang="nl-NL" dirty="0" err="1" smtClean="0"/>
-              <a:t>required</a:t>
-            </a:r>
-            <a:endParaRPr lang="nl-NL" dirty="0" smtClean="0"/>
-          </a:p>
-          <a:p>
+              <a:t>?</a:t>
+            </a:r>
             <a:endParaRPr lang="en-US" dirty="0"/>
           </a:p>
         </p:txBody>
@@ -13688,138 +13628,6 @@
               <a:rPr lang="nl-NL" smtClean="0"/>
               <a:pPr/>
               <a:t>19</a:t>
-            </a:fld>
-            <a:endParaRPr lang="nl-NL"/>
-          </a:p>
-        </p:txBody>
-      </p:sp>
-      <p:sp>
-        <p:nvSpPr>
-          <p:cNvPr id="6" name="Date Placeholder 5"/>
-          <p:cNvSpPr>
-            <a:spLocks noGrp="1"/>
-          </p:cNvSpPr>
-          <p:nvPr>
-            <p:ph type="dt" sz="half" idx="12"/>
-          </p:nvPr>
-        </p:nvSpPr>
-        <p:spPr/>
-        <p:txBody>
-          <a:bodyPr/>
-          <a:lstStyle/>
-          <a:p>
-            <a:fld id="{29387D58-1795-4544-9DBD-51E7675CBAA4}" type="datetime1">
-              <a:rPr lang="nl-NL" smtClean="0"/>
-              <a:pPr/>
-              <a:t>8-4-2014</a:t>
-            </a:fld>
-            <a:endParaRPr lang="nl-NL"/>
-          </a:p>
-        </p:txBody>
-      </p:sp>
-    </p:spTree>
-    <p:extLst>
-      <p:ext uri="{BB962C8B-B14F-4D97-AF65-F5344CB8AC3E}">
-        <p14:creationId xmlns:p14="http://schemas.microsoft.com/office/powerpoint/2010/main" val="1687566504"/>
-      </p:ext>
-    </p:extLst>
-  </p:cSld>
-  <p:clrMapOvr>
-    <a:masterClrMapping/>
-  </p:clrMapOvr>
-</p:sld>
-</file>
-
-<file path=ppt/slides/slide21.xml><?xml version="1.0" encoding="utf-8"?>
-<p:sld xmlns:a="http://schemas.openxmlformats.org/drawingml/2006/main" xmlns:r="http://schemas.openxmlformats.org/officeDocument/2006/relationships" xmlns:p="http://schemas.openxmlformats.org/presentationml/2006/main">
-  <p:cSld>
-    <p:spTree>
-      <p:nvGrpSpPr>
-        <p:cNvPr id="1" name=""/>
-        <p:cNvGrpSpPr/>
-        <p:nvPr/>
-      </p:nvGrpSpPr>
-      <p:grpSpPr>
-        <a:xfrm>
-          <a:off x="0" y="0"/>
-          <a:ext cx="0" cy="0"/>
-          <a:chOff x="0" y="0"/>
-          <a:chExt cx="0" cy="0"/>
-        </a:xfrm>
-      </p:grpSpPr>
-      <p:sp>
-        <p:nvSpPr>
-          <p:cNvPr id="2" name="Title 1"/>
-          <p:cNvSpPr>
-            <a:spLocks noGrp="1"/>
-          </p:cNvSpPr>
-          <p:nvPr>
-            <p:ph type="title"/>
-          </p:nvPr>
-        </p:nvSpPr>
-        <p:spPr/>
-        <p:txBody>
-          <a:bodyPr/>
-          <a:lstStyle/>
-          <a:p>
-            <a:r>
-              <a:rPr lang="nl-NL" dirty="0" err="1" smtClean="0"/>
-              <a:t>Questions</a:t>
-            </a:r>
-            <a:r>
-              <a:rPr lang="nl-NL" dirty="0" smtClean="0"/>
-              <a:t>?</a:t>
-            </a:r>
-            <a:endParaRPr lang="en-US" dirty="0"/>
-          </a:p>
-        </p:txBody>
-      </p:sp>
-      <p:sp>
-        <p:nvSpPr>
-          <p:cNvPr id="4" name="Footer Placeholder 3"/>
-          <p:cNvSpPr>
-            <a:spLocks noGrp="1"/>
-          </p:cNvSpPr>
-          <p:nvPr>
-            <p:ph type="ftr" sz="quarter" idx="10"/>
-          </p:nvPr>
-        </p:nvSpPr>
-        <p:spPr/>
-        <p:txBody>
-          <a:bodyPr/>
-          <a:lstStyle/>
-          <a:p>
-            <a:r>
-              <a:rPr lang="nl-NL" smtClean="0"/>
-              <a:t>Algorithms for Massive Data - Collision Detection using CUDA</a:t>
-            </a:r>
-            <a:endParaRPr lang="nl-NL"/>
-          </a:p>
-        </p:txBody>
-      </p:sp>
-      <p:sp>
-        <p:nvSpPr>
-          <p:cNvPr id="5" name="Slide Number Placeholder 4"/>
-          <p:cNvSpPr>
-            <a:spLocks noGrp="1"/>
-          </p:cNvSpPr>
-          <p:nvPr>
-            <p:ph type="sldNum" sz="quarter" idx="11"/>
-          </p:nvPr>
-        </p:nvSpPr>
-        <p:spPr/>
-        <p:txBody>
-          <a:bodyPr/>
-          <a:lstStyle/>
-          <a:p>
-            <a:r>
-              <a:rPr lang="nl-NL" smtClean="0"/>
-              <a:t>PAGE </a:t>
-            </a:r>
-            <a:fld id="{64507BF3-F534-45C0-83AD-04D6CE5339EE}" type="slidenum">
-              <a:rPr lang="nl-NL" smtClean="0"/>
-              <a:pPr/>
-              <a:t>20</a:t>
             </a:fld>
             <a:endParaRPr lang="nl-NL"/>
           </a:p>
@@ -13868,7 +13676,7 @@
           <a:noFill/>
           <a:extLst>
             <a:ext uri="{909E8E84-426E-40DD-AFC4-6F175D3DCCD1}">
-              <a14:hiddenFill xmlns:a14="http://schemas.microsoft.com/office/drawing/2010/main">
+              <a14:hiddenFill xmlns:a14="http://schemas.microsoft.com/office/drawing/2010/main" xmlns="">
                 <a:solidFill>
                   <a:srgbClr val="FFFFFF"/>
                 </a:solidFill>
@@ -13902,7 +13710,7 @@
           <a:blip r:embed="rId2" cstate="print">
             <a:extLst>
               <a:ext uri="{28A0092B-C50C-407E-A947-70E740481C1C}">
-                <a14:useLocalDpi xmlns:a14="http://schemas.microsoft.com/office/drawing/2010/main" val="0"/>
+                <a14:useLocalDpi xmlns:a14="http://schemas.microsoft.com/office/drawing/2010/main" xmlns="" val="0"/>
               </a:ext>
             </a:extLst>
           </a:blip>
@@ -13926,14 +13734,14 @@
           <a:effectLst/>
           <a:extLst>
             <a:ext uri="{909E8E84-426E-40DD-AFC4-6F175D3DCCD1}">
-              <a14:hiddenFill xmlns:a14="http://schemas.microsoft.com/office/drawing/2010/main">
+              <a14:hiddenFill xmlns:a14="http://schemas.microsoft.com/office/drawing/2010/main" xmlns="">
                 <a:solidFill>
                   <a:schemeClr val="accent1"/>
                 </a:solidFill>
               </a14:hiddenFill>
             </a:ext>
             <a:ext uri="{91240B29-F687-4F45-9708-019B960494DF}">
-              <a14:hiddenLine xmlns:a14="http://schemas.microsoft.com/office/drawing/2010/main" w="9525">
+              <a14:hiddenLine xmlns:a14="http://schemas.microsoft.com/office/drawing/2010/main" xmlns="" w="9525">
                 <a:solidFill>
                   <a:schemeClr val="tx1"/>
                 </a:solidFill>
@@ -13943,7 +13751,7 @@
               </a14:hiddenLine>
             </a:ext>
             <a:ext uri="{AF507438-7753-43E0-B8FC-AC1667EBCBE1}">
-              <a14:hiddenEffects xmlns:a14="http://schemas.microsoft.com/office/drawing/2010/main">
+              <a14:hiddenEffects xmlns:a14="http://schemas.microsoft.com/office/drawing/2010/main" xmlns="">
                 <a:effectLst>
                   <a:outerShdw dist="35921" dir="2700000" algn="ctr" rotWithShape="0">
                     <a:schemeClr val="bg2"/>
@@ -13957,7 +13765,7 @@
     </p:spTree>
     <p:extLst>
       <p:ext uri="{BB962C8B-B14F-4D97-AF65-F5344CB8AC3E}">
-        <p14:creationId xmlns:p14="http://schemas.microsoft.com/office/powerpoint/2010/main" val="2520379375"/>
+        <p14:creationId xmlns:p14="http://schemas.microsoft.com/office/powerpoint/2010/main" xmlns="" val="2520379375"/>
       </p:ext>
     </p:extLst>
   </p:cSld>
@@ -14369,7 +14177,7 @@
     </p:spTree>
     <p:extLst>
       <p:ext uri="{BB962C8B-B14F-4D97-AF65-F5344CB8AC3E}">
-        <p14:creationId xmlns:p14="http://schemas.microsoft.com/office/powerpoint/2010/main" val="3891151546"/>
+        <p14:creationId xmlns:p14="http://schemas.microsoft.com/office/powerpoint/2010/main" xmlns="" val="3891151546"/>
       </p:ext>
     </p:extLst>
   </p:cSld>
@@ -14651,7 +14459,7 @@
     </p:spTree>
     <p:extLst>
       <p:ext uri="{BB962C8B-B14F-4D97-AF65-F5344CB8AC3E}">
-        <p14:creationId xmlns:p14="http://schemas.microsoft.com/office/powerpoint/2010/main" val="1322811030"/>
+        <p14:creationId xmlns:p14="http://schemas.microsoft.com/office/powerpoint/2010/main" xmlns="" val="1322811030"/>
       </p:ext>
     </p:extLst>
   </p:cSld>
@@ -15628,7 +15436,30 @@
             <a:pPr lvl="2"/>
             <a:r>
               <a:rPr lang="en-US" dirty="0" smtClean="0"/>
-              <a:t>Each face maps to arbitrary edge/vertex, so we need whole output array</a:t>
+              <a:t>Each face maps to arbitrary edge/vertex, so we need whole output </a:t>
+            </a:r>
+            <a:r>
+              <a:rPr lang="en-US" dirty="0" smtClean="0"/>
+              <a:t>array</a:t>
+            </a:r>
+          </a:p>
+          <a:p>
+            <a:pPr lvl="2"/>
+            <a:r>
+              <a:rPr lang="en-US" dirty="0" smtClean="0"/>
+              <a:t>We can lower </a:t>
+            </a:r>
+            <a:r>
+              <a:rPr lang="en-US" dirty="0" err="1" smtClean="0"/>
+              <a:t>maxSize</a:t>
+            </a:r>
+            <a:r>
+              <a:rPr lang="en-US" dirty="0" smtClean="0"/>
+              <a:t>, giving up precision for </a:t>
+            </a:r>
+            <a:r>
+              <a:rPr lang="en-US" dirty="0" err="1" smtClean="0"/>
+              <a:t>runability</a:t>
             </a:r>
             <a:endParaRPr lang="en-US" dirty="0"/>
           </a:p>
